--- a/PastaDocumentos/PITCH-Projeto.pptx
+++ b/PastaDocumentos/PITCH-Projeto.pptx
@@ -2,7 +2,7 @@
 <file path=ppt/presentation.xml><?xml version="1.0" encoding="utf-8"?>
 <p:presentation xmlns:a="http://schemas.openxmlformats.org/drawingml/2006/main" xmlns:r="http://schemas.openxmlformats.org/officeDocument/2006/relationships" xmlns:p="http://schemas.openxmlformats.org/presentationml/2006/main" saveSubsetFonts="1">
   <p:sldMasterIdLst>
-    <p:sldMasterId id="2147483648" r:id="rId1"/>
+    <p:sldMasterId id="2147483677" r:id="rId1"/>
   </p:sldMasterIdLst>
   <p:sldIdLst>
     <p:sldId id="256" r:id="rId2"/>
@@ -11,9 +11,9 @@
   <p:notesSz cx="6858000" cy="9144000"/>
   <p:defaultTextStyle>
     <a:defPPr>
-      <a:defRPr lang="pt-BR"/>
+      <a:defRPr lang="en-US"/>
     </a:defPPr>
-    <a:lvl1pPr marL="0" algn="l" defTabSz="914400" rtl="0" eaLnBrk="1" latinLnBrk="0" hangingPunct="1">
+    <a:lvl1pPr marL="0" algn="l" defTabSz="457200" rtl="0" eaLnBrk="1" latinLnBrk="0" hangingPunct="1">
       <a:defRPr sz="1800" kern="1200">
         <a:solidFill>
           <a:schemeClr val="tx1"/>
@@ -23,7 +23,7 @@
         <a:cs typeface="+mn-cs"/>
       </a:defRPr>
     </a:lvl1pPr>
-    <a:lvl2pPr marL="457200" algn="l" defTabSz="914400" rtl="0" eaLnBrk="1" latinLnBrk="0" hangingPunct="1">
+    <a:lvl2pPr marL="457200" algn="l" defTabSz="457200" rtl="0" eaLnBrk="1" latinLnBrk="0" hangingPunct="1">
       <a:defRPr sz="1800" kern="1200">
         <a:solidFill>
           <a:schemeClr val="tx1"/>
@@ -33,7 +33,7 @@
         <a:cs typeface="+mn-cs"/>
       </a:defRPr>
     </a:lvl2pPr>
-    <a:lvl3pPr marL="914400" algn="l" defTabSz="914400" rtl="0" eaLnBrk="1" latinLnBrk="0" hangingPunct="1">
+    <a:lvl3pPr marL="914400" algn="l" defTabSz="457200" rtl="0" eaLnBrk="1" latinLnBrk="0" hangingPunct="1">
       <a:defRPr sz="1800" kern="1200">
         <a:solidFill>
           <a:schemeClr val="tx1"/>
@@ -43,7 +43,7 @@
         <a:cs typeface="+mn-cs"/>
       </a:defRPr>
     </a:lvl3pPr>
-    <a:lvl4pPr marL="1371600" algn="l" defTabSz="914400" rtl="0" eaLnBrk="1" latinLnBrk="0" hangingPunct="1">
+    <a:lvl4pPr marL="1371600" algn="l" defTabSz="457200" rtl="0" eaLnBrk="1" latinLnBrk="0" hangingPunct="1">
       <a:defRPr sz="1800" kern="1200">
         <a:solidFill>
           <a:schemeClr val="tx1"/>
@@ -53,7 +53,7 @@
         <a:cs typeface="+mn-cs"/>
       </a:defRPr>
     </a:lvl4pPr>
-    <a:lvl5pPr marL="1828800" algn="l" defTabSz="914400" rtl="0" eaLnBrk="1" latinLnBrk="0" hangingPunct="1">
+    <a:lvl5pPr marL="1828800" algn="l" defTabSz="457200" rtl="0" eaLnBrk="1" latinLnBrk="0" hangingPunct="1">
       <a:defRPr sz="1800" kern="1200">
         <a:solidFill>
           <a:schemeClr val="tx1"/>
@@ -63,7 +63,7 @@
         <a:cs typeface="+mn-cs"/>
       </a:defRPr>
     </a:lvl5pPr>
-    <a:lvl6pPr marL="2286000" algn="l" defTabSz="914400" rtl="0" eaLnBrk="1" latinLnBrk="0" hangingPunct="1">
+    <a:lvl6pPr marL="2286000" algn="l" defTabSz="457200" rtl="0" eaLnBrk="1" latinLnBrk="0" hangingPunct="1">
       <a:defRPr sz="1800" kern="1200">
         <a:solidFill>
           <a:schemeClr val="tx1"/>
@@ -73,7 +73,7 @@
         <a:cs typeface="+mn-cs"/>
       </a:defRPr>
     </a:lvl6pPr>
-    <a:lvl7pPr marL="2743200" algn="l" defTabSz="914400" rtl="0" eaLnBrk="1" latinLnBrk="0" hangingPunct="1">
+    <a:lvl7pPr marL="2743200" algn="l" defTabSz="457200" rtl="0" eaLnBrk="1" latinLnBrk="0" hangingPunct="1">
       <a:defRPr sz="1800" kern="1200">
         <a:solidFill>
           <a:schemeClr val="tx1"/>
@@ -83,7 +83,7 @@
         <a:cs typeface="+mn-cs"/>
       </a:defRPr>
     </a:lvl7pPr>
-    <a:lvl8pPr marL="3200400" algn="l" defTabSz="914400" rtl="0" eaLnBrk="1" latinLnBrk="0" hangingPunct="1">
+    <a:lvl8pPr marL="3200400" algn="l" defTabSz="457200" rtl="0" eaLnBrk="1" latinLnBrk="0" hangingPunct="1">
       <a:defRPr sz="1800" kern="1200">
         <a:solidFill>
           <a:schemeClr val="tx1"/>
@@ -93,7 +93,7 @@
         <a:cs typeface="+mn-cs"/>
       </a:defRPr>
     </a:lvl8pPr>
-    <a:lvl9pPr marL="3657600" algn="l" defTabSz="914400" rtl="0" eaLnBrk="1" latinLnBrk="0" hangingPunct="1">
+    <a:lvl9pPr marL="3657600" algn="l" defTabSz="457200" rtl="0" eaLnBrk="1" latinLnBrk="0" hangingPunct="1">
       <a:defRPr sz="1800" kern="1200">
         <a:solidFill>
           <a:schemeClr val="tx1"/>
@@ -104,6 +104,11 @@
       </a:defRPr>
     </a:lvl9pPr>
   </p:defaultTextStyle>
+  <p:extLst>
+    <p:ext uri="{EFAFB233-063F-42B5-8137-9DF3F51BA10A}">
+      <p15:sldGuideLst xmlns:p15="http://schemas.microsoft.com/office/powerpoint/2012/main"/>
+    </p:ext>
+  </p:extLst>
 </p:presentation>
 </file>
 
@@ -126,13 +131,7 @@
       </p:grpSpPr>
       <p:sp>
         <p:nvSpPr>
-          <p:cNvPr id="2" name="Título 1">
-            <a:extLst>
-              <a:ext uri="{FF2B5EF4-FFF2-40B4-BE49-F238E27FC236}">
-                <a16:creationId xmlns:a16="http://schemas.microsoft.com/office/drawing/2014/main" id="{7B1EEFB6-F0FE-C60B-5F7E-BF085AAC31EE}"/>
-              </a:ext>
-            </a:extLst>
-          </p:cNvPr>
+          <p:cNvPr id="2" name="Title 1"/>
           <p:cNvSpPr>
             <a:spLocks noGrp="1"/>
           </p:cNvSpPr>
@@ -142,15 +141,15 @@
         </p:nvSpPr>
         <p:spPr>
           <a:xfrm>
-            <a:off x="1524000" y="1122363"/>
-            <a:ext cx="9144000" cy="2387600"/>
+            <a:off x="1154955" y="1447800"/>
+            <a:ext cx="8825658" cy="3329581"/>
           </a:xfrm>
         </p:spPr>
         <p:txBody>
           <a:bodyPr anchor="b"/>
           <a:lstStyle>
-            <a:lvl1pPr algn="ctr">
-              <a:defRPr sz="6000"/>
+            <a:lvl1pPr>
+              <a:defRPr sz="7200"/>
             </a:lvl1pPr>
           </a:lstStyle>
           <a:p>
@@ -158,18 +157,13 @@
               <a:rPr lang="pt-BR"/>
               <a:t>Clique para editar o título Mestre</a:t>
             </a:r>
-          </a:p>
-        </p:txBody>
-      </p:sp>
-      <p:sp>
-        <p:nvSpPr>
-          <p:cNvPr id="3" name="Subtítulo 2">
-            <a:extLst>
-              <a:ext uri="{FF2B5EF4-FFF2-40B4-BE49-F238E27FC236}">
-                <a16:creationId xmlns:a16="http://schemas.microsoft.com/office/drawing/2014/main" id="{3CB00104-C130-3CD0-10EE-D3360E42B11D}"/>
-              </a:ext>
-            </a:extLst>
-          </p:cNvPr>
+            <a:endParaRPr lang="en-US" dirty="0"/>
+          </a:p>
+        </p:txBody>
+      </p:sp>
+      <p:sp>
+        <p:nvSpPr>
+          <p:cNvPr id="3" name="Subtitle 2"/>
           <p:cNvSpPr>
             <a:spLocks noGrp="1"/>
           </p:cNvSpPr>
@@ -179,48 +173,103 @@
         </p:nvSpPr>
         <p:spPr>
           <a:xfrm>
-            <a:off x="1524000" y="3602038"/>
-            <a:ext cx="9144000" cy="1655762"/>
+            <a:off x="1154955" y="4777380"/>
+            <a:ext cx="8825658" cy="861420"/>
           </a:xfrm>
         </p:spPr>
         <p:txBody>
-          <a:bodyPr/>
+          <a:bodyPr anchor="t"/>
           <a:lstStyle>
-            <a:lvl1pPr marL="0" indent="0" algn="ctr">
-              <a:buNone/>
-              <a:defRPr sz="2400"/>
+            <a:lvl1pPr marL="0" indent="0" algn="l">
+              <a:buNone/>
+              <a:defRPr cap="all">
+                <a:solidFill>
+                  <a:schemeClr val="bg2">
+                    <a:lumMod val="40000"/>
+                    <a:lumOff val="60000"/>
+                  </a:schemeClr>
+                </a:solidFill>
+              </a:defRPr>
             </a:lvl1pPr>
             <a:lvl2pPr marL="457200" indent="0" algn="ctr">
               <a:buNone/>
-              <a:defRPr sz="2000"/>
+              <a:defRPr>
+                <a:solidFill>
+                  <a:schemeClr val="tx1">
+                    <a:tint val="75000"/>
+                  </a:schemeClr>
+                </a:solidFill>
+              </a:defRPr>
             </a:lvl2pPr>
             <a:lvl3pPr marL="914400" indent="0" algn="ctr">
               <a:buNone/>
-              <a:defRPr sz="1800"/>
+              <a:defRPr>
+                <a:solidFill>
+                  <a:schemeClr val="tx1">
+                    <a:tint val="75000"/>
+                  </a:schemeClr>
+                </a:solidFill>
+              </a:defRPr>
             </a:lvl3pPr>
             <a:lvl4pPr marL="1371600" indent="0" algn="ctr">
               <a:buNone/>
-              <a:defRPr sz="1600"/>
+              <a:defRPr>
+                <a:solidFill>
+                  <a:schemeClr val="tx1">
+                    <a:tint val="75000"/>
+                  </a:schemeClr>
+                </a:solidFill>
+              </a:defRPr>
             </a:lvl4pPr>
             <a:lvl5pPr marL="1828800" indent="0" algn="ctr">
               <a:buNone/>
-              <a:defRPr sz="1600"/>
+              <a:defRPr>
+                <a:solidFill>
+                  <a:schemeClr val="tx1">
+                    <a:tint val="75000"/>
+                  </a:schemeClr>
+                </a:solidFill>
+              </a:defRPr>
             </a:lvl5pPr>
             <a:lvl6pPr marL="2286000" indent="0" algn="ctr">
               <a:buNone/>
-              <a:defRPr sz="1600"/>
+              <a:defRPr>
+                <a:solidFill>
+                  <a:schemeClr val="tx1">
+                    <a:tint val="75000"/>
+                  </a:schemeClr>
+                </a:solidFill>
+              </a:defRPr>
             </a:lvl6pPr>
             <a:lvl7pPr marL="2743200" indent="0" algn="ctr">
               <a:buNone/>
-              <a:defRPr sz="1600"/>
+              <a:defRPr>
+                <a:solidFill>
+                  <a:schemeClr val="tx1">
+                    <a:tint val="75000"/>
+                  </a:schemeClr>
+                </a:solidFill>
+              </a:defRPr>
             </a:lvl7pPr>
             <a:lvl8pPr marL="3200400" indent="0" algn="ctr">
               <a:buNone/>
-              <a:defRPr sz="1600"/>
+              <a:defRPr>
+                <a:solidFill>
+                  <a:schemeClr val="tx1">
+                    <a:tint val="75000"/>
+                  </a:schemeClr>
+                </a:solidFill>
+              </a:defRPr>
             </a:lvl8pPr>
             <a:lvl9pPr marL="3657600" indent="0" algn="ctr">
               <a:buNone/>
-              <a:defRPr sz="1600"/>
+              <a:defRPr>
+                <a:solidFill>
+                  <a:schemeClr val="tx1">
+                    <a:tint val="75000"/>
+                  </a:schemeClr>
+                </a:solidFill>
+              </a:defRPr>
             </a:lvl9pPr>
           </a:lstStyle>
           <a:p>
@@ -228,18 +277,13 @@
               <a:rPr lang="pt-BR"/>
               <a:t>Clique para editar o estilo do subtítulo Mestre</a:t>
             </a:r>
-          </a:p>
-        </p:txBody>
-      </p:sp>
-      <p:sp>
-        <p:nvSpPr>
-          <p:cNvPr id="4" name="Espaço Reservado para Data 3">
-            <a:extLst>
-              <a:ext uri="{FF2B5EF4-FFF2-40B4-BE49-F238E27FC236}">
-                <a16:creationId xmlns:a16="http://schemas.microsoft.com/office/drawing/2014/main" id="{8AE9C76E-C092-BF93-6A75-558852C64C3B}"/>
-              </a:ext>
-            </a:extLst>
-          </p:cNvPr>
+            <a:endParaRPr lang="en-US" dirty="0"/>
+          </a:p>
+        </p:txBody>
+      </p:sp>
+      <p:sp>
+        <p:nvSpPr>
+          <p:cNvPr id="4" name="Date Placeholder 3"/>
           <p:cNvSpPr>
             <a:spLocks noGrp="1"/>
           </p:cNvSpPr>
@@ -262,13 +306,7 @@
       </p:sp>
       <p:sp>
         <p:nvSpPr>
-          <p:cNvPr id="5" name="Espaço Reservado para Rodapé 4">
-            <a:extLst>
-              <a:ext uri="{FF2B5EF4-FFF2-40B4-BE49-F238E27FC236}">
-                <a16:creationId xmlns:a16="http://schemas.microsoft.com/office/drawing/2014/main" id="{875CCC5B-9499-FFCA-0CB2-6504C003D212}"/>
-              </a:ext>
-            </a:extLst>
-          </p:cNvPr>
+          <p:cNvPr id="5" name="Footer Placeholder 4"/>
           <p:cNvSpPr>
             <a:spLocks noGrp="1"/>
           </p:cNvSpPr>
@@ -287,13 +325,7 @@
       </p:sp>
       <p:sp>
         <p:nvSpPr>
-          <p:cNvPr id="6" name="Espaço Reservado para Número de Slide 5">
-            <a:extLst>
-              <a:ext uri="{FF2B5EF4-FFF2-40B4-BE49-F238E27FC236}">
-                <a16:creationId xmlns:a16="http://schemas.microsoft.com/office/drawing/2014/main" id="{06EFC158-13B3-6D66-5CA0-17F3C5459236}"/>
-              </a:ext>
-            </a:extLst>
-          </p:cNvPr>
+          <p:cNvPr id="6" name="Slide Number Placeholder 5"/>
           <p:cNvSpPr>
             <a:spLocks noGrp="1"/>
           </p:cNvSpPr>
@@ -317,7 +349,7 @@
     </p:spTree>
     <p:extLst>
       <p:ext uri="{BB962C8B-B14F-4D97-AF65-F5344CB8AC3E}">
-        <p14:creationId xmlns:p14="http://schemas.microsoft.com/office/powerpoint/2010/main" val="1069482731"/>
+        <p14:creationId xmlns:p14="http://schemas.microsoft.com/office/powerpoint/2010/main" val="2884061432"/>
       </p:ext>
     </p:extLst>
   </p:cSld>
@@ -328,6 +360,2572 @@
 </file>
 
 <file path=ppt/slideLayouts/slideLayout10.xml><?xml version="1.0" encoding="utf-8"?>
+<p:sldLayout xmlns:a="http://schemas.openxmlformats.org/drawingml/2006/main" xmlns:r="http://schemas.openxmlformats.org/officeDocument/2006/relationships" xmlns:p="http://schemas.openxmlformats.org/presentationml/2006/main" preserve="1">
+  <p:cSld name="Foto Panorâmica com Legenda">
+    <p:spTree>
+      <p:nvGrpSpPr>
+        <p:cNvPr id="1" name=""/>
+        <p:cNvGrpSpPr/>
+        <p:nvPr/>
+      </p:nvGrpSpPr>
+      <p:grpSpPr>
+        <a:xfrm>
+          <a:off x="0" y="0"/>
+          <a:ext cx="0" cy="0"/>
+          <a:chOff x="0" y="0"/>
+          <a:chExt cx="0" cy="0"/>
+        </a:xfrm>
+      </p:grpSpPr>
+      <p:sp>
+        <p:nvSpPr>
+          <p:cNvPr id="2" name="Title 1"/>
+          <p:cNvSpPr>
+            <a:spLocks noGrp="1"/>
+          </p:cNvSpPr>
+          <p:nvPr>
+            <p:ph type="title"/>
+          </p:nvPr>
+        </p:nvSpPr>
+        <p:spPr>
+          <a:xfrm>
+            <a:off x="1154956" y="4800587"/>
+            <a:ext cx="8825657" cy="566738"/>
+          </a:xfrm>
+        </p:spPr>
+        <p:txBody>
+          <a:bodyPr anchor="b">
+            <a:normAutofit/>
+          </a:bodyPr>
+          <a:lstStyle>
+            <a:lvl1pPr algn="l">
+              <a:defRPr sz="2400" b="0"/>
+            </a:lvl1pPr>
+          </a:lstStyle>
+          <a:p>
+            <a:r>
+              <a:rPr lang="pt-BR"/>
+              <a:t>Clique para editar o título Mestre</a:t>
+            </a:r>
+            <a:endParaRPr lang="en-US" dirty="0"/>
+          </a:p>
+        </p:txBody>
+      </p:sp>
+      <p:sp>
+        <p:nvSpPr>
+          <p:cNvPr id="3" name="Picture Placeholder 2"/>
+          <p:cNvSpPr>
+            <a:spLocks noGrp="1" noChangeAspect="1"/>
+          </p:cNvSpPr>
+          <p:nvPr>
+            <p:ph type="pic" idx="1"/>
+          </p:nvPr>
+        </p:nvSpPr>
+        <p:spPr>
+          <a:xfrm>
+            <a:off x="1154955" y="685800"/>
+            <a:ext cx="8825658" cy="3640666"/>
+          </a:xfrm>
+          <a:prstGeom prst="roundRect">
+            <a:avLst>
+              <a:gd name="adj" fmla="val 1858"/>
+            </a:avLst>
+          </a:prstGeom>
+          <a:effectLst>
+            <a:outerShdw blurRad="50800" dist="50800" dir="5400000" algn="tl" rotWithShape="0">
+              <a:srgbClr val="000000">
+                <a:alpha val="43000"/>
+              </a:srgbClr>
+            </a:outerShdw>
+          </a:effectLst>
+        </p:spPr>
+        <p:txBody>
+          <a:bodyPr anchor="t">
+            <a:normAutofit/>
+          </a:bodyPr>
+          <a:lstStyle>
+            <a:lvl1pPr marL="0" indent="0" algn="ctr">
+              <a:buNone/>
+              <a:defRPr sz="1600"/>
+            </a:lvl1pPr>
+            <a:lvl2pPr marL="457200" indent="0">
+              <a:buNone/>
+              <a:defRPr sz="1600"/>
+            </a:lvl2pPr>
+            <a:lvl3pPr marL="914400" indent="0">
+              <a:buNone/>
+              <a:defRPr sz="1600"/>
+            </a:lvl3pPr>
+            <a:lvl4pPr marL="1371600" indent="0">
+              <a:buNone/>
+              <a:defRPr sz="1600"/>
+            </a:lvl4pPr>
+            <a:lvl5pPr marL="1828800" indent="0">
+              <a:buNone/>
+              <a:defRPr sz="1600"/>
+            </a:lvl5pPr>
+            <a:lvl6pPr marL="2286000" indent="0">
+              <a:buNone/>
+              <a:defRPr sz="1600"/>
+            </a:lvl6pPr>
+            <a:lvl7pPr marL="2743200" indent="0">
+              <a:buNone/>
+              <a:defRPr sz="1600"/>
+            </a:lvl7pPr>
+            <a:lvl8pPr marL="3200400" indent="0">
+              <a:buNone/>
+              <a:defRPr sz="1600"/>
+            </a:lvl8pPr>
+            <a:lvl9pPr marL="3657600" indent="0">
+              <a:buNone/>
+              <a:defRPr sz="1600"/>
+            </a:lvl9pPr>
+          </a:lstStyle>
+          <a:p>
+            <a:r>
+              <a:rPr lang="pt-BR"/>
+              <a:t>Clique no ícone para adicionar uma imagem</a:t>
+            </a:r>
+            <a:endParaRPr lang="en-US" dirty="0"/>
+          </a:p>
+        </p:txBody>
+      </p:sp>
+      <p:sp>
+        <p:nvSpPr>
+          <p:cNvPr id="4" name="Text Placeholder 3"/>
+          <p:cNvSpPr>
+            <a:spLocks noGrp="1"/>
+          </p:cNvSpPr>
+          <p:nvPr>
+            <p:ph type="body" sz="half" idx="2"/>
+          </p:nvPr>
+        </p:nvSpPr>
+        <p:spPr>
+          <a:xfrm>
+            <a:off x="1154956" y="5367325"/>
+            <a:ext cx="8825656" cy="493712"/>
+          </a:xfrm>
+        </p:spPr>
+        <p:txBody>
+          <a:bodyPr>
+            <a:normAutofit/>
+          </a:bodyPr>
+          <a:lstStyle>
+            <a:lvl1pPr marL="0" indent="0">
+              <a:buNone/>
+              <a:defRPr sz="1200"/>
+            </a:lvl1pPr>
+            <a:lvl2pPr marL="457200" indent="0">
+              <a:buNone/>
+              <a:defRPr sz="1200"/>
+            </a:lvl2pPr>
+            <a:lvl3pPr marL="914400" indent="0">
+              <a:buNone/>
+              <a:defRPr sz="1000"/>
+            </a:lvl3pPr>
+            <a:lvl4pPr marL="1371600" indent="0">
+              <a:buNone/>
+              <a:defRPr sz="900"/>
+            </a:lvl4pPr>
+            <a:lvl5pPr marL="1828800" indent="0">
+              <a:buNone/>
+              <a:defRPr sz="900"/>
+            </a:lvl5pPr>
+            <a:lvl6pPr marL="2286000" indent="0">
+              <a:buNone/>
+              <a:defRPr sz="900"/>
+            </a:lvl6pPr>
+            <a:lvl7pPr marL="2743200" indent="0">
+              <a:buNone/>
+              <a:defRPr sz="900"/>
+            </a:lvl7pPr>
+            <a:lvl8pPr marL="3200400" indent="0">
+              <a:buNone/>
+              <a:defRPr sz="900"/>
+            </a:lvl8pPr>
+            <a:lvl9pPr marL="3657600" indent="0">
+              <a:buNone/>
+              <a:defRPr sz="900"/>
+            </a:lvl9pPr>
+          </a:lstStyle>
+          <a:p>
+            <a:pPr lvl="0"/>
+            <a:r>
+              <a:rPr lang="pt-BR"/>
+              <a:t>Clique para editar os estilos de texto Mestres</a:t>
+            </a:r>
+          </a:p>
+        </p:txBody>
+      </p:sp>
+      <p:sp>
+        <p:nvSpPr>
+          <p:cNvPr id="5" name="Date Placeholder 4"/>
+          <p:cNvSpPr>
+            <a:spLocks noGrp="1"/>
+          </p:cNvSpPr>
+          <p:nvPr>
+            <p:ph type="dt" sz="half" idx="10"/>
+          </p:nvPr>
+        </p:nvSpPr>
+        <p:spPr/>
+        <p:txBody>
+          <a:bodyPr/>
+          <a:lstStyle/>
+          <a:p>
+            <a:fld id="{6F3939FC-4294-4D0C-A737-9FCD840582CE}" type="datetimeFigureOut">
+              <a:rPr lang="pt-BR" smtClean="0"/>
+              <a:t>03/04/2024</a:t>
+            </a:fld>
+            <a:endParaRPr lang="pt-BR"/>
+          </a:p>
+        </p:txBody>
+      </p:sp>
+      <p:sp>
+        <p:nvSpPr>
+          <p:cNvPr id="6" name="Footer Placeholder 5"/>
+          <p:cNvSpPr>
+            <a:spLocks noGrp="1"/>
+          </p:cNvSpPr>
+          <p:nvPr>
+            <p:ph type="ftr" sz="quarter" idx="11"/>
+          </p:nvPr>
+        </p:nvSpPr>
+        <p:spPr/>
+        <p:txBody>
+          <a:bodyPr/>
+          <a:lstStyle/>
+          <a:p>
+            <a:endParaRPr lang="pt-BR"/>
+          </a:p>
+        </p:txBody>
+      </p:sp>
+      <p:sp>
+        <p:nvSpPr>
+          <p:cNvPr id="7" name="Slide Number Placeholder 6"/>
+          <p:cNvSpPr>
+            <a:spLocks noGrp="1"/>
+          </p:cNvSpPr>
+          <p:nvPr>
+            <p:ph type="sldNum" sz="quarter" idx="12"/>
+          </p:nvPr>
+        </p:nvSpPr>
+        <p:spPr/>
+        <p:txBody>
+          <a:bodyPr/>
+          <a:lstStyle/>
+          <a:p>
+            <a:fld id="{BE2F2ED8-9E33-4CB5-8EFE-1B1DAA49060C}" type="slidenum">
+              <a:rPr lang="pt-BR" smtClean="0"/>
+              <a:t>‹nº›</a:t>
+            </a:fld>
+            <a:endParaRPr lang="pt-BR"/>
+          </a:p>
+        </p:txBody>
+      </p:sp>
+    </p:spTree>
+    <p:extLst>
+      <p:ext uri="{BB962C8B-B14F-4D97-AF65-F5344CB8AC3E}">
+        <p14:creationId xmlns:p14="http://schemas.microsoft.com/office/powerpoint/2010/main" val="1210145552"/>
+      </p:ext>
+    </p:extLst>
+  </p:cSld>
+  <p:clrMapOvr>
+    <a:masterClrMapping/>
+  </p:clrMapOvr>
+</p:sldLayout>
+</file>
+
+<file path=ppt/slideLayouts/slideLayout11.xml><?xml version="1.0" encoding="utf-8"?>
+<p:sldLayout xmlns:a="http://schemas.openxmlformats.org/drawingml/2006/main" xmlns:r="http://schemas.openxmlformats.org/officeDocument/2006/relationships" xmlns:p="http://schemas.openxmlformats.org/presentationml/2006/main" preserve="1">
+  <p:cSld name="Título e Legenda">
+    <p:spTree>
+      <p:nvGrpSpPr>
+        <p:cNvPr id="1" name=""/>
+        <p:cNvGrpSpPr/>
+        <p:nvPr/>
+      </p:nvGrpSpPr>
+      <p:grpSpPr>
+        <a:xfrm>
+          <a:off x="0" y="0"/>
+          <a:ext cx="0" cy="0"/>
+          <a:chOff x="0" y="0"/>
+          <a:chExt cx="0" cy="0"/>
+        </a:xfrm>
+      </p:grpSpPr>
+      <p:sp>
+        <p:nvSpPr>
+          <p:cNvPr id="2" name="Title 1"/>
+          <p:cNvSpPr>
+            <a:spLocks noGrp="1"/>
+          </p:cNvSpPr>
+          <p:nvPr>
+            <p:ph type="title"/>
+          </p:nvPr>
+        </p:nvSpPr>
+        <p:spPr>
+          <a:xfrm>
+            <a:off x="1154954" y="1447800"/>
+            <a:ext cx="8825659" cy="1981200"/>
+          </a:xfrm>
+        </p:spPr>
+        <p:txBody>
+          <a:bodyPr/>
+          <a:lstStyle>
+            <a:lvl1pPr>
+              <a:defRPr sz="4800"/>
+            </a:lvl1pPr>
+          </a:lstStyle>
+          <a:p>
+            <a:r>
+              <a:rPr lang="pt-BR"/>
+              <a:t>Clique para editar o título Mestre</a:t>
+            </a:r>
+            <a:endParaRPr lang="en-US" dirty="0"/>
+          </a:p>
+        </p:txBody>
+      </p:sp>
+      <p:sp>
+        <p:nvSpPr>
+          <p:cNvPr id="8" name="Text Placeholder 3"/>
+          <p:cNvSpPr>
+            <a:spLocks noGrp="1"/>
+          </p:cNvSpPr>
+          <p:nvPr>
+            <p:ph type="body" sz="half" idx="2"/>
+          </p:nvPr>
+        </p:nvSpPr>
+        <p:spPr>
+          <a:xfrm>
+            <a:off x="1154954" y="3657600"/>
+            <a:ext cx="8825659" cy="2362200"/>
+          </a:xfrm>
+        </p:spPr>
+        <p:txBody>
+          <a:bodyPr anchor="ctr">
+            <a:normAutofit/>
+          </a:bodyPr>
+          <a:lstStyle>
+            <a:lvl1pPr marL="0" indent="0">
+              <a:buNone/>
+              <a:defRPr sz="1800"/>
+            </a:lvl1pPr>
+            <a:lvl2pPr marL="457200" indent="0">
+              <a:buNone/>
+              <a:defRPr sz="1200"/>
+            </a:lvl2pPr>
+            <a:lvl3pPr marL="914400" indent="0">
+              <a:buNone/>
+              <a:defRPr sz="1000"/>
+            </a:lvl3pPr>
+            <a:lvl4pPr marL="1371600" indent="0">
+              <a:buNone/>
+              <a:defRPr sz="900"/>
+            </a:lvl4pPr>
+            <a:lvl5pPr marL="1828800" indent="0">
+              <a:buNone/>
+              <a:defRPr sz="900"/>
+            </a:lvl5pPr>
+            <a:lvl6pPr marL="2286000" indent="0">
+              <a:buNone/>
+              <a:defRPr sz="900"/>
+            </a:lvl6pPr>
+            <a:lvl7pPr marL="2743200" indent="0">
+              <a:buNone/>
+              <a:defRPr sz="900"/>
+            </a:lvl7pPr>
+            <a:lvl8pPr marL="3200400" indent="0">
+              <a:buNone/>
+              <a:defRPr sz="900"/>
+            </a:lvl8pPr>
+            <a:lvl9pPr marL="3657600" indent="0">
+              <a:buNone/>
+              <a:defRPr sz="900"/>
+            </a:lvl9pPr>
+          </a:lstStyle>
+          <a:p>
+            <a:pPr lvl="0"/>
+            <a:r>
+              <a:rPr lang="pt-BR"/>
+              <a:t>Clique para editar os estilos de texto Mestres</a:t>
+            </a:r>
+          </a:p>
+        </p:txBody>
+      </p:sp>
+      <p:sp>
+        <p:nvSpPr>
+          <p:cNvPr id="4" name="Date Placeholder 3"/>
+          <p:cNvSpPr>
+            <a:spLocks noGrp="1"/>
+          </p:cNvSpPr>
+          <p:nvPr>
+            <p:ph type="dt" sz="half" idx="10"/>
+          </p:nvPr>
+        </p:nvSpPr>
+        <p:spPr/>
+        <p:txBody>
+          <a:bodyPr/>
+          <a:lstStyle/>
+          <a:p>
+            <a:fld id="{6F3939FC-4294-4D0C-A737-9FCD840582CE}" type="datetimeFigureOut">
+              <a:rPr lang="pt-BR" smtClean="0"/>
+              <a:t>03/04/2024</a:t>
+            </a:fld>
+            <a:endParaRPr lang="pt-BR"/>
+          </a:p>
+        </p:txBody>
+      </p:sp>
+      <p:sp>
+        <p:nvSpPr>
+          <p:cNvPr id="5" name="Footer Placeholder 4"/>
+          <p:cNvSpPr>
+            <a:spLocks noGrp="1"/>
+          </p:cNvSpPr>
+          <p:nvPr>
+            <p:ph type="ftr" sz="quarter" idx="11"/>
+          </p:nvPr>
+        </p:nvSpPr>
+        <p:spPr/>
+        <p:txBody>
+          <a:bodyPr/>
+          <a:lstStyle/>
+          <a:p>
+            <a:endParaRPr lang="pt-BR"/>
+          </a:p>
+        </p:txBody>
+      </p:sp>
+      <p:sp>
+        <p:nvSpPr>
+          <p:cNvPr id="6" name="Slide Number Placeholder 5"/>
+          <p:cNvSpPr>
+            <a:spLocks noGrp="1"/>
+          </p:cNvSpPr>
+          <p:nvPr>
+            <p:ph type="sldNum" sz="quarter" idx="12"/>
+          </p:nvPr>
+        </p:nvSpPr>
+        <p:spPr/>
+        <p:txBody>
+          <a:bodyPr/>
+          <a:lstStyle/>
+          <a:p>
+            <a:fld id="{BE2F2ED8-9E33-4CB5-8EFE-1B1DAA49060C}" type="slidenum">
+              <a:rPr lang="pt-BR" smtClean="0"/>
+              <a:t>‹nº›</a:t>
+            </a:fld>
+            <a:endParaRPr lang="pt-BR"/>
+          </a:p>
+        </p:txBody>
+      </p:sp>
+    </p:spTree>
+    <p:extLst>
+      <p:ext uri="{BB962C8B-B14F-4D97-AF65-F5344CB8AC3E}">
+        <p14:creationId xmlns:p14="http://schemas.microsoft.com/office/powerpoint/2010/main" val="36356631"/>
+      </p:ext>
+    </p:extLst>
+  </p:cSld>
+  <p:clrMapOvr>
+    <a:masterClrMapping/>
+  </p:clrMapOvr>
+</p:sldLayout>
+</file>
+
+<file path=ppt/slideLayouts/slideLayout12.xml><?xml version="1.0" encoding="utf-8"?>
+<p:sldLayout xmlns:a="http://schemas.openxmlformats.org/drawingml/2006/main" xmlns:r="http://schemas.openxmlformats.org/officeDocument/2006/relationships" xmlns:p="http://schemas.openxmlformats.org/presentationml/2006/main" preserve="1">
+  <p:cSld name="Citação com Legenda">
+    <p:spTree>
+      <p:nvGrpSpPr>
+        <p:cNvPr id="1" name=""/>
+        <p:cNvGrpSpPr/>
+        <p:nvPr/>
+      </p:nvGrpSpPr>
+      <p:grpSpPr>
+        <a:xfrm>
+          <a:off x="0" y="0"/>
+          <a:ext cx="0" cy="0"/>
+          <a:chOff x="0" y="0"/>
+          <a:chExt cx="0" cy="0"/>
+        </a:xfrm>
+      </p:grpSpPr>
+      <p:sp>
+        <p:nvSpPr>
+          <p:cNvPr id="2" name="Title 1"/>
+          <p:cNvSpPr>
+            <a:spLocks noGrp="1"/>
+          </p:cNvSpPr>
+          <p:nvPr>
+            <p:ph type="title"/>
+          </p:nvPr>
+        </p:nvSpPr>
+        <p:spPr>
+          <a:xfrm>
+            <a:off x="1574801" y="1447800"/>
+            <a:ext cx="7999315" cy="2323374"/>
+          </a:xfrm>
+        </p:spPr>
+        <p:txBody>
+          <a:bodyPr/>
+          <a:lstStyle>
+            <a:lvl1pPr>
+              <a:defRPr sz="4800"/>
+            </a:lvl1pPr>
+          </a:lstStyle>
+          <a:p>
+            <a:r>
+              <a:rPr lang="pt-BR"/>
+              <a:t>Clique para editar o título Mestre</a:t>
+            </a:r>
+            <a:endParaRPr lang="en-US" dirty="0"/>
+          </a:p>
+        </p:txBody>
+      </p:sp>
+      <p:sp>
+        <p:nvSpPr>
+          <p:cNvPr id="11" name="Text Placeholder 3"/>
+          <p:cNvSpPr>
+            <a:spLocks noGrp="1"/>
+          </p:cNvSpPr>
+          <p:nvPr>
+            <p:ph type="body" sz="half" idx="14"/>
+          </p:nvPr>
+        </p:nvSpPr>
+        <p:spPr>
+          <a:xfrm>
+            <a:off x="1930400" y="3771174"/>
+            <a:ext cx="7279649" cy="342174"/>
+          </a:xfrm>
+        </p:spPr>
+        <p:txBody>
+          <a:bodyPr vert="horz" lIns="91440" tIns="45720" rIns="91440" bIns="45720" rtlCol="0" anchor="t">
+            <a:normAutofit/>
+          </a:bodyPr>
+          <a:lstStyle>
+            <a:lvl1pPr marL="0" indent="0">
+              <a:buNone/>
+              <a:defRPr lang="en-US" sz="1400" b="0" i="0" kern="1200" cap="small" dirty="0">
+                <a:solidFill>
+                  <a:schemeClr val="bg2">
+                    <a:lumMod val="40000"/>
+                    <a:lumOff val="60000"/>
+                  </a:schemeClr>
+                </a:solidFill>
+                <a:latin typeface="+mj-lt"/>
+                <a:ea typeface="+mj-ea"/>
+                <a:cs typeface="+mj-cs"/>
+              </a:defRPr>
+            </a:lvl1pPr>
+            <a:lvl2pPr marL="457200" indent="0">
+              <a:buNone/>
+              <a:defRPr sz="1200"/>
+            </a:lvl2pPr>
+            <a:lvl3pPr marL="914400" indent="0">
+              <a:buNone/>
+              <a:defRPr sz="1000"/>
+            </a:lvl3pPr>
+            <a:lvl4pPr marL="1371600" indent="0">
+              <a:buNone/>
+              <a:defRPr sz="900"/>
+            </a:lvl4pPr>
+            <a:lvl5pPr marL="1828800" indent="0">
+              <a:buNone/>
+              <a:defRPr sz="900"/>
+            </a:lvl5pPr>
+            <a:lvl6pPr marL="2286000" indent="0">
+              <a:buNone/>
+              <a:defRPr sz="900"/>
+            </a:lvl6pPr>
+            <a:lvl7pPr marL="2743200" indent="0">
+              <a:buNone/>
+              <a:defRPr sz="900"/>
+            </a:lvl7pPr>
+            <a:lvl8pPr marL="3200400" indent="0">
+              <a:buNone/>
+              <a:defRPr sz="900"/>
+            </a:lvl8pPr>
+            <a:lvl9pPr marL="3657600" indent="0">
+              <a:buNone/>
+              <a:defRPr sz="900"/>
+            </a:lvl9pPr>
+          </a:lstStyle>
+          <a:p>
+            <a:pPr marL="0" lvl="0" indent="0">
+              <a:buNone/>
+            </a:pPr>
+            <a:r>
+              <a:rPr lang="pt-BR"/>
+              <a:t>Clique para editar os estilos de texto Mestres</a:t>
+            </a:r>
+          </a:p>
+        </p:txBody>
+      </p:sp>
+      <p:sp>
+        <p:nvSpPr>
+          <p:cNvPr id="10" name="Text Placeholder 3"/>
+          <p:cNvSpPr>
+            <a:spLocks noGrp="1"/>
+          </p:cNvSpPr>
+          <p:nvPr>
+            <p:ph type="body" sz="half" idx="2"/>
+          </p:nvPr>
+        </p:nvSpPr>
+        <p:spPr>
+          <a:xfrm>
+            <a:off x="1154954" y="4350657"/>
+            <a:ext cx="8825659" cy="1676400"/>
+          </a:xfrm>
+        </p:spPr>
+        <p:txBody>
+          <a:bodyPr anchor="ctr">
+            <a:normAutofit/>
+          </a:bodyPr>
+          <a:lstStyle>
+            <a:lvl1pPr marL="0" indent="0">
+              <a:buNone/>
+              <a:defRPr sz="1800"/>
+            </a:lvl1pPr>
+            <a:lvl2pPr marL="457200" indent="0">
+              <a:buNone/>
+              <a:defRPr sz="1200"/>
+            </a:lvl2pPr>
+            <a:lvl3pPr marL="914400" indent="0">
+              <a:buNone/>
+              <a:defRPr sz="1000"/>
+            </a:lvl3pPr>
+            <a:lvl4pPr marL="1371600" indent="0">
+              <a:buNone/>
+              <a:defRPr sz="900"/>
+            </a:lvl4pPr>
+            <a:lvl5pPr marL="1828800" indent="0">
+              <a:buNone/>
+              <a:defRPr sz="900"/>
+            </a:lvl5pPr>
+            <a:lvl6pPr marL="2286000" indent="0">
+              <a:buNone/>
+              <a:defRPr sz="900"/>
+            </a:lvl6pPr>
+            <a:lvl7pPr marL="2743200" indent="0">
+              <a:buNone/>
+              <a:defRPr sz="900"/>
+            </a:lvl7pPr>
+            <a:lvl8pPr marL="3200400" indent="0">
+              <a:buNone/>
+              <a:defRPr sz="900"/>
+            </a:lvl8pPr>
+            <a:lvl9pPr marL="3657600" indent="0">
+              <a:buNone/>
+              <a:defRPr sz="900"/>
+            </a:lvl9pPr>
+          </a:lstStyle>
+          <a:p>
+            <a:pPr lvl="0"/>
+            <a:r>
+              <a:rPr lang="pt-BR"/>
+              <a:t>Clique para editar os estilos de texto Mestres</a:t>
+            </a:r>
+          </a:p>
+        </p:txBody>
+      </p:sp>
+      <p:sp>
+        <p:nvSpPr>
+          <p:cNvPr id="4" name="Date Placeholder 3"/>
+          <p:cNvSpPr>
+            <a:spLocks noGrp="1"/>
+          </p:cNvSpPr>
+          <p:nvPr>
+            <p:ph type="dt" sz="half" idx="10"/>
+          </p:nvPr>
+        </p:nvSpPr>
+        <p:spPr/>
+        <p:txBody>
+          <a:bodyPr/>
+          <a:lstStyle/>
+          <a:p>
+            <a:fld id="{6F3939FC-4294-4D0C-A737-9FCD840582CE}" type="datetimeFigureOut">
+              <a:rPr lang="pt-BR" smtClean="0"/>
+              <a:t>03/04/2024</a:t>
+            </a:fld>
+            <a:endParaRPr lang="pt-BR"/>
+          </a:p>
+        </p:txBody>
+      </p:sp>
+      <p:sp>
+        <p:nvSpPr>
+          <p:cNvPr id="5" name="Footer Placeholder 4"/>
+          <p:cNvSpPr>
+            <a:spLocks noGrp="1"/>
+          </p:cNvSpPr>
+          <p:nvPr>
+            <p:ph type="ftr" sz="quarter" idx="11"/>
+          </p:nvPr>
+        </p:nvSpPr>
+        <p:spPr/>
+        <p:txBody>
+          <a:bodyPr/>
+          <a:lstStyle/>
+          <a:p>
+            <a:endParaRPr lang="pt-BR"/>
+          </a:p>
+        </p:txBody>
+      </p:sp>
+      <p:sp>
+        <p:nvSpPr>
+          <p:cNvPr id="6" name="Slide Number Placeholder 5"/>
+          <p:cNvSpPr>
+            <a:spLocks noGrp="1"/>
+          </p:cNvSpPr>
+          <p:nvPr>
+            <p:ph type="sldNum" sz="quarter" idx="12"/>
+          </p:nvPr>
+        </p:nvSpPr>
+        <p:spPr/>
+        <p:txBody>
+          <a:bodyPr/>
+          <a:lstStyle/>
+          <a:p>
+            <a:fld id="{BE2F2ED8-9E33-4CB5-8EFE-1B1DAA49060C}" type="slidenum">
+              <a:rPr lang="pt-BR" smtClean="0"/>
+              <a:t>‹nº›</a:t>
+            </a:fld>
+            <a:endParaRPr lang="pt-BR"/>
+          </a:p>
+        </p:txBody>
+      </p:sp>
+      <p:sp>
+        <p:nvSpPr>
+          <p:cNvPr id="12" name="TextBox 11"/>
+          <p:cNvSpPr txBox="1"/>
+          <p:nvPr/>
+        </p:nvSpPr>
+        <p:spPr>
+          <a:xfrm>
+            <a:off x="898295" y="971253"/>
+            <a:ext cx="801912" cy="1969770"/>
+          </a:xfrm>
+          <a:prstGeom prst="rect">
+            <a:avLst/>
+          </a:prstGeom>
+          <a:noFill/>
+        </p:spPr>
+        <p:txBody>
+          <a:bodyPr wrap="square" rtlCol="0">
+            <a:spAutoFit/>
+          </a:bodyPr>
+          <a:lstStyle>
+            <a:defPPr>
+              <a:defRPr lang="en-US"/>
+            </a:defPPr>
+            <a:lvl1pPr algn="r">
+              <a:defRPr sz="12200" b="0" i="0">
+                <a:solidFill>
+                  <a:schemeClr val="bg2">
+                    <a:lumMod val="40000"/>
+                    <a:lumOff val="60000"/>
+                  </a:schemeClr>
+                </a:solidFill>
+                <a:latin typeface="Arial"/>
+                <a:ea typeface="+mj-ea"/>
+                <a:cs typeface="+mj-cs"/>
+              </a:defRPr>
+            </a:lvl1pPr>
+          </a:lstStyle>
+          <a:p>
+            <a:pPr lvl="0"/>
+            <a:r>
+              <a:rPr lang="en-US" dirty="0"/>
+              <a:t>“</a:t>
+            </a:r>
+          </a:p>
+        </p:txBody>
+      </p:sp>
+      <p:sp>
+        <p:nvSpPr>
+          <p:cNvPr id="15" name="TextBox 14"/>
+          <p:cNvSpPr txBox="1"/>
+          <p:nvPr/>
+        </p:nvSpPr>
+        <p:spPr>
+          <a:xfrm>
+            <a:off x="9330490" y="2613787"/>
+            <a:ext cx="801912" cy="1969770"/>
+          </a:xfrm>
+          <a:prstGeom prst="rect">
+            <a:avLst/>
+          </a:prstGeom>
+          <a:noFill/>
+        </p:spPr>
+        <p:txBody>
+          <a:bodyPr wrap="square" rtlCol="0">
+            <a:spAutoFit/>
+          </a:bodyPr>
+          <a:lstStyle>
+            <a:defPPr>
+              <a:defRPr lang="en-US"/>
+            </a:defPPr>
+            <a:lvl1pPr algn="r">
+              <a:defRPr sz="12200" b="0" i="0">
+                <a:solidFill>
+                  <a:schemeClr val="bg2">
+                    <a:lumMod val="40000"/>
+                    <a:lumOff val="60000"/>
+                  </a:schemeClr>
+                </a:solidFill>
+                <a:latin typeface="Arial"/>
+                <a:ea typeface="+mj-ea"/>
+                <a:cs typeface="+mj-cs"/>
+              </a:defRPr>
+            </a:lvl1pPr>
+          </a:lstStyle>
+          <a:p>
+            <a:pPr lvl="0"/>
+            <a:r>
+              <a:rPr lang="en-US" dirty="0"/>
+              <a:t>”</a:t>
+            </a:r>
+          </a:p>
+        </p:txBody>
+      </p:sp>
+    </p:spTree>
+    <p:extLst>
+      <p:ext uri="{BB962C8B-B14F-4D97-AF65-F5344CB8AC3E}">
+        <p14:creationId xmlns:p14="http://schemas.microsoft.com/office/powerpoint/2010/main" val="2851819520"/>
+      </p:ext>
+    </p:extLst>
+  </p:cSld>
+  <p:clrMapOvr>
+    <a:masterClrMapping/>
+  </p:clrMapOvr>
+</p:sldLayout>
+</file>
+
+<file path=ppt/slideLayouts/slideLayout13.xml><?xml version="1.0" encoding="utf-8"?>
+<p:sldLayout xmlns:a="http://schemas.openxmlformats.org/drawingml/2006/main" xmlns:r="http://schemas.openxmlformats.org/officeDocument/2006/relationships" xmlns:p="http://schemas.openxmlformats.org/presentationml/2006/main" preserve="1">
+  <p:cSld name="Cartão de Nome">
+    <p:spTree>
+      <p:nvGrpSpPr>
+        <p:cNvPr id="1" name=""/>
+        <p:cNvGrpSpPr/>
+        <p:nvPr/>
+      </p:nvGrpSpPr>
+      <p:grpSpPr>
+        <a:xfrm>
+          <a:off x="0" y="0"/>
+          <a:ext cx="0" cy="0"/>
+          <a:chOff x="0" y="0"/>
+          <a:chExt cx="0" cy="0"/>
+        </a:xfrm>
+      </p:grpSpPr>
+      <p:sp>
+        <p:nvSpPr>
+          <p:cNvPr id="2" name="Title 1"/>
+          <p:cNvSpPr>
+            <a:spLocks noGrp="1"/>
+          </p:cNvSpPr>
+          <p:nvPr>
+            <p:ph type="title"/>
+          </p:nvPr>
+        </p:nvSpPr>
+        <p:spPr>
+          <a:xfrm>
+            <a:off x="1154954" y="3124201"/>
+            <a:ext cx="8825660" cy="1653180"/>
+          </a:xfrm>
+        </p:spPr>
+        <p:txBody>
+          <a:bodyPr anchor="b"/>
+          <a:lstStyle>
+            <a:lvl1pPr algn="l">
+              <a:defRPr sz="4000" b="0" cap="none"/>
+            </a:lvl1pPr>
+          </a:lstStyle>
+          <a:p>
+            <a:r>
+              <a:rPr lang="pt-BR"/>
+              <a:t>Clique para editar o título Mestre</a:t>
+            </a:r>
+            <a:endParaRPr lang="en-US" dirty="0"/>
+          </a:p>
+        </p:txBody>
+      </p:sp>
+      <p:sp>
+        <p:nvSpPr>
+          <p:cNvPr id="3" name="Text Placeholder 2"/>
+          <p:cNvSpPr>
+            <a:spLocks noGrp="1"/>
+          </p:cNvSpPr>
+          <p:nvPr>
+            <p:ph type="body" idx="1"/>
+          </p:nvPr>
+        </p:nvSpPr>
+        <p:spPr>
+          <a:xfrm>
+            <a:off x="1154954" y="4777381"/>
+            <a:ext cx="8825659" cy="860400"/>
+          </a:xfrm>
+        </p:spPr>
+        <p:txBody>
+          <a:bodyPr anchor="t"/>
+          <a:lstStyle>
+            <a:lvl1pPr marL="0" indent="0" algn="l">
+              <a:buNone/>
+              <a:defRPr sz="2000" cap="none">
+                <a:solidFill>
+                  <a:schemeClr val="bg2">
+                    <a:lumMod val="40000"/>
+                    <a:lumOff val="60000"/>
+                  </a:schemeClr>
+                </a:solidFill>
+              </a:defRPr>
+            </a:lvl1pPr>
+            <a:lvl2pPr marL="457200" indent="0">
+              <a:buNone/>
+              <a:defRPr sz="1800">
+                <a:solidFill>
+                  <a:schemeClr val="tx1">
+                    <a:tint val="75000"/>
+                  </a:schemeClr>
+                </a:solidFill>
+              </a:defRPr>
+            </a:lvl2pPr>
+            <a:lvl3pPr marL="914400" indent="0">
+              <a:buNone/>
+              <a:defRPr sz="1600">
+                <a:solidFill>
+                  <a:schemeClr val="tx1">
+                    <a:tint val="75000"/>
+                  </a:schemeClr>
+                </a:solidFill>
+              </a:defRPr>
+            </a:lvl3pPr>
+            <a:lvl4pPr marL="1371600" indent="0">
+              <a:buNone/>
+              <a:defRPr sz="1400">
+                <a:solidFill>
+                  <a:schemeClr val="tx1">
+                    <a:tint val="75000"/>
+                  </a:schemeClr>
+                </a:solidFill>
+              </a:defRPr>
+            </a:lvl4pPr>
+            <a:lvl5pPr marL="1828800" indent="0">
+              <a:buNone/>
+              <a:defRPr sz="1400">
+                <a:solidFill>
+                  <a:schemeClr val="tx1">
+                    <a:tint val="75000"/>
+                  </a:schemeClr>
+                </a:solidFill>
+              </a:defRPr>
+            </a:lvl5pPr>
+            <a:lvl6pPr marL="2286000" indent="0">
+              <a:buNone/>
+              <a:defRPr sz="1400">
+                <a:solidFill>
+                  <a:schemeClr val="tx1">
+                    <a:tint val="75000"/>
+                  </a:schemeClr>
+                </a:solidFill>
+              </a:defRPr>
+            </a:lvl6pPr>
+            <a:lvl7pPr marL="2743200" indent="0">
+              <a:buNone/>
+              <a:defRPr sz="1400">
+                <a:solidFill>
+                  <a:schemeClr val="tx1">
+                    <a:tint val="75000"/>
+                  </a:schemeClr>
+                </a:solidFill>
+              </a:defRPr>
+            </a:lvl7pPr>
+            <a:lvl8pPr marL="3200400" indent="0">
+              <a:buNone/>
+              <a:defRPr sz="1400">
+                <a:solidFill>
+                  <a:schemeClr val="tx1">
+                    <a:tint val="75000"/>
+                  </a:schemeClr>
+                </a:solidFill>
+              </a:defRPr>
+            </a:lvl8pPr>
+            <a:lvl9pPr marL="3657600" indent="0">
+              <a:buNone/>
+              <a:defRPr sz="1400">
+                <a:solidFill>
+                  <a:schemeClr val="tx1">
+                    <a:tint val="75000"/>
+                  </a:schemeClr>
+                </a:solidFill>
+              </a:defRPr>
+            </a:lvl9pPr>
+          </a:lstStyle>
+          <a:p>
+            <a:pPr lvl="0"/>
+            <a:r>
+              <a:rPr lang="pt-BR"/>
+              <a:t>Clique para editar os estilos de texto Mestres</a:t>
+            </a:r>
+          </a:p>
+        </p:txBody>
+      </p:sp>
+      <p:sp>
+        <p:nvSpPr>
+          <p:cNvPr id="4" name="Date Placeholder 3"/>
+          <p:cNvSpPr>
+            <a:spLocks noGrp="1"/>
+          </p:cNvSpPr>
+          <p:nvPr>
+            <p:ph type="dt" sz="half" idx="10"/>
+          </p:nvPr>
+        </p:nvSpPr>
+        <p:spPr/>
+        <p:txBody>
+          <a:bodyPr/>
+          <a:lstStyle/>
+          <a:p>
+            <a:fld id="{6F3939FC-4294-4D0C-A737-9FCD840582CE}" type="datetimeFigureOut">
+              <a:rPr lang="pt-BR" smtClean="0"/>
+              <a:t>03/04/2024</a:t>
+            </a:fld>
+            <a:endParaRPr lang="pt-BR"/>
+          </a:p>
+        </p:txBody>
+      </p:sp>
+      <p:sp>
+        <p:nvSpPr>
+          <p:cNvPr id="5" name="Footer Placeholder 4"/>
+          <p:cNvSpPr>
+            <a:spLocks noGrp="1"/>
+          </p:cNvSpPr>
+          <p:nvPr>
+            <p:ph type="ftr" sz="quarter" idx="11"/>
+          </p:nvPr>
+        </p:nvSpPr>
+        <p:spPr/>
+        <p:txBody>
+          <a:bodyPr/>
+          <a:lstStyle/>
+          <a:p>
+            <a:endParaRPr lang="pt-BR"/>
+          </a:p>
+        </p:txBody>
+      </p:sp>
+      <p:sp>
+        <p:nvSpPr>
+          <p:cNvPr id="6" name="Slide Number Placeholder 5"/>
+          <p:cNvSpPr>
+            <a:spLocks noGrp="1"/>
+          </p:cNvSpPr>
+          <p:nvPr>
+            <p:ph type="sldNum" sz="quarter" idx="12"/>
+          </p:nvPr>
+        </p:nvSpPr>
+        <p:spPr/>
+        <p:txBody>
+          <a:bodyPr/>
+          <a:lstStyle/>
+          <a:p>
+            <a:fld id="{BE2F2ED8-9E33-4CB5-8EFE-1B1DAA49060C}" type="slidenum">
+              <a:rPr lang="pt-BR" smtClean="0"/>
+              <a:t>‹nº›</a:t>
+            </a:fld>
+            <a:endParaRPr lang="pt-BR"/>
+          </a:p>
+        </p:txBody>
+      </p:sp>
+    </p:spTree>
+    <p:extLst>
+      <p:ext uri="{BB962C8B-B14F-4D97-AF65-F5344CB8AC3E}">
+        <p14:creationId xmlns:p14="http://schemas.microsoft.com/office/powerpoint/2010/main" val="2902892733"/>
+      </p:ext>
+    </p:extLst>
+  </p:cSld>
+  <p:clrMapOvr>
+    <a:masterClrMapping/>
+  </p:clrMapOvr>
+</p:sldLayout>
+</file>
+
+<file path=ppt/slideLayouts/slideLayout14.xml><?xml version="1.0" encoding="utf-8"?>
+<p:sldLayout xmlns:a="http://schemas.openxmlformats.org/drawingml/2006/main" xmlns:r="http://schemas.openxmlformats.org/officeDocument/2006/relationships" xmlns:p="http://schemas.openxmlformats.org/presentationml/2006/main" preserve="1">
+  <p:cSld name="3 Colunas">
+    <p:spTree>
+      <p:nvGrpSpPr>
+        <p:cNvPr id="1" name=""/>
+        <p:cNvGrpSpPr/>
+        <p:nvPr/>
+      </p:nvGrpSpPr>
+      <p:grpSpPr>
+        <a:xfrm>
+          <a:off x="0" y="0"/>
+          <a:ext cx="0" cy="0"/>
+          <a:chOff x="0" y="0"/>
+          <a:chExt cx="0" cy="0"/>
+        </a:xfrm>
+      </p:grpSpPr>
+      <p:sp>
+        <p:nvSpPr>
+          <p:cNvPr id="2" name="Title 1"/>
+          <p:cNvSpPr>
+            <a:spLocks noGrp="1"/>
+          </p:cNvSpPr>
+          <p:nvPr>
+            <p:ph type="title"/>
+          </p:nvPr>
+        </p:nvSpPr>
+        <p:spPr/>
+        <p:txBody>
+          <a:bodyPr/>
+          <a:lstStyle>
+            <a:lvl1pPr>
+              <a:defRPr sz="4200"/>
+            </a:lvl1pPr>
+          </a:lstStyle>
+          <a:p>
+            <a:r>
+              <a:rPr lang="pt-BR"/>
+              <a:t>Clique para editar o título Mestre</a:t>
+            </a:r>
+            <a:endParaRPr lang="en-US" dirty="0"/>
+          </a:p>
+        </p:txBody>
+      </p:sp>
+      <p:sp>
+        <p:nvSpPr>
+          <p:cNvPr id="3" name="Text Placeholder 2"/>
+          <p:cNvSpPr>
+            <a:spLocks noGrp="1"/>
+          </p:cNvSpPr>
+          <p:nvPr>
+            <p:ph type="body" idx="1"/>
+          </p:nvPr>
+        </p:nvSpPr>
+        <p:spPr>
+          <a:xfrm>
+            <a:off x="632947" y="1981200"/>
+            <a:ext cx="2946866" cy="576262"/>
+          </a:xfrm>
+        </p:spPr>
+        <p:txBody>
+          <a:bodyPr anchor="b">
+            <a:noAutofit/>
+          </a:bodyPr>
+          <a:lstStyle>
+            <a:lvl1pPr marL="0" indent="0">
+              <a:buNone/>
+              <a:defRPr sz="2400" b="0">
+                <a:solidFill>
+                  <a:schemeClr val="bg2">
+                    <a:lumMod val="40000"/>
+                    <a:lumOff val="60000"/>
+                  </a:schemeClr>
+                </a:solidFill>
+              </a:defRPr>
+            </a:lvl1pPr>
+            <a:lvl2pPr marL="457200" indent="0">
+              <a:buNone/>
+              <a:defRPr sz="2000" b="1"/>
+            </a:lvl2pPr>
+            <a:lvl3pPr marL="914400" indent="0">
+              <a:buNone/>
+              <a:defRPr sz="1800" b="1"/>
+            </a:lvl3pPr>
+            <a:lvl4pPr marL="1371600" indent="0">
+              <a:buNone/>
+              <a:defRPr sz="1600" b="1"/>
+            </a:lvl4pPr>
+            <a:lvl5pPr marL="1828800" indent="0">
+              <a:buNone/>
+              <a:defRPr sz="1600" b="1"/>
+            </a:lvl5pPr>
+            <a:lvl6pPr marL="2286000" indent="0">
+              <a:buNone/>
+              <a:defRPr sz="1600" b="1"/>
+            </a:lvl6pPr>
+            <a:lvl7pPr marL="2743200" indent="0">
+              <a:buNone/>
+              <a:defRPr sz="1600" b="1"/>
+            </a:lvl7pPr>
+            <a:lvl8pPr marL="3200400" indent="0">
+              <a:buNone/>
+              <a:defRPr sz="1600" b="1"/>
+            </a:lvl8pPr>
+            <a:lvl9pPr marL="3657600" indent="0">
+              <a:buNone/>
+              <a:defRPr sz="1600" b="1"/>
+            </a:lvl9pPr>
+          </a:lstStyle>
+          <a:p>
+            <a:pPr lvl="0"/>
+            <a:r>
+              <a:rPr lang="pt-BR"/>
+              <a:t>Clique para editar os estilos de texto Mestres</a:t>
+            </a:r>
+          </a:p>
+        </p:txBody>
+      </p:sp>
+      <p:sp>
+        <p:nvSpPr>
+          <p:cNvPr id="16" name="Text Placeholder 3"/>
+          <p:cNvSpPr>
+            <a:spLocks noGrp="1"/>
+          </p:cNvSpPr>
+          <p:nvPr>
+            <p:ph type="body" sz="half" idx="15"/>
+          </p:nvPr>
+        </p:nvSpPr>
+        <p:spPr>
+          <a:xfrm>
+            <a:off x="652463" y="2667000"/>
+            <a:ext cx="2927350" cy="3589338"/>
+          </a:xfrm>
+        </p:spPr>
+        <p:txBody>
+          <a:bodyPr anchor="t">
+            <a:normAutofit/>
+          </a:bodyPr>
+          <a:lstStyle>
+            <a:lvl1pPr marL="0" indent="0">
+              <a:buNone/>
+              <a:defRPr sz="1400"/>
+            </a:lvl1pPr>
+            <a:lvl2pPr marL="457200" indent="0">
+              <a:buNone/>
+              <a:defRPr sz="1200"/>
+            </a:lvl2pPr>
+            <a:lvl3pPr marL="914400" indent="0">
+              <a:buNone/>
+              <a:defRPr sz="1000"/>
+            </a:lvl3pPr>
+            <a:lvl4pPr marL="1371600" indent="0">
+              <a:buNone/>
+              <a:defRPr sz="900"/>
+            </a:lvl4pPr>
+            <a:lvl5pPr marL="1828800" indent="0">
+              <a:buNone/>
+              <a:defRPr sz="900"/>
+            </a:lvl5pPr>
+            <a:lvl6pPr marL="2286000" indent="0">
+              <a:buNone/>
+              <a:defRPr sz="900"/>
+            </a:lvl6pPr>
+            <a:lvl7pPr marL="2743200" indent="0">
+              <a:buNone/>
+              <a:defRPr sz="900"/>
+            </a:lvl7pPr>
+            <a:lvl8pPr marL="3200400" indent="0">
+              <a:buNone/>
+              <a:defRPr sz="900"/>
+            </a:lvl8pPr>
+            <a:lvl9pPr marL="3657600" indent="0">
+              <a:buNone/>
+              <a:defRPr sz="900"/>
+            </a:lvl9pPr>
+          </a:lstStyle>
+          <a:p>
+            <a:pPr lvl="0"/>
+            <a:r>
+              <a:rPr lang="pt-BR"/>
+              <a:t>Clique para editar os estilos de texto Mestres</a:t>
+            </a:r>
+          </a:p>
+        </p:txBody>
+      </p:sp>
+      <p:sp>
+        <p:nvSpPr>
+          <p:cNvPr id="5" name="Text Placeholder 4"/>
+          <p:cNvSpPr>
+            <a:spLocks noGrp="1"/>
+          </p:cNvSpPr>
+          <p:nvPr>
+            <p:ph type="body" sz="quarter" idx="3"/>
+          </p:nvPr>
+        </p:nvSpPr>
+        <p:spPr>
+          <a:xfrm>
+            <a:off x="3883659" y="1981200"/>
+            <a:ext cx="2936241" cy="576262"/>
+          </a:xfrm>
+        </p:spPr>
+        <p:txBody>
+          <a:bodyPr anchor="b">
+            <a:noAutofit/>
+          </a:bodyPr>
+          <a:lstStyle>
+            <a:lvl1pPr marL="0" indent="0">
+              <a:buNone/>
+              <a:defRPr sz="2400" b="0">
+                <a:solidFill>
+                  <a:schemeClr val="bg2">
+                    <a:lumMod val="40000"/>
+                    <a:lumOff val="60000"/>
+                  </a:schemeClr>
+                </a:solidFill>
+              </a:defRPr>
+            </a:lvl1pPr>
+            <a:lvl2pPr marL="457200" indent="0">
+              <a:buNone/>
+              <a:defRPr sz="2000" b="1"/>
+            </a:lvl2pPr>
+            <a:lvl3pPr marL="914400" indent="0">
+              <a:buNone/>
+              <a:defRPr sz="1800" b="1"/>
+            </a:lvl3pPr>
+            <a:lvl4pPr marL="1371600" indent="0">
+              <a:buNone/>
+              <a:defRPr sz="1600" b="1"/>
+            </a:lvl4pPr>
+            <a:lvl5pPr marL="1828800" indent="0">
+              <a:buNone/>
+              <a:defRPr sz="1600" b="1"/>
+            </a:lvl5pPr>
+            <a:lvl6pPr marL="2286000" indent="0">
+              <a:buNone/>
+              <a:defRPr sz="1600" b="1"/>
+            </a:lvl6pPr>
+            <a:lvl7pPr marL="2743200" indent="0">
+              <a:buNone/>
+              <a:defRPr sz="1600" b="1"/>
+            </a:lvl7pPr>
+            <a:lvl8pPr marL="3200400" indent="0">
+              <a:buNone/>
+              <a:defRPr sz="1600" b="1"/>
+            </a:lvl8pPr>
+            <a:lvl9pPr marL="3657600" indent="0">
+              <a:buNone/>
+              <a:defRPr sz="1600" b="1"/>
+            </a:lvl9pPr>
+          </a:lstStyle>
+          <a:p>
+            <a:pPr lvl="0"/>
+            <a:r>
+              <a:rPr lang="pt-BR"/>
+              <a:t>Clique para editar os estilos de texto Mestres</a:t>
+            </a:r>
+          </a:p>
+        </p:txBody>
+      </p:sp>
+      <p:sp>
+        <p:nvSpPr>
+          <p:cNvPr id="19" name="Text Placeholder 3"/>
+          <p:cNvSpPr>
+            <a:spLocks noGrp="1"/>
+          </p:cNvSpPr>
+          <p:nvPr>
+            <p:ph type="body" sz="half" idx="16"/>
+          </p:nvPr>
+        </p:nvSpPr>
+        <p:spPr>
+          <a:xfrm>
+            <a:off x="3873106" y="2667000"/>
+            <a:ext cx="2946794" cy="3589338"/>
+          </a:xfrm>
+        </p:spPr>
+        <p:txBody>
+          <a:bodyPr anchor="t">
+            <a:normAutofit/>
+          </a:bodyPr>
+          <a:lstStyle>
+            <a:lvl1pPr marL="0" indent="0">
+              <a:buNone/>
+              <a:defRPr sz="1400"/>
+            </a:lvl1pPr>
+            <a:lvl2pPr marL="457200" indent="0">
+              <a:buNone/>
+              <a:defRPr sz="1200"/>
+            </a:lvl2pPr>
+            <a:lvl3pPr marL="914400" indent="0">
+              <a:buNone/>
+              <a:defRPr sz="1000"/>
+            </a:lvl3pPr>
+            <a:lvl4pPr marL="1371600" indent="0">
+              <a:buNone/>
+              <a:defRPr sz="900"/>
+            </a:lvl4pPr>
+            <a:lvl5pPr marL="1828800" indent="0">
+              <a:buNone/>
+              <a:defRPr sz="900"/>
+            </a:lvl5pPr>
+            <a:lvl6pPr marL="2286000" indent="0">
+              <a:buNone/>
+              <a:defRPr sz="900"/>
+            </a:lvl6pPr>
+            <a:lvl7pPr marL="2743200" indent="0">
+              <a:buNone/>
+              <a:defRPr sz="900"/>
+            </a:lvl7pPr>
+            <a:lvl8pPr marL="3200400" indent="0">
+              <a:buNone/>
+              <a:defRPr sz="900"/>
+            </a:lvl8pPr>
+            <a:lvl9pPr marL="3657600" indent="0">
+              <a:buNone/>
+              <a:defRPr sz="900"/>
+            </a:lvl9pPr>
+          </a:lstStyle>
+          <a:p>
+            <a:pPr lvl="0"/>
+            <a:r>
+              <a:rPr lang="pt-BR"/>
+              <a:t>Clique para editar os estilos de texto Mestres</a:t>
+            </a:r>
+          </a:p>
+        </p:txBody>
+      </p:sp>
+      <p:sp>
+        <p:nvSpPr>
+          <p:cNvPr id="14" name="Text Placeholder 4"/>
+          <p:cNvSpPr>
+            <a:spLocks noGrp="1"/>
+          </p:cNvSpPr>
+          <p:nvPr>
+            <p:ph type="body" sz="quarter" idx="13"/>
+          </p:nvPr>
+        </p:nvSpPr>
+        <p:spPr>
+          <a:xfrm>
+            <a:off x="7124700" y="1981200"/>
+            <a:ext cx="2932113" cy="576262"/>
+          </a:xfrm>
+        </p:spPr>
+        <p:txBody>
+          <a:bodyPr anchor="b">
+            <a:noAutofit/>
+          </a:bodyPr>
+          <a:lstStyle>
+            <a:lvl1pPr marL="0" indent="0">
+              <a:buNone/>
+              <a:defRPr sz="2400" b="0">
+                <a:solidFill>
+                  <a:schemeClr val="bg2">
+                    <a:lumMod val="40000"/>
+                    <a:lumOff val="60000"/>
+                  </a:schemeClr>
+                </a:solidFill>
+              </a:defRPr>
+            </a:lvl1pPr>
+            <a:lvl2pPr marL="457200" indent="0">
+              <a:buNone/>
+              <a:defRPr sz="2000" b="1"/>
+            </a:lvl2pPr>
+            <a:lvl3pPr marL="914400" indent="0">
+              <a:buNone/>
+              <a:defRPr sz="1800" b="1"/>
+            </a:lvl3pPr>
+            <a:lvl4pPr marL="1371600" indent="0">
+              <a:buNone/>
+              <a:defRPr sz="1600" b="1"/>
+            </a:lvl4pPr>
+            <a:lvl5pPr marL="1828800" indent="0">
+              <a:buNone/>
+              <a:defRPr sz="1600" b="1"/>
+            </a:lvl5pPr>
+            <a:lvl6pPr marL="2286000" indent="0">
+              <a:buNone/>
+              <a:defRPr sz="1600" b="1"/>
+            </a:lvl6pPr>
+            <a:lvl7pPr marL="2743200" indent="0">
+              <a:buNone/>
+              <a:defRPr sz="1600" b="1"/>
+            </a:lvl7pPr>
+            <a:lvl8pPr marL="3200400" indent="0">
+              <a:buNone/>
+              <a:defRPr sz="1600" b="1"/>
+            </a:lvl8pPr>
+            <a:lvl9pPr marL="3657600" indent="0">
+              <a:buNone/>
+              <a:defRPr sz="1600" b="1"/>
+            </a:lvl9pPr>
+          </a:lstStyle>
+          <a:p>
+            <a:pPr lvl="0"/>
+            <a:r>
+              <a:rPr lang="pt-BR"/>
+              <a:t>Clique para editar os estilos de texto Mestres</a:t>
+            </a:r>
+          </a:p>
+        </p:txBody>
+      </p:sp>
+      <p:sp>
+        <p:nvSpPr>
+          <p:cNvPr id="20" name="Text Placeholder 3"/>
+          <p:cNvSpPr>
+            <a:spLocks noGrp="1"/>
+          </p:cNvSpPr>
+          <p:nvPr>
+            <p:ph type="body" sz="half" idx="17"/>
+          </p:nvPr>
+        </p:nvSpPr>
+        <p:spPr>
+          <a:xfrm>
+            <a:off x="7124700" y="2667000"/>
+            <a:ext cx="2932113" cy="3589338"/>
+          </a:xfrm>
+        </p:spPr>
+        <p:txBody>
+          <a:bodyPr anchor="t">
+            <a:normAutofit/>
+          </a:bodyPr>
+          <a:lstStyle>
+            <a:lvl1pPr marL="0" indent="0">
+              <a:buNone/>
+              <a:defRPr sz="1400"/>
+            </a:lvl1pPr>
+            <a:lvl2pPr marL="457200" indent="0">
+              <a:buNone/>
+              <a:defRPr sz="1200"/>
+            </a:lvl2pPr>
+            <a:lvl3pPr marL="914400" indent="0">
+              <a:buNone/>
+              <a:defRPr sz="1000"/>
+            </a:lvl3pPr>
+            <a:lvl4pPr marL="1371600" indent="0">
+              <a:buNone/>
+              <a:defRPr sz="900"/>
+            </a:lvl4pPr>
+            <a:lvl5pPr marL="1828800" indent="0">
+              <a:buNone/>
+              <a:defRPr sz="900"/>
+            </a:lvl5pPr>
+            <a:lvl6pPr marL="2286000" indent="0">
+              <a:buNone/>
+              <a:defRPr sz="900"/>
+            </a:lvl6pPr>
+            <a:lvl7pPr marL="2743200" indent="0">
+              <a:buNone/>
+              <a:defRPr sz="900"/>
+            </a:lvl7pPr>
+            <a:lvl8pPr marL="3200400" indent="0">
+              <a:buNone/>
+              <a:defRPr sz="900"/>
+            </a:lvl8pPr>
+            <a:lvl9pPr marL="3657600" indent="0">
+              <a:buNone/>
+              <a:defRPr sz="900"/>
+            </a:lvl9pPr>
+          </a:lstStyle>
+          <a:p>
+            <a:pPr lvl="0"/>
+            <a:r>
+              <a:rPr lang="pt-BR"/>
+              <a:t>Clique para editar os estilos de texto Mestres</a:t>
+            </a:r>
+          </a:p>
+        </p:txBody>
+      </p:sp>
+      <p:cxnSp>
+        <p:nvCxnSpPr>
+          <p:cNvPr id="17" name="Straight Connector 16"/>
+          <p:cNvCxnSpPr/>
+          <p:nvPr/>
+        </p:nvCxnSpPr>
+        <p:spPr>
+          <a:xfrm>
+            <a:off x="3726142" y="2133600"/>
+            <a:ext cx="0" cy="3962400"/>
+          </a:xfrm>
+          <a:prstGeom prst="line">
+            <a:avLst/>
+          </a:prstGeom>
+          <a:ln w="12700" cmpd="sng">
+            <a:solidFill>
+              <a:schemeClr val="bg2">
+                <a:lumMod val="40000"/>
+                <a:lumOff val="60000"/>
+                <a:alpha val="40000"/>
+              </a:schemeClr>
+            </a:solidFill>
+          </a:ln>
+        </p:spPr>
+        <p:style>
+          <a:lnRef idx="2">
+            <a:schemeClr val="accent1"/>
+          </a:lnRef>
+          <a:fillRef idx="0">
+            <a:schemeClr val="accent1"/>
+          </a:fillRef>
+          <a:effectRef idx="1">
+            <a:schemeClr val="accent1"/>
+          </a:effectRef>
+          <a:fontRef idx="minor">
+            <a:schemeClr val="tx1"/>
+          </a:fontRef>
+        </p:style>
+      </p:cxnSp>
+      <p:cxnSp>
+        <p:nvCxnSpPr>
+          <p:cNvPr id="18" name="Straight Connector 17"/>
+          <p:cNvCxnSpPr/>
+          <p:nvPr/>
+        </p:nvCxnSpPr>
+        <p:spPr>
+          <a:xfrm>
+            <a:off x="6962227" y="2133600"/>
+            <a:ext cx="0" cy="3966882"/>
+          </a:xfrm>
+          <a:prstGeom prst="line">
+            <a:avLst/>
+          </a:prstGeom>
+          <a:ln w="12700" cmpd="sng">
+            <a:solidFill>
+              <a:schemeClr val="bg2">
+                <a:lumMod val="40000"/>
+                <a:lumOff val="60000"/>
+                <a:alpha val="40000"/>
+              </a:schemeClr>
+            </a:solidFill>
+          </a:ln>
+        </p:spPr>
+        <p:style>
+          <a:lnRef idx="2">
+            <a:schemeClr val="accent1"/>
+          </a:lnRef>
+          <a:fillRef idx="0">
+            <a:schemeClr val="accent1"/>
+          </a:fillRef>
+          <a:effectRef idx="1">
+            <a:schemeClr val="accent1"/>
+          </a:effectRef>
+          <a:fontRef idx="minor">
+            <a:schemeClr val="tx1"/>
+          </a:fontRef>
+        </p:style>
+      </p:cxnSp>
+      <p:sp>
+        <p:nvSpPr>
+          <p:cNvPr id="7" name="Date Placeholder 3"/>
+          <p:cNvSpPr>
+            <a:spLocks noGrp="1"/>
+          </p:cNvSpPr>
+          <p:nvPr>
+            <p:ph type="dt" sz="half" idx="10"/>
+          </p:nvPr>
+        </p:nvSpPr>
+        <p:spPr/>
+        <p:txBody>
+          <a:bodyPr/>
+          <a:lstStyle/>
+          <a:p>
+            <a:fld id="{6F3939FC-4294-4D0C-A737-9FCD840582CE}" type="datetimeFigureOut">
+              <a:rPr lang="pt-BR" smtClean="0"/>
+              <a:t>03/04/2024</a:t>
+            </a:fld>
+            <a:endParaRPr lang="pt-BR"/>
+          </a:p>
+        </p:txBody>
+      </p:sp>
+      <p:sp>
+        <p:nvSpPr>
+          <p:cNvPr id="4" name="Footer Placeholder 4"/>
+          <p:cNvSpPr>
+            <a:spLocks noGrp="1"/>
+          </p:cNvSpPr>
+          <p:nvPr>
+            <p:ph type="ftr" sz="quarter" idx="11"/>
+          </p:nvPr>
+        </p:nvSpPr>
+        <p:spPr/>
+        <p:txBody>
+          <a:bodyPr/>
+          <a:lstStyle/>
+          <a:p>
+            <a:endParaRPr lang="pt-BR"/>
+          </a:p>
+        </p:txBody>
+      </p:sp>
+      <p:sp>
+        <p:nvSpPr>
+          <p:cNvPr id="6" name="Slide Number Placeholder 5"/>
+          <p:cNvSpPr>
+            <a:spLocks noGrp="1"/>
+          </p:cNvSpPr>
+          <p:nvPr>
+            <p:ph type="sldNum" sz="quarter" idx="12"/>
+          </p:nvPr>
+        </p:nvSpPr>
+        <p:spPr/>
+        <p:txBody>
+          <a:bodyPr/>
+          <a:lstStyle/>
+          <a:p>
+            <a:fld id="{BE2F2ED8-9E33-4CB5-8EFE-1B1DAA49060C}" type="slidenum">
+              <a:rPr lang="pt-BR" smtClean="0"/>
+              <a:t>‹nº›</a:t>
+            </a:fld>
+            <a:endParaRPr lang="pt-BR"/>
+          </a:p>
+        </p:txBody>
+      </p:sp>
+    </p:spTree>
+    <p:extLst>
+      <p:ext uri="{BB962C8B-B14F-4D97-AF65-F5344CB8AC3E}">
+        <p14:creationId xmlns:p14="http://schemas.microsoft.com/office/powerpoint/2010/main" val="328747695"/>
+      </p:ext>
+    </p:extLst>
+  </p:cSld>
+  <p:clrMapOvr>
+    <a:masterClrMapping/>
+  </p:clrMapOvr>
+</p:sldLayout>
+</file>
+
+<file path=ppt/slideLayouts/slideLayout15.xml><?xml version="1.0" encoding="utf-8"?>
+<p:sldLayout xmlns:a="http://schemas.openxmlformats.org/drawingml/2006/main" xmlns:r="http://schemas.openxmlformats.org/officeDocument/2006/relationships" xmlns:p="http://schemas.openxmlformats.org/presentationml/2006/main" preserve="1">
+  <p:cSld name="3 Colunas de Imagem">
+    <p:spTree>
+      <p:nvGrpSpPr>
+        <p:cNvPr id="1" name=""/>
+        <p:cNvGrpSpPr/>
+        <p:nvPr/>
+      </p:nvGrpSpPr>
+      <p:grpSpPr>
+        <a:xfrm>
+          <a:off x="0" y="0"/>
+          <a:ext cx="0" cy="0"/>
+          <a:chOff x="0" y="0"/>
+          <a:chExt cx="0" cy="0"/>
+        </a:xfrm>
+      </p:grpSpPr>
+      <p:sp>
+        <p:nvSpPr>
+          <p:cNvPr id="2" name="Title 1"/>
+          <p:cNvSpPr>
+            <a:spLocks noGrp="1"/>
+          </p:cNvSpPr>
+          <p:nvPr>
+            <p:ph type="title"/>
+          </p:nvPr>
+        </p:nvSpPr>
+        <p:spPr/>
+        <p:txBody>
+          <a:bodyPr/>
+          <a:lstStyle>
+            <a:lvl1pPr>
+              <a:defRPr sz="4200"/>
+            </a:lvl1pPr>
+          </a:lstStyle>
+          <a:p>
+            <a:r>
+              <a:rPr lang="pt-BR"/>
+              <a:t>Clique para editar o título Mestre</a:t>
+            </a:r>
+            <a:endParaRPr lang="en-US" dirty="0"/>
+          </a:p>
+        </p:txBody>
+      </p:sp>
+      <p:sp>
+        <p:nvSpPr>
+          <p:cNvPr id="3" name="Text Placeholder 2"/>
+          <p:cNvSpPr>
+            <a:spLocks noGrp="1"/>
+          </p:cNvSpPr>
+          <p:nvPr>
+            <p:ph type="body" idx="1"/>
+          </p:nvPr>
+        </p:nvSpPr>
+        <p:spPr>
+          <a:xfrm>
+            <a:off x="652463" y="4250949"/>
+            <a:ext cx="2940050" cy="576262"/>
+          </a:xfrm>
+        </p:spPr>
+        <p:txBody>
+          <a:bodyPr anchor="b">
+            <a:noAutofit/>
+          </a:bodyPr>
+          <a:lstStyle>
+            <a:lvl1pPr marL="0" indent="0">
+              <a:buNone/>
+              <a:defRPr sz="2400" b="0">
+                <a:solidFill>
+                  <a:schemeClr val="bg2">
+                    <a:lumMod val="40000"/>
+                    <a:lumOff val="60000"/>
+                  </a:schemeClr>
+                </a:solidFill>
+              </a:defRPr>
+            </a:lvl1pPr>
+            <a:lvl2pPr marL="457200" indent="0">
+              <a:buNone/>
+              <a:defRPr sz="2000" b="1"/>
+            </a:lvl2pPr>
+            <a:lvl3pPr marL="914400" indent="0">
+              <a:buNone/>
+              <a:defRPr sz="1800" b="1"/>
+            </a:lvl3pPr>
+            <a:lvl4pPr marL="1371600" indent="0">
+              <a:buNone/>
+              <a:defRPr sz="1600" b="1"/>
+            </a:lvl4pPr>
+            <a:lvl5pPr marL="1828800" indent="0">
+              <a:buNone/>
+              <a:defRPr sz="1600" b="1"/>
+            </a:lvl5pPr>
+            <a:lvl6pPr marL="2286000" indent="0">
+              <a:buNone/>
+              <a:defRPr sz="1600" b="1"/>
+            </a:lvl6pPr>
+            <a:lvl7pPr marL="2743200" indent="0">
+              <a:buNone/>
+              <a:defRPr sz="1600" b="1"/>
+            </a:lvl7pPr>
+            <a:lvl8pPr marL="3200400" indent="0">
+              <a:buNone/>
+              <a:defRPr sz="1600" b="1"/>
+            </a:lvl8pPr>
+            <a:lvl9pPr marL="3657600" indent="0">
+              <a:buNone/>
+              <a:defRPr sz="1600" b="1"/>
+            </a:lvl9pPr>
+          </a:lstStyle>
+          <a:p>
+            <a:pPr lvl="0"/>
+            <a:r>
+              <a:rPr lang="pt-BR"/>
+              <a:t>Clique para editar os estilos de texto Mestres</a:t>
+            </a:r>
+          </a:p>
+        </p:txBody>
+      </p:sp>
+      <p:sp>
+        <p:nvSpPr>
+          <p:cNvPr id="29" name="Picture Placeholder 2"/>
+          <p:cNvSpPr>
+            <a:spLocks noGrp="1" noChangeAspect="1"/>
+          </p:cNvSpPr>
+          <p:nvPr>
+            <p:ph type="pic" idx="15"/>
+          </p:nvPr>
+        </p:nvSpPr>
+        <p:spPr>
+          <a:xfrm>
+            <a:off x="652463" y="2209800"/>
+            <a:ext cx="2940050" cy="1524000"/>
+          </a:xfrm>
+          <a:prstGeom prst="roundRect">
+            <a:avLst>
+              <a:gd name="adj" fmla="val 1858"/>
+            </a:avLst>
+          </a:prstGeom>
+          <a:effectLst>
+            <a:outerShdw blurRad="50800" dist="50800" dir="5400000" algn="tl" rotWithShape="0">
+              <a:srgbClr val="000000">
+                <a:alpha val="43000"/>
+              </a:srgbClr>
+            </a:outerShdw>
+          </a:effectLst>
+        </p:spPr>
+        <p:txBody>
+          <a:bodyPr anchor="t">
+            <a:normAutofit/>
+          </a:bodyPr>
+          <a:lstStyle>
+            <a:lvl1pPr marL="0" indent="0" algn="ctr">
+              <a:buNone/>
+              <a:defRPr sz="1600"/>
+            </a:lvl1pPr>
+            <a:lvl2pPr marL="457200" indent="0">
+              <a:buNone/>
+              <a:defRPr sz="1600"/>
+            </a:lvl2pPr>
+            <a:lvl3pPr marL="914400" indent="0">
+              <a:buNone/>
+              <a:defRPr sz="1600"/>
+            </a:lvl3pPr>
+            <a:lvl4pPr marL="1371600" indent="0">
+              <a:buNone/>
+              <a:defRPr sz="1600"/>
+            </a:lvl4pPr>
+            <a:lvl5pPr marL="1828800" indent="0">
+              <a:buNone/>
+              <a:defRPr sz="1600"/>
+            </a:lvl5pPr>
+            <a:lvl6pPr marL="2286000" indent="0">
+              <a:buNone/>
+              <a:defRPr sz="1600"/>
+            </a:lvl6pPr>
+            <a:lvl7pPr marL="2743200" indent="0">
+              <a:buNone/>
+              <a:defRPr sz="1600"/>
+            </a:lvl7pPr>
+            <a:lvl8pPr marL="3200400" indent="0">
+              <a:buNone/>
+              <a:defRPr sz="1600"/>
+            </a:lvl8pPr>
+            <a:lvl9pPr marL="3657600" indent="0">
+              <a:buNone/>
+              <a:defRPr sz="1600"/>
+            </a:lvl9pPr>
+          </a:lstStyle>
+          <a:p>
+            <a:r>
+              <a:rPr lang="pt-BR"/>
+              <a:t>Clique no ícone para adicionar uma imagem</a:t>
+            </a:r>
+            <a:endParaRPr lang="en-US" dirty="0"/>
+          </a:p>
+        </p:txBody>
+      </p:sp>
+      <p:sp>
+        <p:nvSpPr>
+          <p:cNvPr id="22" name="Text Placeholder 3"/>
+          <p:cNvSpPr>
+            <a:spLocks noGrp="1"/>
+          </p:cNvSpPr>
+          <p:nvPr>
+            <p:ph type="body" sz="half" idx="18"/>
+          </p:nvPr>
+        </p:nvSpPr>
+        <p:spPr>
+          <a:xfrm>
+            <a:off x="652463" y="4827211"/>
+            <a:ext cx="2940050" cy="659189"/>
+          </a:xfrm>
+        </p:spPr>
+        <p:txBody>
+          <a:bodyPr anchor="t">
+            <a:normAutofit/>
+          </a:bodyPr>
+          <a:lstStyle>
+            <a:lvl1pPr marL="0" indent="0">
+              <a:buNone/>
+              <a:defRPr sz="1400"/>
+            </a:lvl1pPr>
+            <a:lvl2pPr marL="457200" indent="0">
+              <a:buNone/>
+              <a:defRPr sz="1200"/>
+            </a:lvl2pPr>
+            <a:lvl3pPr marL="914400" indent="0">
+              <a:buNone/>
+              <a:defRPr sz="1000"/>
+            </a:lvl3pPr>
+            <a:lvl4pPr marL="1371600" indent="0">
+              <a:buNone/>
+              <a:defRPr sz="900"/>
+            </a:lvl4pPr>
+            <a:lvl5pPr marL="1828800" indent="0">
+              <a:buNone/>
+              <a:defRPr sz="900"/>
+            </a:lvl5pPr>
+            <a:lvl6pPr marL="2286000" indent="0">
+              <a:buNone/>
+              <a:defRPr sz="900"/>
+            </a:lvl6pPr>
+            <a:lvl7pPr marL="2743200" indent="0">
+              <a:buNone/>
+              <a:defRPr sz="900"/>
+            </a:lvl7pPr>
+            <a:lvl8pPr marL="3200400" indent="0">
+              <a:buNone/>
+              <a:defRPr sz="900"/>
+            </a:lvl8pPr>
+            <a:lvl9pPr marL="3657600" indent="0">
+              <a:buNone/>
+              <a:defRPr sz="900"/>
+            </a:lvl9pPr>
+          </a:lstStyle>
+          <a:p>
+            <a:pPr lvl="0"/>
+            <a:r>
+              <a:rPr lang="pt-BR"/>
+              <a:t>Clique para editar os estilos de texto Mestres</a:t>
+            </a:r>
+          </a:p>
+        </p:txBody>
+      </p:sp>
+      <p:sp>
+        <p:nvSpPr>
+          <p:cNvPr id="5" name="Text Placeholder 4"/>
+          <p:cNvSpPr>
+            <a:spLocks noGrp="1"/>
+          </p:cNvSpPr>
+          <p:nvPr>
+            <p:ph type="body" sz="quarter" idx="3"/>
+          </p:nvPr>
+        </p:nvSpPr>
+        <p:spPr>
+          <a:xfrm>
+            <a:off x="3889375" y="4250949"/>
+            <a:ext cx="2930525" cy="576262"/>
+          </a:xfrm>
+        </p:spPr>
+        <p:txBody>
+          <a:bodyPr anchor="b">
+            <a:noAutofit/>
+          </a:bodyPr>
+          <a:lstStyle>
+            <a:lvl1pPr marL="0" indent="0">
+              <a:buNone/>
+              <a:defRPr sz="2400" b="0">
+                <a:solidFill>
+                  <a:schemeClr val="bg2">
+                    <a:lumMod val="40000"/>
+                    <a:lumOff val="60000"/>
+                  </a:schemeClr>
+                </a:solidFill>
+              </a:defRPr>
+            </a:lvl1pPr>
+            <a:lvl2pPr marL="457200" indent="0">
+              <a:buNone/>
+              <a:defRPr sz="2000" b="1"/>
+            </a:lvl2pPr>
+            <a:lvl3pPr marL="914400" indent="0">
+              <a:buNone/>
+              <a:defRPr sz="1800" b="1"/>
+            </a:lvl3pPr>
+            <a:lvl4pPr marL="1371600" indent="0">
+              <a:buNone/>
+              <a:defRPr sz="1600" b="1"/>
+            </a:lvl4pPr>
+            <a:lvl5pPr marL="1828800" indent="0">
+              <a:buNone/>
+              <a:defRPr sz="1600" b="1"/>
+            </a:lvl5pPr>
+            <a:lvl6pPr marL="2286000" indent="0">
+              <a:buNone/>
+              <a:defRPr sz="1600" b="1"/>
+            </a:lvl6pPr>
+            <a:lvl7pPr marL="2743200" indent="0">
+              <a:buNone/>
+              <a:defRPr sz="1600" b="1"/>
+            </a:lvl7pPr>
+            <a:lvl8pPr marL="3200400" indent="0">
+              <a:buNone/>
+              <a:defRPr sz="1600" b="1"/>
+            </a:lvl8pPr>
+            <a:lvl9pPr marL="3657600" indent="0">
+              <a:buNone/>
+              <a:defRPr sz="1600" b="1"/>
+            </a:lvl9pPr>
+          </a:lstStyle>
+          <a:p>
+            <a:pPr lvl="0"/>
+            <a:r>
+              <a:rPr lang="pt-BR"/>
+              <a:t>Clique para editar os estilos de texto Mestres</a:t>
+            </a:r>
+          </a:p>
+        </p:txBody>
+      </p:sp>
+      <p:sp>
+        <p:nvSpPr>
+          <p:cNvPr id="30" name="Picture Placeholder 2"/>
+          <p:cNvSpPr>
+            <a:spLocks noGrp="1" noChangeAspect="1"/>
+          </p:cNvSpPr>
+          <p:nvPr>
+            <p:ph type="pic" idx="21"/>
+          </p:nvPr>
+        </p:nvSpPr>
+        <p:spPr>
+          <a:xfrm>
+            <a:off x="3889374" y="2209800"/>
+            <a:ext cx="2930525" cy="1524000"/>
+          </a:xfrm>
+          <a:prstGeom prst="roundRect">
+            <a:avLst>
+              <a:gd name="adj" fmla="val 1858"/>
+            </a:avLst>
+          </a:prstGeom>
+          <a:effectLst>
+            <a:outerShdw blurRad="50800" dist="50800" dir="5400000" algn="tl" rotWithShape="0">
+              <a:srgbClr val="000000">
+                <a:alpha val="43000"/>
+              </a:srgbClr>
+            </a:outerShdw>
+          </a:effectLst>
+        </p:spPr>
+        <p:txBody>
+          <a:bodyPr anchor="t">
+            <a:normAutofit/>
+          </a:bodyPr>
+          <a:lstStyle>
+            <a:lvl1pPr marL="0" indent="0" algn="ctr">
+              <a:buNone/>
+              <a:defRPr sz="1600"/>
+            </a:lvl1pPr>
+            <a:lvl2pPr marL="457200" indent="0">
+              <a:buNone/>
+              <a:defRPr sz="1600"/>
+            </a:lvl2pPr>
+            <a:lvl3pPr marL="914400" indent="0">
+              <a:buNone/>
+              <a:defRPr sz="1600"/>
+            </a:lvl3pPr>
+            <a:lvl4pPr marL="1371600" indent="0">
+              <a:buNone/>
+              <a:defRPr sz="1600"/>
+            </a:lvl4pPr>
+            <a:lvl5pPr marL="1828800" indent="0">
+              <a:buNone/>
+              <a:defRPr sz="1600"/>
+            </a:lvl5pPr>
+            <a:lvl6pPr marL="2286000" indent="0">
+              <a:buNone/>
+              <a:defRPr sz="1600"/>
+            </a:lvl6pPr>
+            <a:lvl7pPr marL="2743200" indent="0">
+              <a:buNone/>
+              <a:defRPr sz="1600"/>
+            </a:lvl7pPr>
+            <a:lvl8pPr marL="3200400" indent="0">
+              <a:buNone/>
+              <a:defRPr sz="1600"/>
+            </a:lvl8pPr>
+            <a:lvl9pPr marL="3657600" indent="0">
+              <a:buNone/>
+              <a:defRPr sz="1600"/>
+            </a:lvl9pPr>
+          </a:lstStyle>
+          <a:p>
+            <a:r>
+              <a:rPr lang="pt-BR"/>
+              <a:t>Clique no ícone para adicionar uma imagem</a:t>
+            </a:r>
+            <a:endParaRPr lang="en-US" dirty="0"/>
+          </a:p>
+        </p:txBody>
+      </p:sp>
+      <p:sp>
+        <p:nvSpPr>
+          <p:cNvPr id="23" name="Text Placeholder 3"/>
+          <p:cNvSpPr>
+            <a:spLocks noGrp="1"/>
+          </p:cNvSpPr>
+          <p:nvPr>
+            <p:ph type="body" sz="half" idx="19"/>
+          </p:nvPr>
+        </p:nvSpPr>
+        <p:spPr>
+          <a:xfrm>
+            <a:off x="3888022" y="4827210"/>
+            <a:ext cx="2934406" cy="659189"/>
+          </a:xfrm>
+        </p:spPr>
+        <p:txBody>
+          <a:bodyPr anchor="t">
+            <a:normAutofit/>
+          </a:bodyPr>
+          <a:lstStyle>
+            <a:lvl1pPr marL="0" indent="0">
+              <a:buNone/>
+              <a:defRPr sz="1400"/>
+            </a:lvl1pPr>
+            <a:lvl2pPr marL="457200" indent="0">
+              <a:buNone/>
+              <a:defRPr sz="1200"/>
+            </a:lvl2pPr>
+            <a:lvl3pPr marL="914400" indent="0">
+              <a:buNone/>
+              <a:defRPr sz="1000"/>
+            </a:lvl3pPr>
+            <a:lvl4pPr marL="1371600" indent="0">
+              <a:buNone/>
+              <a:defRPr sz="900"/>
+            </a:lvl4pPr>
+            <a:lvl5pPr marL="1828800" indent="0">
+              <a:buNone/>
+              <a:defRPr sz="900"/>
+            </a:lvl5pPr>
+            <a:lvl6pPr marL="2286000" indent="0">
+              <a:buNone/>
+              <a:defRPr sz="900"/>
+            </a:lvl6pPr>
+            <a:lvl7pPr marL="2743200" indent="0">
+              <a:buNone/>
+              <a:defRPr sz="900"/>
+            </a:lvl7pPr>
+            <a:lvl8pPr marL="3200400" indent="0">
+              <a:buNone/>
+              <a:defRPr sz="900"/>
+            </a:lvl8pPr>
+            <a:lvl9pPr marL="3657600" indent="0">
+              <a:buNone/>
+              <a:defRPr sz="900"/>
+            </a:lvl9pPr>
+          </a:lstStyle>
+          <a:p>
+            <a:pPr lvl="0"/>
+            <a:r>
+              <a:rPr lang="pt-BR"/>
+              <a:t>Clique para editar os estilos de texto Mestres</a:t>
+            </a:r>
+          </a:p>
+        </p:txBody>
+      </p:sp>
+      <p:sp>
+        <p:nvSpPr>
+          <p:cNvPr id="14" name="Text Placeholder 4"/>
+          <p:cNvSpPr>
+            <a:spLocks noGrp="1"/>
+          </p:cNvSpPr>
+          <p:nvPr>
+            <p:ph type="body" sz="quarter" idx="13"/>
+          </p:nvPr>
+        </p:nvSpPr>
+        <p:spPr>
+          <a:xfrm>
+            <a:off x="7124700" y="4250949"/>
+            <a:ext cx="2932113" cy="576262"/>
+          </a:xfrm>
+        </p:spPr>
+        <p:txBody>
+          <a:bodyPr anchor="b">
+            <a:noAutofit/>
+          </a:bodyPr>
+          <a:lstStyle>
+            <a:lvl1pPr marL="0" indent="0">
+              <a:buNone/>
+              <a:defRPr sz="2400" b="0">
+                <a:solidFill>
+                  <a:schemeClr val="bg2">
+                    <a:lumMod val="40000"/>
+                    <a:lumOff val="60000"/>
+                  </a:schemeClr>
+                </a:solidFill>
+              </a:defRPr>
+            </a:lvl1pPr>
+            <a:lvl2pPr marL="457200" indent="0">
+              <a:buNone/>
+              <a:defRPr sz="2000" b="1"/>
+            </a:lvl2pPr>
+            <a:lvl3pPr marL="914400" indent="0">
+              <a:buNone/>
+              <a:defRPr sz="1800" b="1"/>
+            </a:lvl3pPr>
+            <a:lvl4pPr marL="1371600" indent="0">
+              <a:buNone/>
+              <a:defRPr sz="1600" b="1"/>
+            </a:lvl4pPr>
+            <a:lvl5pPr marL="1828800" indent="0">
+              <a:buNone/>
+              <a:defRPr sz="1600" b="1"/>
+            </a:lvl5pPr>
+            <a:lvl6pPr marL="2286000" indent="0">
+              <a:buNone/>
+              <a:defRPr sz="1600" b="1"/>
+            </a:lvl6pPr>
+            <a:lvl7pPr marL="2743200" indent="0">
+              <a:buNone/>
+              <a:defRPr sz="1600" b="1"/>
+            </a:lvl7pPr>
+            <a:lvl8pPr marL="3200400" indent="0">
+              <a:buNone/>
+              <a:defRPr sz="1600" b="1"/>
+            </a:lvl8pPr>
+            <a:lvl9pPr marL="3657600" indent="0">
+              <a:buNone/>
+              <a:defRPr sz="1600" b="1"/>
+            </a:lvl9pPr>
+          </a:lstStyle>
+          <a:p>
+            <a:pPr lvl="0"/>
+            <a:r>
+              <a:rPr lang="pt-BR"/>
+              <a:t>Clique para editar os estilos de texto Mestres</a:t>
+            </a:r>
+          </a:p>
+        </p:txBody>
+      </p:sp>
+      <p:sp>
+        <p:nvSpPr>
+          <p:cNvPr id="31" name="Picture Placeholder 2"/>
+          <p:cNvSpPr>
+            <a:spLocks noGrp="1" noChangeAspect="1"/>
+          </p:cNvSpPr>
+          <p:nvPr>
+            <p:ph type="pic" idx="22"/>
+          </p:nvPr>
+        </p:nvSpPr>
+        <p:spPr>
+          <a:xfrm>
+            <a:off x="7124699" y="2209800"/>
+            <a:ext cx="2932113" cy="1524000"/>
+          </a:xfrm>
+          <a:prstGeom prst="roundRect">
+            <a:avLst>
+              <a:gd name="adj" fmla="val 1858"/>
+            </a:avLst>
+          </a:prstGeom>
+          <a:effectLst>
+            <a:outerShdw blurRad="50800" dist="50800" dir="5400000" algn="tl" rotWithShape="0">
+              <a:srgbClr val="000000">
+                <a:alpha val="43000"/>
+              </a:srgbClr>
+            </a:outerShdw>
+          </a:effectLst>
+        </p:spPr>
+        <p:txBody>
+          <a:bodyPr anchor="t">
+            <a:normAutofit/>
+          </a:bodyPr>
+          <a:lstStyle>
+            <a:lvl1pPr marL="0" indent="0" algn="ctr">
+              <a:buNone/>
+              <a:defRPr sz="1600"/>
+            </a:lvl1pPr>
+            <a:lvl2pPr marL="457200" indent="0">
+              <a:buNone/>
+              <a:defRPr sz="1600"/>
+            </a:lvl2pPr>
+            <a:lvl3pPr marL="914400" indent="0">
+              <a:buNone/>
+              <a:defRPr sz="1600"/>
+            </a:lvl3pPr>
+            <a:lvl4pPr marL="1371600" indent="0">
+              <a:buNone/>
+              <a:defRPr sz="1600"/>
+            </a:lvl4pPr>
+            <a:lvl5pPr marL="1828800" indent="0">
+              <a:buNone/>
+              <a:defRPr sz="1600"/>
+            </a:lvl5pPr>
+            <a:lvl6pPr marL="2286000" indent="0">
+              <a:buNone/>
+              <a:defRPr sz="1600"/>
+            </a:lvl6pPr>
+            <a:lvl7pPr marL="2743200" indent="0">
+              <a:buNone/>
+              <a:defRPr sz="1600"/>
+            </a:lvl7pPr>
+            <a:lvl8pPr marL="3200400" indent="0">
+              <a:buNone/>
+              <a:defRPr sz="1600"/>
+            </a:lvl8pPr>
+            <a:lvl9pPr marL="3657600" indent="0">
+              <a:buNone/>
+              <a:defRPr sz="1600"/>
+            </a:lvl9pPr>
+          </a:lstStyle>
+          <a:p>
+            <a:r>
+              <a:rPr lang="pt-BR"/>
+              <a:t>Clique no ícone para adicionar uma imagem</a:t>
+            </a:r>
+            <a:endParaRPr lang="en-US" dirty="0"/>
+          </a:p>
+        </p:txBody>
+      </p:sp>
+      <p:sp>
+        <p:nvSpPr>
+          <p:cNvPr id="24" name="Text Placeholder 3"/>
+          <p:cNvSpPr>
+            <a:spLocks noGrp="1"/>
+          </p:cNvSpPr>
+          <p:nvPr>
+            <p:ph type="body" sz="half" idx="20"/>
+          </p:nvPr>
+        </p:nvSpPr>
+        <p:spPr>
+          <a:xfrm>
+            <a:off x="7124575" y="4827208"/>
+            <a:ext cx="2935997" cy="659189"/>
+          </a:xfrm>
+        </p:spPr>
+        <p:txBody>
+          <a:bodyPr anchor="t">
+            <a:normAutofit/>
+          </a:bodyPr>
+          <a:lstStyle>
+            <a:lvl1pPr marL="0" indent="0">
+              <a:buNone/>
+              <a:defRPr sz="1400"/>
+            </a:lvl1pPr>
+            <a:lvl2pPr marL="457200" indent="0">
+              <a:buNone/>
+              <a:defRPr sz="1200"/>
+            </a:lvl2pPr>
+            <a:lvl3pPr marL="914400" indent="0">
+              <a:buNone/>
+              <a:defRPr sz="1000"/>
+            </a:lvl3pPr>
+            <a:lvl4pPr marL="1371600" indent="0">
+              <a:buNone/>
+              <a:defRPr sz="900"/>
+            </a:lvl4pPr>
+            <a:lvl5pPr marL="1828800" indent="0">
+              <a:buNone/>
+              <a:defRPr sz="900"/>
+            </a:lvl5pPr>
+            <a:lvl6pPr marL="2286000" indent="0">
+              <a:buNone/>
+              <a:defRPr sz="900"/>
+            </a:lvl6pPr>
+            <a:lvl7pPr marL="2743200" indent="0">
+              <a:buNone/>
+              <a:defRPr sz="900"/>
+            </a:lvl7pPr>
+            <a:lvl8pPr marL="3200400" indent="0">
+              <a:buNone/>
+              <a:defRPr sz="900"/>
+            </a:lvl8pPr>
+            <a:lvl9pPr marL="3657600" indent="0">
+              <a:buNone/>
+              <a:defRPr sz="900"/>
+            </a:lvl9pPr>
+          </a:lstStyle>
+          <a:p>
+            <a:pPr lvl="0"/>
+            <a:r>
+              <a:rPr lang="pt-BR"/>
+              <a:t>Clique para editar os estilos de texto Mestres</a:t>
+            </a:r>
+          </a:p>
+        </p:txBody>
+      </p:sp>
+      <p:cxnSp>
+        <p:nvCxnSpPr>
+          <p:cNvPr id="19" name="Straight Connector 18"/>
+          <p:cNvCxnSpPr/>
+          <p:nvPr/>
+        </p:nvCxnSpPr>
+        <p:spPr>
+          <a:xfrm>
+            <a:off x="3726142" y="2133600"/>
+            <a:ext cx="0" cy="3962400"/>
+          </a:xfrm>
+          <a:prstGeom prst="line">
+            <a:avLst/>
+          </a:prstGeom>
+          <a:ln w="12700" cmpd="sng">
+            <a:solidFill>
+              <a:schemeClr val="bg2">
+                <a:lumMod val="40000"/>
+                <a:lumOff val="60000"/>
+                <a:alpha val="40000"/>
+              </a:schemeClr>
+            </a:solidFill>
+          </a:ln>
+        </p:spPr>
+        <p:style>
+          <a:lnRef idx="2">
+            <a:schemeClr val="accent1"/>
+          </a:lnRef>
+          <a:fillRef idx="0">
+            <a:schemeClr val="accent1"/>
+          </a:fillRef>
+          <a:effectRef idx="1">
+            <a:schemeClr val="accent1"/>
+          </a:effectRef>
+          <a:fontRef idx="minor">
+            <a:schemeClr val="tx1"/>
+          </a:fontRef>
+        </p:style>
+      </p:cxnSp>
+      <p:cxnSp>
+        <p:nvCxnSpPr>
+          <p:cNvPr id="20" name="Straight Connector 19"/>
+          <p:cNvCxnSpPr/>
+          <p:nvPr/>
+        </p:nvCxnSpPr>
+        <p:spPr>
+          <a:xfrm>
+            <a:off x="6962227" y="2133600"/>
+            <a:ext cx="0" cy="3966882"/>
+          </a:xfrm>
+          <a:prstGeom prst="line">
+            <a:avLst/>
+          </a:prstGeom>
+          <a:ln w="12700" cmpd="sng">
+            <a:solidFill>
+              <a:schemeClr val="bg2">
+                <a:lumMod val="40000"/>
+                <a:lumOff val="60000"/>
+                <a:alpha val="40000"/>
+              </a:schemeClr>
+            </a:solidFill>
+          </a:ln>
+        </p:spPr>
+        <p:style>
+          <a:lnRef idx="2">
+            <a:schemeClr val="accent1"/>
+          </a:lnRef>
+          <a:fillRef idx="0">
+            <a:schemeClr val="accent1"/>
+          </a:fillRef>
+          <a:effectRef idx="1">
+            <a:schemeClr val="accent1"/>
+          </a:effectRef>
+          <a:fontRef idx="minor">
+            <a:schemeClr val="tx1"/>
+          </a:fontRef>
+        </p:style>
+      </p:cxnSp>
+      <p:sp>
+        <p:nvSpPr>
+          <p:cNvPr id="7" name="Date Placeholder 3"/>
+          <p:cNvSpPr>
+            <a:spLocks noGrp="1"/>
+          </p:cNvSpPr>
+          <p:nvPr>
+            <p:ph type="dt" sz="half" idx="10"/>
+          </p:nvPr>
+        </p:nvSpPr>
+        <p:spPr/>
+        <p:txBody>
+          <a:bodyPr/>
+          <a:lstStyle/>
+          <a:p>
+            <a:fld id="{6F3939FC-4294-4D0C-A737-9FCD840582CE}" type="datetimeFigureOut">
+              <a:rPr lang="pt-BR" smtClean="0"/>
+              <a:t>03/04/2024</a:t>
+            </a:fld>
+            <a:endParaRPr lang="pt-BR"/>
+          </a:p>
+        </p:txBody>
+      </p:sp>
+      <p:sp>
+        <p:nvSpPr>
+          <p:cNvPr id="4" name="Footer Placeholder 4"/>
+          <p:cNvSpPr>
+            <a:spLocks noGrp="1"/>
+          </p:cNvSpPr>
+          <p:nvPr>
+            <p:ph type="ftr" sz="quarter" idx="11"/>
+          </p:nvPr>
+        </p:nvSpPr>
+        <p:spPr/>
+        <p:txBody>
+          <a:bodyPr/>
+          <a:lstStyle/>
+          <a:p>
+            <a:endParaRPr lang="pt-BR"/>
+          </a:p>
+        </p:txBody>
+      </p:sp>
+      <p:sp>
+        <p:nvSpPr>
+          <p:cNvPr id="6" name="Slide Number Placeholder 5"/>
+          <p:cNvSpPr>
+            <a:spLocks noGrp="1"/>
+          </p:cNvSpPr>
+          <p:nvPr>
+            <p:ph type="sldNum" sz="quarter" idx="12"/>
+          </p:nvPr>
+        </p:nvSpPr>
+        <p:spPr/>
+        <p:txBody>
+          <a:bodyPr/>
+          <a:lstStyle/>
+          <a:p>
+            <a:fld id="{BE2F2ED8-9E33-4CB5-8EFE-1B1DAA49060C}" type="slidenum">
+              <a:rPr lang="pt-BR" smtClean="0"/>
+              <a:t>‹nº›</a:t>
+            </a:fld>
+            <a:endParaRPr lang="pt-BR"/>
+          </a:p>
+        </p:txBody>
+      </p:sp>
+    </p:spTree>
+    <p:extLst>
+      <p:ext uri="{BB962C8B-B14F-4D97-AF65-F5344CB8AC3E}">
+        <p14:creationId xmlns:p14="http://schemas.microsoft.com/office/powerpoint/2010/main" val="4014614049"/>
+      </p:ext>
+    </p:extLst>
+  </p:cSld>
+  <p:clrMapOvr>
+    <a:masterClrMapping/>
+  </p:clrMapOvr>
+</p:sldLayout>
+</file>
+
+<file path=ppt/slideLayouts/slideLayout16.xml><?xml version="1.0" encoding="utf-8"?>
 <p:sldLayout xmlns:a="http://schemas.openxmlformats.org/drawingml/2006/main" xmlns:r="http://schemas.openxmlformats.org/officeDocument/2006/relationships" xmlns:p="http://schemas.openxmlformats.org/presentationml/2006/main" type="vertTx" preserve="1">
   <p:cSld name="Título e Texto Vertical">
     <p:spTree>
@@ -346,13 +2944,7 @@
       </p:grpSpPr>
       <p:sp>
         <p:nvSpPr>
-          <p:cNvPr id="2" name="Título 1">
-            <a:extLst>
-              <a:ext uri="{FF2B5EF4-FFF2-40B4-BE49-F238E27FC236}">
-                <a16:creationId xmlns:a16="http://schemas.microsoft.com/office/drawing/2014/main" id="{F228B9CD-50AF-882C-1B4C-993296C037FD}"/>
-              </a:ext>
-            </a:extLst>
-          </p:cNvPr>
+          <p:cNvPr id="2" name="Title 1"/>
           <p:cNvSpPr>
             <a:spLocks noGrp="1"/>
           </p:cNvSpPr>
@@ -369,18 +2961,13 @@
               <a:rPr lang="pt-BR"/>
               <a:t>Clique para editar o título Mestre</a:t>
             </a:r>
-          </a:p>
-        </p:txBody>
-      </p:sp>
-      <p:sp>
-        <p:nvSpPr>
-          <p:cNvPr id="3" name="Espaço Reservado para Texto Vertical 2">
-            <a:extLst>
-              <a:ext uri="{FF2B5EF4-FFF2-40B4-BE49-F238E27FC236}">
-                <a16:creationId xmlns:a16="http://schemas.microsoft.com/office/drawing/2014/main" id="{9927B588-BF28-DB48-68D1-FE74B948BBFD}"/>
-              </a:ext>
-            </a:extLst>
-          </p:cNvPr>
+            <a:endParaRPr lang="en-US" dirty="0"/>
+          </a:p>
+        </p:txBody>
+      </p:sp>
+      <p:sp>
+        <p:nvSpPr>
+          <p:cNvPr id="3" name="Vertical Text Placeholder 2"/>
           <p:cNvSpPr>
             <a:spLocks noGrp="1"/>
           </p:cNvSpPr>
@@ -390,7 +2977,7 @@
         </p:nvSpPr>
         <p:spPr/>
         <p:txBody>
-          <a:bodyPr vert="eaVert"/>
+          <a:bodyPr vert="eaVert" anchor="t" anchorCtr="0"/>
           <a:lstStyle/>
           <a:p>
             <a:pPr lvl="0"/>
@@ -426,18 +3013,13 @@
               <a:rPr lang="pt-BR"/>
               <a:t>Quinto nível</a:t>
             </a:r>
-          </a:p>
-        </p:txBody>
-      </p:sp>
-      <p:sp>
-        <p:nvSpPr>
-          <p:cNvPr id="4" name="Espaço Reservado para Data 3">
-            <a:extLst>
-              <a:ext uri="{FF2B5EF4-FFF2-40B4-BE49-F238E27FC236}">
-                <a16:creationId xmlns:a16="http://schemas.microsoft.com/office/drawing/2014/main" id="{E1080ADF-C67D-75A8-B256-47A03DFFBEAD}"/>
-              </a:ext>
-            </a:extLst>
-          </p:cNvPr>
+            <a:endParaRPr lang="en-US" dirty="0"/>
+          </a:p>
+        </p:txBody>
+      </p:sp>
+      <p:sp>
+        <p:nvSpPr>
+          <p:cNvPr id="4" name="Date Placeholder 3"/>
           <p:cNvSpPr>
             <a:spLocks noGrp="1"/>
           </p:cNvSpPr>
@@ -460,13 +3042,7 @@
       </p:sp>
       <p:sp>
         <p:nvSpPr>
-          <p:cNvPr id="5" name="Espaço Reservado para Rodapé 4">
-            <a:extLst>
-              <a:ext uri="{FF2B5EF4-FFF2-40B4-BE49-F238E27FC236}">
-                <a16:creationId xmlns:a16="http://schemas.microsoft.com/office/drawing/2014/main" id="{96CE932E-D584-E6C5-524D-3D98F2999B0B}"/>
-              </a:ext>
-            </a:extLst>
-          </p:cNvPr>
+          <p:cNvPr id="5" name="Footer Placeholder 4"/>
           <p:cNvSpPr>
             <a:spLocks noGrp="1"/>
           </p:cNvSpPr>
@@ -485,13 +3061,7 @@
       </p:sp>
       <p:sp>
         <p:nvSpPr>
-          <p:cNvPr id="6" name="Espaço Reservado para Número de Slide 5">
-            <a:extLst>
-              <a:ext uri="{FF2B5EF4-FFF2-40B4-BE49-F238E27FC236}">
-                <a16:creationId xmlns:a16="http://schemas.microsoft.com/office/drawing/2014/main" id="{990C2AEE-0A1A-6E1D-5EBD-04F595200954}"/>
-              </a:ext>
-            </a:extLst>
-          </p:cNvPr>
+          <p:cNvPr id="6" name="Slide Number Placeholder 5"/>
           <p:cNvSpPr>
             <a:spLocks noGrp="1"/>
           </p:cNvSpPr>
@@ -515,7 +3085,7 @@
     </p:spTree>
     <p:extLst>
       <p:ext uri="{BB962C8B-B14F-4D97-AF65-F5344CB8AC3E}">
-        <p14:creationId xmlns:p14="http://schemas.microsoft.com/office/powerpoint/2010/main" val="152632736"/>
+        <p14:creationId xmlns:p14="http://schemas.microsoft.com/office/powerpoint/2010/main" val="2639743140"/>
       </p:ext>
     </p:extLst>
   </p:cSld>
@@ -525,7 +3095,7 @@
 </p:sldLayout>
 </file>
 
-<file path=ppt/slideLayouts/slideLayout11.xml><?xml version="1.0" encoding="utf-8"?>
+<file path=ppt/slideLayouts/slideLayout17.xml><?xml version="1.0" encoding="utf-8"?>
 <p:sldLayout xmlns:a="http://schemas.openxmlformats.org/drawingml/2006/main" xmlns:r="http://schemas.openxmlformats.org/officeDocument/2006/relationships" xmlns:p="http://schemas.openxmlformats.org/presentationml/2006/main" type="vertTitleAndTx" preserve="1">
   <p:cSld name="Texto e Título Vertical">
     <p:spTree>
@@ -544,13 +3114,7 @@
       </p:grpSpPr>
       <p:sp>
         <p:nvSpPr>
-          <p:cNvPr id="2" name="Título Vertical 1">
-            <a:extLst>
-              <a:ext uri="{FF2B5EF4-FFF2-40B4-BE49-F238E27FC236}">
-                <a16:creationId xmlns:a16="http://schemas.microsoft.com/office/drawing/2014/main" id="{4855E8A5-7207-D1F2-3F75-62627E971F38}"/>
-              </a:ext>
-            </a:extLst>
-          </p:cNvPr>
+          <p:cNvPr id="2" name="Vertical Title 1"/>
           <p:cNvSpPr>
             <a:spLocks noGrp="1"/>
           </p:cNvSpPr>
@@ -560,47 +3124,42 @@
         </p:nvSpPr>
         <p:spPr>
           <a:xfrm>
-            <a:off x="8724900" y="365125"/>
-            <a:ext cx="2628900" cy="5811838"/>
+            <a:off x="8304212" y="430213"/>
+            <a:ext cx="1752601" cy="5826125"/>
           </a:xfrm>
         </p:spPr>
         <p:txBody>
+          <a:bodyPr vert="eaVert" anchor="b" anchorCtr="0"/>
+          <a:lstStyle/>
+          <a:p>
+            <a:r>
+              <a:rPr lang="pt-BR"/>
+              <a:t>Clique para editar o título Mestre</a:t>
+            </a:r>
+            <a:endParaRPr lang="en-US" dirty="0"/>
+          </a:p>
+        </p:txBody>
+      </p:sp>
+      <p:sp>
+        <p:nvSpPr>
+          <p:cNvPr id="3" name="Vertical Text Placeholder 2"/>
+          <p:cNvSpPr>
+            <a:spLocks noGrp="1"/>
+          </p:cNvSpPr>
+          <p:nvPr>
+            <p:ph type="body" orient="vert" idx="1"/>
+          </p:nvPr>
+        </p:nvSpPr>
+        <p:spPr>
+          <a:xfrm>
+            <a:off x="652463" y="887414"/>
+            <a:ext cx="7423149" cy="5368924"/>
+          </a:xfrm>
+        </p:spPr>
+        <p:txBody>
           <a:bodyPr vert="eaVert"/>
           <a:lstStyle/>
           <a:p>
-            <a:r>
-              <a:rPr lang="pt-BR"/>
-              <a:t>Clique para editar o título Mestre</a:t>
-            </a:r>
-          </a:p>
-        </p:txBody>
-      </p:sp>
-      <p:sp>
-        <p:nvSpPr>
-          <p:cNvPr id="3" name="Espaço Reservado para Texto Vertical 2">
-            <a:extLst>
-              <a:ext uri="{FF2B5EF4-FFF2-40B4-BE49-F238E27FC236}">
-                <a16:creationId xmlns:a16="http://schemas.microsoft.com/office/drawing/2014/main" id="{F9158534-7C40-9325-A502-8D5100A33D46}"/>
-              </a:ext>
-            </a:extLst>
-          </p:cNvPr>
-          <p:cNvSpPr>
-            <a:spLocks noGrp="1"/>
-          </p:cNvSpPr>
-          <p:nvPr>
-            <p:ph type="body" orient="vert" idx="1"/>
-          </p:nvPr>
-        </p:nvSpPr>
-        <p:spPr>
-          <a:xfrm>
-            <a:off x="838200" y="365125"/>
-            <a:ext cx="7734300" cy="5811838"/>
-          </a:xfrm>
-        </p:spPr>
-        <p:txBody>
-          <a:bodyPr vert="eaVert"/>
-          <a:lstStyle/>
-          <a:p>
             <a:pPr lvl="0"/>
             <a:r>
               <a:rPr lang="pt-BR"/>
@@ -634,18 +3193,13 @@
               <a:rPr lang="pt-BR"/>
               <a:t>Quinto nível</a:t>
             </a:r>
-          </a:p>
-        </p:txBody>
-      </p:sp>
-      <p:sp>
-        <p:nvSpPr>
-          <p:cNvPr id="4" name="Espaço Reservado para Data 3">
-            <a:extLst>
-              <a:ext uri="{FF2B5EF4-FFF2-40B4-BE49-F238E27FC236}">
-                <a16:creationId xmlns:a16="http://schemas.microsoft.com/office/drawing/2014/main" id="{59FADCFE-9D73-923F-8740-CBC1479D88B2}"/>
-              </a:ext>
-            </a:extLst>
-          </p:cNvPr>
+            <a:endParaRPr lang="en-US" dirty="0"/>
+          </a:p>
+        </p:txBody>
+      </p:sp>
+      <p:sp>
+        <p:nvSpPr>
+          <p:cNvPr id="4" name="Date Placeholder 3"/>
           <p:cNvSpPr>
             <a:spLocks noGrp="1"/>
           </p:cNvSpPr>
@@ -668,13 +3222,7 @@
       </p:sp>
       <p:sp>
         <p:nvSpPr>
-          <p:cNvPr id="5" name="Espaço Reservado para Rodapé 4">
-            <a:extLst>
-              <a:ext uri="{FF2B5EF4-FFF2-40B4-BE49-F238E27FC236}">
-                <a16:creationId xmlns:a16="http://schemas.microsoft.com/office/drawing/2014/main" id="{ADAC5A9C-3FAF-D168-1053-259ABA2BFE78}"/>
-              </a:ext>
-            </a:extLst>
-          </p:cNvPr>
+          <p:cNvPr id="5" name="Footer Placeholder 4"/>
           <p:cNvSpPr>
             <a:spLocks noGrp="1"/>
           </p:cNvSpPr>
@@ -693,13 +3241,7 @@
       </p:sp>
       <p:sp>
         <p:nvSpPr>
-          <p:cNvPr id="6" name="Espaço Reservado para Número de Slide 5">
-            <a:extLst>
-              <a:ext uri="{FF2B5EF4-FFF2-40B4-BE49-F238E27FC236}">
-                <a16:creationId xmlns:a16="http://schemas.microsoft.com/office/drawing/2014/main" id="{F26CF446-6927-07DB-076C-9A4FEF5A1F58}"/>
-              </a:ext>
-            </a:extLst>
-          </p:cNvPr>
+          <p:cNvPr id="6" name="Slide Number Placeholder 5"/>
           <p:cNvSpPr>
             <a:spLocks noGrp="1"/>
           </p:cNvSpPr>
@@ -723,7 +3265,7 @@
     </p:spTree>
     <p:extLst>
       <p:ext uri="{BB962C8B-B14F-4D97-AF65-F5344CB8AC3E}">
-        <p14:creationId xmlns:p14="http://schemas.microsoft.com/office/powerpoint/2010/main" val="3651717869"/>
+        <p14:creationId xmlns:p14="http://schemas.microsoft.com/office/powerpoint/2010/main" val="1466751733"/>
       </p:ext>
     </p:extLst>
   </p:cSld>
@@ -752,13 +3294,7 @@
       </p:grpSpPr>
       <p:sp>
         <p:nvSpPr>
-          <p:cNvPr id="2" name="Título 1">
-            <a:extLst>
-              <a:ext uri="{FF2B5EF4-FFF2-40B4-BE49-F238E27FC236}">
-                <a16:creationId xmlns:a16="http://schemas.microsoft.com/office/drawing/2014/main" id="{E32296ED-C2AF-9DB1-FF3E-7A9F7BC3B3EA}"/>
-              </a:ext>
-            </a:extLst>
-          </p:cNvPr>
+          <p:cNvPr id="2" name="Title 1"/>
           <p:cNvSpPr>
             <a:spLocks noGrp="1"/>
           </p:cNvSpPr>
@@ -775,18 +3311,13 @@
               <a:rPr lang="pt-BR"/>
               <a:t>Clique para editar o título Mestre</a:t>
             </a:r>
-          </a:p>
-        </p:txBody>
-      </p:sp>
-      <p:sp>
-        <p:nvSpPr>
-          <p:cNvPr id="3" name="Espaço Reservado para Conteúdo 2">
-            <a:extLst>
-              <a:ext uri="{FF2B5EF4-FFF2-40B4-BE49-F238E27FC236}">
-                <a16:creationId xmlns:a16="http://schemas.microsoft.com/office/drawing/2014/main" id="{F0F67074-AB4D-8433-E905-7280B5774462}"/>
-              </a:ext>
-            </a:extLst>
-          </p:cNvPr>
+            <a:endParaRPr lang="en-US" dirty="0"/>
+          </a:p>
+        </p:txBody>
+      </p:sp>
+      <p:sp>
+        <p:nvSpPr>
+          <p:cNvPr id="3" name="Content Placeholder 2"/>
           <p:cNvSpPr>
             <a:spLocks noGrp="1"/>
           </p:cNvSpPr>
@@ -832,18 +3363,13 @@
               <a:rPr lang="pt-BR"/>
               <a:t>Quinto nível</a:t>
             </a:r>
-          </a:p>
-        </p:txBody>
-      </p:sp>
-      <p:sp>
-        <p:nvSpPr>
-          <p:cNvPr id="4" name="Espaço Reservado para Data 3">
-            <a:extLst>
-              <a:ext uri="{FF2B5EF4-FFF2-40B4-BE49-F238E27FC236}">
-                <a16:creationId xmlns:a16="http://schemas.microsoft.com/office/drawing/2014/main" id="{8A0E385C-EFF4-C938-BDCD-083360E70D5D}"/>
-              </a:ext>
-            </a:extLst>
-          </p:cNvPr>
+            <a:endParaRPr lang="en-US" dirty="0"/>
+          </a:p>
+        </p:txBody>
+      </p:sp>
+      <p:sp>
+        <p:nvSpPr>
+          <p:cNvPr id="7" name="Date Placeholder 3"/>
           <p:cNvSpPr>
             <a:spLocks noGrp="1"/>
           </p:cNvSpPr>
@@ -866,13 +3392,7 @@
       </p:sp>
       <p:sp>
         <p:nvSpPr>
-          <p:cNvPr id="5" name="Espaço Reservado para Rodapé 4">
-            <a:extLst>
-              <a:ext uri="{FF2B5EF4-FFF2-40B4-BE49-F238E27FC236}">
-                <a16:creationId xmlns:a16="http://schemas.microsoft.com/office/drawing/2014/main" id="{AC8AE6C8-1090-556A-A122-0B3552F197ED}"/>
-              </a:ext>
-            </a:extLst>
-          </p:cNvPr>
+          <p:cNvPr id="5" name="Footer Placeholder 4"/>
           <p:cNvSpPr>
             <a:spLocks noGrp="1"/>
           </p:cNvSpPr>
@@ -891,13 +3411,7 @@
       </p:sp>
       <p:sp>
         <p:nvSpPr>
-          <p:cNvPr id="6" name="Espaço Reservado para Número de Slide 5">
-            <a:extLst>
-              <a:ext uri="{FF2B5EF4-FFF2-40B4-BE49-F238E27FC236}">
-                <a16:creationId xmlns:a16="http://schemas.microsoft.com/office/drawing/2014/main" id="{B16D3297-528E-1D9E-6F9B-149129ACB0AC}"/>
-              </a:ext>
-            </a:extLst>
-          </p:cNvPr>
+          <p:cNvPr id="6" name="Slide Number Placeholder 5"/>
           <p:cNvSpPr>
             <a:spLocks noGrp="1"/>
           </p:cNvSpPr>
@@ -921,7 +3435,7 @@
     </p:spTree>
     <p:extLst>
       <p:ext uri="{BB962C8B-B14F-4D97-AF65-F5344CB8AC3E}">
-        <p14:creationId xmlns:p14="http://schemas.microsoft.com/office/powerpoint/2010/main" val="2430093871"/>
+        <p14:creationId xmlns:p14="http://schemas.microsoft.com/office/powerpoint/2010/main" val="1435938189"/>
       </p:ext>
     </p:extLst>
   </p:cSld>
@@ -950,13 +3464,7 @@
       </p:grpSpPr>
       <p:sp>
         <p:nvSpPr>
-          <p:cNvPr id="2" name="Título 1">
-            <a:extLst>
-              <a:ext uri="{FF2B5EF4-FFF2-40B4-BE49-F238E27FC236}">
-                <a16:creationId xmlns:a16="http://schemas.microsoft.com/office/drawing/2014/main" id="{6F402FCE-4F3D-6F27-5F9C-7B66D78DBE7E}"/>
-              </a:ext>
-            </a:extLst>
-          </p:cNvPr>
+          <p:cNvPr id="2" name="Title 1"/>
           <p:cNvSpPr>
             <a:spLocks noGrp="1"/>
           </p:cNvSpPr>
@@ -966,15 +3474,15 @@
         </p:nvSpPr>
         <p:spPr>
           <a:xfrm>
-            <a:off x="831850" y="1709738"/>
-            <a:ext cx="10515600" cy="2852737"/>
+            <a:off x="1154956" y="2861733"/>
+            <a:ext cx="8825657" cy="1915647"/>
           </a:xfrm>
         </p:spPr>
         <p:txBody>
           <a:bodyPr anchor="b"/>
           <a:lstStyle>
-            <a:lvl1pPr>
-              <a:defRPr sz="6000"/>
+            <a:lvl1pPr algn="l">
+              <a:defRPr sz="4000" b="0" cap="none"/>
             </a:lvl1pPr>
           </a:lstStyle>
           <a:p>
@@ -982,18 +3490,13 @@
               <a:rPr lang="pt-BR"/>
               <a:t>Clique para editar o título Mestre</a:t>
             </a:r>
-          </a:p>
-        </p:txBody>
-      </p:sp>
-      <p:sp>
-        <p:nvSpPr>
-          <p:cNvPr id="3" name="Espaço Reservado para Texto 2">
-            <a:extLst>
-              <a:ext uri="{FF2B5EF4-FFF2-40B4-BE49-F238E27FC236}">
-                <a16:creationId xmlns:a16="http://schemas.microsoft.com/office/drawing/2014/main" id="{9A0BE9F6-5A85-D838-6DF0-4C0DA470AFA3}"/>
-              </a:ext>
-            </a:extLst>
-          </p:cNvPr>
+            <a:endParaRPr lang="en-US" dirty="0"/>
+          </a:p>
+        </p:txBody>
+      </p:sp>
+      <p:sp>
+        <p:nvSpPr>
+          <p:cNvPr id="3" name="Text Placeholder 2"/>
           <p:cNvSpPr>
             <a:spLocks noGrp="1"/>
           </p:cNvSpPr>
@@ -1003,99 +3506,100 @@
         </p:nvSpPr>
         <p:spPr>
           <a:xfrm>
-            <a:off x="831850" y="4589463"/>
-            <a:ext cx="10515600" cy="1500187"/>
+            <a:off x="1154955" y="4777381"/>
+            <a:ext cx="8825658" cy="860400"/>
           </a:xfrm>
         </p:spPr>
         <p:txBody>
-          <a:bodyPr/>
+          <a:bodyPr anchor="t"/>
           <a:lstStyle>
-            <a:lvl1pPr marL="0" indent="0">
-              <a:buNone/>
-              <a:defRPr sz="2400">
+            <a:lvl1pPr marL="0" indent="0" algn="l">
+              <a:buNone/>
+              <a:defRPr sz="2000" cap="all">
                 <a:solidFill>
-                  <a:schemeClr val="tx1">
-                    <a:tint val="82000"/>
+                  <a:schemeClr val="bg2">
+                    <a:lumMod val="40000"/>
+                    <a:lumOff val="60000"/>
                   </a:schemeClr>
                 </a:solidFill>
               </a:defRPr>
             </a:lvl1pPr>
             <a:lvl2pPr marL="457200" indent="0">
               <a:buNone/>
-              <a:defRPr sz="2000">
+              <a:defRPr sz="1800">
                 <a:solidFill>
                   <a:schemeClr val="tx1">
-                    <a:tint val="82000"/>
+                    <a:tint val="75000"/>
                   </a:schemeClr>
                 </a:solidFill>
               </a:defRPr>
             </a:lvl2pPr>
             <a:lvl3pPr marL="914400" indent="0">
               <a:buNone/>
-              <a:defRPr sz="1800">
+              <a:defRPr sz="1600">
                 <a:solidFill>
                   <a:schemeClr val="tx1">
-                    <a:tint val="82000"/>
+                    <a:tint val="75000"/>
                   </a:schemeClr>
                 </a:solidFill>
               </a:defRPr>
             </a:lvl3pPr>
             <a:lvl4pPr marL="1371600" indent="0">
               <a:buNone/>
-              <a:defRPr sz="1600">
+              <a:defRPr sz="1400">
                 <a:solidFill>
                   <a:schemeClr val="tx1">
-                    <a:tint val="82000"/>
+                    <a:tint val="75000"/>
                   </a:schemeClr>
                 </a:solidFill>
               </a:defRPr>
             </a:lvl4pPr>
             <a:lvl5pPr marL="1828800" indent="0">
               <a:buNone/>
-              <a:defRPr sz="1600">
+              <a:defRPr sz="1400">
                 <a:solidFill>
                   <a:schemeClr val="tx1">
-                    <a:tint val="82000"/>
+                    <a:tint val="75000"/>
                   </a:schemeClr>
                 </a:solidFill>
               </a:defRPr>
             </a:lvl5pPr>
             <a:lvl6pPr marL="2286000" indent="0">
               <a:buNone/>
-              <a:defRPr sz="1600">
+              <a:defRPr sz="1400">
                 <a:solidFill>
                   <a:schemeClr val="tx1">
-                    <a:tint val="82000"/>
+                    <a:tint val="75000"/>
                   </a:schemeClr>
                 </a:solidFill>
               </a:defRPr>
             </a:lvl6pPr>
             <a:lvl7pPr marL="2743200" indent="0">
               <a:buNone/>
-              <a:defRPr sz="1600">
+              <a:defRPr sz="1400">
                 <a:solidFill>
                   <a:schemeClr val="tx1">
-                    <a:tint val="82000"/>
+                    <a:tint val="75000"/>
                   </a:schemeClr>
                 </a:solidFill>
               </a:defRPr>
             </a:lvl7pPr>
             <a:lvl8pPr marL="3200400" indent="0">
               <a:buNone/>
-              <a:defRPr sz="1600">
+              <a:defRPr sz="1400">
                 <a:solidFill>
                   <a:schemeClr val="tx1">
-                    <a:tint val="82000"/>
+                    <a:tint val="75000"/>
                   </a:schemeClr>
                 </a:solidFill>
               </a:defRPr>
             </a:lvl8pPr>
             <a:lvl9pPr marL="3657600" indent="0">
               <a:buNone/>
-              <a:defRPr sz="1600">
+              <a:defRPr sz="1400">
                 <a:solidFill>
                   <a:schemeClr val="tx1">
-                    <a:tint val="82000"/>
+                    <a:tint val="75000"/>
                   </a:schemeClr>
                 </a:solidFill>
               </a:defRPr>
@@ -1112,13 +3616,7 @@
       </p:sp>
       <p:sp>
         <p:nvSpPr>
-          <p:cNvPr id="4" name="Espaço Reservado para Data 3">
-            <a:extLst>
-              <a:ext uri="{FF2B5EF4-FFF2-40B4-BE49-F238E27FC236}">
-                <a16:creationId xmlns:a16="http://schemas.microsoft.com/office/drawing/2014/main" id="{A70160C9-AED7-9608-C1AF-42348DC7F1B1}"/>
-              </a:ext>
-            </a:extLst>
-          </p:cNvPr>
+          <p:cNvPr id="4" name="Date Placeholder 3"/>
           <p:cNvSpPr>
             <a:spLocks noGrp="1"/>
           </p:cNvSpPr>
@@ -1141,13 +3639,7 @@
       </p:sp>
       <p:sp>
         <p:nvSpPr>
-          <p:cNvPr id="5" name="Espaço Reservado para Rodapé 4">
-            <a:extLst>
-              <a:ext uri="{FF2B5EF4-FFF2-40B4-BE49-F238E27FC236}">
-                <a16:creationId xmlns:a16="http://schemas.microsoft.com/office/drawing/2014/main" id="{0C318745-0CCB-3CE5-BC26-C60033C9D375}"/>
-              </a:ext>
-            </a:extLst>
-          </p:cNvPr>
+          <p:cNvPr id="5" name="Footer Placeholder 4"/>
           <p:cNvSpPr>
             <a:spLocks noGrp="1"/>
           </p:cNvSpPr>
@@ -1166,13 +3658,7 @@
       </p:sp>
       <p:sp>
         <p:nvSpPr>
-          <p:cNvPr id="6" name="Espaço Reservado para Número de Slide 5">
-            <a:extLst>
-              <a:ext uri="{FF2B5EF4-FFF2-40B4-BE49-F238E27FC236}">
-                <a16:creationId xmlns:a16="http://schemas.microsoft.com/office/drawing/2014/main" id="{E8AF4DBD-8181-0A32-FB80-92255C259B8E}"/>
-              </a:ext>
-            </a:extLst>
-          </p:cNvPr>
+          <p:cNvPr id="6" name="Slide Number Placeholder 5"/>
           <p:cNvSpPr>
             <a:spLocks noGrp="1"/>
           </p:cNvSpPr>
@@ -1196,7 +3682,7 @@
     </p:spTree>
     <p:extLst>
       <p:ext uri="{BB962C8B-B14F-4D97-AF65-F5344CB8AC3E}">
-        <p14:creationId xmlns:p14="http://schemas.microsoft.com/office/powerpoint/2010/main" val="2119958652"/>
+        <p14:creationId xmlns:p14="http://schemas.microsoft.com/office/powerpoint/2010/main" val="3649254137"/>
       </p:ext>
     </p:extLst>
   </p:cSld>
@@ -1225,13 +3711,7 @@
       </p:grpSpPr>
       <p:sp>
         <p:nvSpPr>
-          <p:cNvPr id="2" name="Título 1">
-            <a:extLst>
-              <a:ext uri="{FF2B5EF4-FFF2-40B4-BE49-F238E27FC236}">
-                <a16:creationId xmlns:a16="http://schemas.microsoft.com/office/drawing/2014/main" id="{BAF4AA46-5B77-B59E-D869-F39E97E1CBDC}"/>
-              </a:ext>
-            </a:extLst>
-          </p:cNvPr>
+          <p:cNvPr id="2" name="Title 1"/>
           <p:cNvSpPr>
             <a:spLocks noGrp="1"/>
           </p:cNvSpPr>
@@ -1248,18 +3728,13 @@
               <a:rPr lang="pt-BR"/>
               <a:t>Clique para editar o título Mestre</a:t>
             </a:r>
-          </a:p>
-        </p:txBody>
-      </p:sp>
-      <p:sp>
-        <p:nvSpPr>
-          <p:cNvPr id="3" name="Espaço Reservado para Conteúdo 2">
-            <a:extLst>
-              <a:ext uri="{FF2B5EF4-FFF2-40B4-BE49-F238E27FC236}">
-                <a16:creationId xmlns:a16="http://schemas.microsoft.com/office/drawing/2014/main" id="{FCF49A33-EE27-7B04-5CEE-FEC92EAB6B11}"/>
-              </a:ext>
-            </a:extLst>
-          </p:cNvPr>
+            <a:endParaRPr lang="en-US" dirty="0"/>
+          </a:p>
+        </p:txBody>
+      </p:sp>
+      <p:sp>
+        <p:nvSpPr>
+          <p:cNvPr id="3" name="Content Placeholder 2"/>
           <p:cNvSpPr>
             <a:spLocks noGrp="1"/>
           </p:cNvSpPr>
@@ -1269,13 +3744,43 @@
         </p:nvSpPr>
         <p:spPr>
           <a:xfrm>
-            <a:off x="838200" y="1825625"/>
-            <a:ext cx="5181600" cy="4351338"/>
+            <a:off x="1103312" y="2060575"/>
+            <a:ext cx="4396339" cy="4195763"/>
           </a:xfrm>
         </p:spPr>
         <p:txBody>
-          <a:bodyPr/>
-          <a:lstStyle/>
+          <a:bodyPr>
+            <a:normAutofit/>
+          </a:bodyPr>
+          <a:lstStyle>
+            <a:lvl1pPr>
+              <a:defRPr sz="1800"/>
+            </a:lvl1pPr>
+            <a:lvl2pPr>
+              <a:defRPr sz="1600"/>
+            </a:lvl2pPr>
+            <a:lvl3pPr>
+              <a:defRPr sz="1400"/>
+            </a:lvl3pPr>
+            <a:lvl4pPr>
+              <a:defRPr sz="1200"/>
+            </a:lvl4pPr>
+            <a:lvl5pPr>
+              <a:defRPr sz="1200"/>
+            </a:lvl5pPr>
+            <a:lvl6pPr>
+              <a:defRPr sz="1200"/>
+            </a:lvl6pPr>
+            <a:lvl7pPr>
+              <a:defRPr sz="1200"/>
+            </a:lvl7pPr>
+            <a:lvl8pPr>
+              <a:defRPr sz="1200"/>
+            </a:lvl8pPr>
+            <a:lvl9pPr>
+              <a:defRPr sz="1200"/>
+            </a:lvl9pPr>
+          </a:lstStyle>
           <a:p>
             <a:pPr lvl="0"/>
             <a:r>
@@ -1310,18 +3815,13 @@
               <a:rPr lang="pt-BR"/>
               <a:t>Quinto nível</a:t>
             </a:r>
-          </a:p>
-        </p:txBody>
-      </p:sp>
-      <p:sp>
-        <p:nvSpPr>
-          <p:cNvPr id="4" name="Espaço Reservado para Conteúdo 3">
-            <a:extLst>
-              <a:ext uri="{FF2B5EF4-FFF2-40B4-BE49-F238E27FC236}">
-                <a16:creationId xmlns:a16="http://schemas.microsoft.com/office/drawing/2014/main" id="{AF93E7A0-A62E-1044-3F16-070FB56D0E0F}"/>
-              </a:ext>
-            </a:extLst>
-          </p:cNvPr>
+            <a:endParaRPr lang="en-US" dirty="0"/>
+          </a:p>
+        </p:txBody>
+      </p:sp>
+      <p:sp>
+        <p:nvSpPr>
+          <p:cNvPr id="4" name="Content Placeholder 3"/>
           <p:cNvSpPr>
             <a:spLocks noGrp="1"/>
           </p:cNvSpPr>
@@ -1331,13 +3831,43 @@
         </p:nvSpPr>
         <p:spPr>
           <a:xfrm>
-            <a:off x="6172200" y="1825625"/>
-            <a:ext cx="5181600" cy="4351338"/>
+            <a:off x="5654493" y="2056092"/>
+            <a:ext cx="4396341" cy="4200245"/>
           </a:xfrm>
         </p:spPr>
         <p:txBody>
-          <a:bodyPr/>
-          <a:lstStyle/>
+          <a:bodyPr>
+            <a:normAutofit/>
+          </a:bodyPr>
+          <a:lstStyle>
+            <a:lvl1pPr>
+              <a:defRPr sz="1800"/>
+            </a:lvl1pPr>
+            <a:lvl2pPr>
+              <a:defRPr sz="1600"/>
+            </a:lvl2pPr>
+            <a:lvl3pPr>
+              <a:defRPr sz="1400"/>
+            </a:lvl3pPr>
+            <a:lvl4pPr>
+              <a:defRPr sz="1200"/>
+            </a:lvl4pPr>
+            <a:lvl5pPr>
+              <a:defRPr sz="1200"/>
+            </a:lvl5pPr>
+            <a:lvl6pPr>
+              <a:defRPr sz="1200"/>
+            </a:lvl6pPr>
+            <a:lvl7pPr>
+              <a:defRPr sz="1200"/>
+            </a:lvl7pPr>
+            <a:lvl8pPr>
+              <a:defRPr sz="1200"/>
+            </a:lvl8pPr>
+            <a:lvl9pPr>
+              <a:defRPr sz="1200"/>
+            </a:lvl9pPr>
+          </a:lstStyle>
           <a:p>
             <a:pPr lvl="0"/>
             <a:r>
@@ -1372,18 +3902,13 @@
               <a:rPr lang="pt-BR"/>
               <a:t>Quinto nível</a:t>
             </a:r>
-          </a:p>
-        </p:txBody>
-      </p:sp>
-      <p:sp>
-        <p:nvSpPr>
-          <p:cNvPr id="5" name="Espaço Reservado para Data 4">
-            <a:extLst>
-              <a:ext uri="{FF2B5EF4-FFF2-40B4-BE49-F238E27FC236}">
-                <a16:creationId xmlns:a16="http://schemas.microsoft.com/office/drawing/2014/main" id="{8C6242B4-E94A-261F-3EFB-0659B7E94576}"/>
-              </a:ext>
-            </a:extLst>
-          </p:cNvPr>
+            <a:endParaRPr lang="en-US" dirty="0"/>
+          </a:p>
+        </p:txBody>
+      </p:sp>
+      <p:sp>
+        <p:nvSpPr>
+          <p:cNvPr id="5" name="Date Placeholder 4"/>
           <p:cNvSpPr>
             <a:spLocks noGrp="1"/>
           </p:cNvSpPr>
@@ -1406,13 +3931,7 @@
       </p:sp>
       <p:sp>
         <p:nvSpPr>
-          <p:cNvPr id="6" name="Espaço Reservado para Rodapé 5">
-            <a:extLst>
-              <a:ext uri="{FF2B5EF4-FFF2-40B4-BE49-F238E27FC236}">
-                <a16:creationId xmlns:a16="http://schemas.microsoft.com/office/drawing/2014/main" id="{3CC96460-423E-A9F5-0B88-51772959FA87}"/>
-              </a:ext>
-            </a:extLst>
-          </p:cNvPr>
+          <p:cNvPr id="6" name="Footer Placeholder 5"/>
           <p:cNvSpPr>
             <a:spLocks noGrp="1"/>
           </p:cNvSpPr>
@@ -1431,13 +3950,7 @@
       </p:sp>
       <p:sp>
         <p:nvSpPr>
-          <p:cNvPr id="7" name="Espaço Reservado para Número de Slide 6">
-            <a:extLst>
-              <a:ext uri="{FF2B5EF4-FFF2-40B4-BE49-F238E27FC236}">
-                <a16:creationId xmlns:a16="http://schemas.microsoft.com/office/drawing/2014/main" id="{12B8EADA-B4A0-7ADD-BF10-9F3197C4B786}"/>
-              </a:ext>
-            </a:extLst>
-          </p:cNvPr>
+          <p:cNvPr id="7" name="Slide Number Placeholder 6"/>
           <p:cNvSpPr>
             <a:spLocks noGrp="1"/>
           </p:cNvSpPr>
@@ -1461,7 +3974,7 @@
     </p:spTree>
     <p:extLst>
       <p:ext uri="{BB962C8B-B14F-4D97-AF65-F5344CB8AC3E}">
-        <p14:creationId xmlns:p14="http://schemas.microsoft.com/office/powerpoint/2010/main" val="1213693551"/>
+        <p14:creationId xmlns:p14="http://schemas.microsoft.com/office/powerpoint/2010/main" val="1194740802"/>
       </p:ext>
     </p:extLst>
   </p:cSld>
@@ -1490,65 +4003,62 @@
       </p:grpSpPr>
       <p:sp>
         <p:nvSpPr>
-          <p:cNvPr id="2" name="Título 1">
-            <a:extLst>
-              <a:ext uri="{FF2B5EF4-FFF2-40B4-BE49-F238E27FC236}">
-                <a16:creationId xmlns:a16="http://schemas.microsoft.com/office/drawing/2014/main" id="{C419FFB1-D690-5E0F-02D9-54C7406CE289}"/>
-              </a:ext>
-            </a:extLst>
-          </p:cNvPr>
+          <p:cNvPr id="2" name="Title 1"/>
           <p:cNvSpPr>
             <a:spLocks noGrp="1"/>
           </p:cNvSpPr>
           <p:nvPr>
             <p:ph type="title"/>
+          </p:nvPr>
+        </p:nvSpPr>
+        <p:spPr/>
+        <p:txBody>
+          <a:bodyPr/>
+          <a:lstStyle>
+            <a:lvl1pPr>
+              <a:defRPr/>
+            </a:lvl1pPr>
+          </a:lstStyle>
+          <a:p>
+            <a:r>
+              <a:rPr lang="pt-BR"/>
+              <a:t>Clique para editar o título Mestre</a:t>
+            </a:r>
+            <a:endParaRPr lang="en-US" dirty="0"/>
+          </a:p>
+        </p:txBody>
+      </p:sp>
+      <p:sp>
+        <p:nvSpPr>
+          <p:cNvPr id="3" name="Text Placeholder 2"/>
+          <p:cNvSpPr>
+            <a:spLocks noGrp="1"/>
+          </p:cNvSpPr>
+          <p:nvPr>
+            <p:ph type="body" idx="1"/>
           </p:nvPr>
         </p:nvSpPr>
         <p:spPr>
           <a:xfrm>
-            <a:off x="839788" y="365125"/>
-            <a:ext cx="10515600" cy="1325563"/>
+            <a:off x="1103313" y="1905000"/>
+            <a:ext cx="4396338" cy="576262"/>
           </a:xfrm>
         </p:spPr>
         <p:txBody>
-          <a:bodyPr/>
-          <a:lstStyle/>
-          <a:p>
-            <a:r>
-              <a:rPr lang="pt-BR"/>
-              <a:t>Clique para editar o título Mestre</a:t>
-            </a:r>
-          </a:p>
-        </p:txBody>
-      </p:sp>
-      <p:sp>
-        <p:nvSpPr>
-          <p:cNvPr id="3" name="Espaço Reservado para Texto 2">
-            <a:extLst>
-              <a:ext uri="{FF2B5EF4-FFF2-40B4-BE49-F238E27FC236}">
-                <a16:creationId xmlns:a16="http://schemas.microsoft.com/office/drawing/2014/main" id="{B0278ADA-3B04-97CE-56AD-265401BD618F}"/>
-              </a:ext>
-            </a:extLst>
-          </p:cNvPr>
-          <p:cNvSpPr>
-            <a:spLocks noGrp="1"/>
-          </p:cNvSpPr>
-          <p:nvPr>
-            <p:ph type="body" idx="1"/>
-          </p:nvPr>
-        </p:nvSpPr>
-        <p:spPr>
-          <a:xfrm>
-            <a:off x="839788" y="1681163"/>
-            <a:ext cx="5157787" cy="823912"/>
-          </a:xfrm>
-        </p:spPr>
-        <p:txBody>
-          <a:bodyPr anchor="b"/>
+          <a:bodyPr anchor="b">
+            <a:noAutofit/>
+          </a:bodyPr>
           <a:lstStyle>
             <a:lvl1pPr marL="0" indent="0">
               <a:buNone/>
-              <a:defRPr sz="2400" b="1"/>
+              <a:defRPr sz="2400" b="0">
+                <a:solidFill>
+                  <a:schemeClr val="bg2">
+                    <a:lumMod val="40000"/>
+                    <a:lumOff val="60000"/>
+                  </a:schemeClr>
+                </a:solidFill>
+              </a:defRPr>
             </a:lvl1pPr>
             <a:lvl2pPr marL="457200" indent="0">
               <a:buNone/>
@@ -1594,13 +4104,7 @@
       </p:sp>
       <p:sp>
         <p:nvSpPr>
-          <p:cNvPr id="4" name="Espaço Reservado para Conteúdo 3">
-            <a:extLst>
-              <a:ext uri="{FF2B5EF4-FFF2-40B4-BE49-F238E27FC236}">
-                <a16:creationId xmlns:a16="http://schemas.microsoft.com/office/drawing/2014/main" id="{A0676C5D-5BE5-D241-392E-7197DAA5C68F}"/>
-              </a:ext>
-            </a:extLst>
-          </p:cNvPr>
+          <p:cNvPr id="4" name="Content Placeholder 3"/>
           <p:cNvSpPr>
             <a:spLocks noGrp="1"/>
           </p:cNvSpPr>
@@ -1610,13 +4114,43 @@
         </p:nvSpPr>
         <p:spPr>
           <a:xfrm>
-            <a:off x="839788" y="2505075"/>
-            <a:ext cx="5157787" cy="3684588"/>
+            <a:off x="1103312" y="2514600"/>
+            <a:ext cx="4396339" cy="3741738"/>
           </a:xfrm>
         </p:spPr>
         <p:txBody>
-          <a:bodyPr/>
-          <a:lstStyle/>
+          <a:bodyPr>
+            <a:normAutofit/>
+          </a:bodyPr>
+          <a:lstStyle>
+            <a:lvl1pPr>
+              <a:defRPr sz="1800"/>
+            </a:lvl1pPr>
+            <a:lvl2pPr>
+              <a:defRPr sz="1600"/>
+            </a:lvl2pPr>
+            <a:lvl3pPr>
+              <a:defRPr sz="1400"/>
+            </a:lvl3pPr>
+            <a:lvl4pPr>
+              <a:defRPr sz="1200"/>
+            </a:lvl4pPr>
+            <a:lvl5pPr>
+              <a:defRPr sz="1200"/>
+            </a:lvl5pPr>
+            <a:lvl6pPr>
+              <a:defRPr sz="1200"/>
+            </a:lvl6pPr>
+            <a:lvl7pPr>
+              <a:defRPr sz="1200"/>
+            </a:lvl7pPr>
+            <a:lvl8pPr>
+              <a:defRPr sz="1200"/>
+            </a:lvl8pPr>
+            <a:lvl9pPr>
+              <a:defRPr sz="1200"/>
+            </a:lvl9pPr>
+          </a:lstStyle>
           <a:p>
             <a:pPr lvl="0"/>
             <a:r>
@@ -1651,18 +4185,13 @@
               <a:rPr lang="pt-BR"/>
               <a:t>Quinto nível</a:t>
             </a:r>
-          </a:p>
-        </p:txBody>
-      </p:sp>
-      <p:sp>
-        <p:nvSpPr>
-          <p:cNvPr id="5" name="Espaço Reservado para Texto 4">
-            <a:extLst>
-              <a:ext uri="{FF2B5EF4-FFF2-40B4-BE49-F238E27FC236}">
-                <a16:creationId xmlns:a16="http://schemas.microsoft.com/office/drawing/2014/main" id="{6EF6C460-5D19-EC55-0EBB-23DDB3CBC8A9}"/>
-              </a:ext>
-            </a:extLst>
-          </p:cNvPr>
+            <a:endParaRPr lang="en-US" dirty="0"/>
+          </a:p>
+        </p:txBody>
+      </p:sp>
+      <p:sp>
+        <p:nvSpPr>
+          <p:cNvPr id="5" name="Text Placeholder 4"/>
           <p:cNvSpPr>
             <a:spLocks noGrp="1"/>
           </p:cNvSpPr>
@@ -1672,16 +4201,25 @@
         </p:nvSpPr>
         <p:spPr>
           <a:xfrm>
-            <a:off x="6172200" y="1681163"/>
-            <a:ext cx="5183188" cy="823912"/>
+            <a:off x="5654495" y="1905000"/>
+            <a:ext cx="4396339" cy="576262"/>
           </a:xfrm>
         </p:spPr>
         <p:txBody>
-          <a:bodyPr anchor="b"/>
+          <a:bodyPr anchor="b">
+            <a:noAutofit/>
+          </a:bodyPr>
           <a:lstStyle>
             <a:lvl1pPr marL="0" indent="0">
               <a:buNone/>
-              <a:defRPr sz="2400" b="1"/>
+              <a:defRPr sz="2400" b="0">
+                <a:solidFill>
+                  <a:schemeClr val="bg2">
+                    <a:lumMod val="40000"/>
+                    <a:lumOff val="60000"/>
+                  </a:schemeClr>
+                </a:solidFill>
+              </a:defRPr>
             </a:lvl1pPr>
             <a:lvl2pPr marL="457200" indent="0">
               <a:buNone/>
@@ -1727,13 +4265,7 @@
       </p:sp>
       <p:sp>
         <p:nvSpPr>
-          <p:cNvPr id="6" name="Espaço Reservado para Conteúdo 5">
-            <a:extLst>
-              <a:ext uri="{FF2B5EF4-FFF2-40B4-BE49-F238E27FC236}">
-                <a16:creationId xmlns:a16="http://schemas.microsoft.com/office/drawing/2014/main" id="{8B4475CD-97BB-045A-FDF3-999967C2A6B8}"/>
-              </a:ext>
-            </a:extLst>
-          </p:cNvPr>
+          <p:cNvPr id="6" name="Content Placeholder 5"/>
           <p:cNvSpPr>
             <a:spLocks noGrp="1"/>
           </p:cNvSpPr>
@@ -1743,13 +4275,43 @@
         </p:nvSpPr>
         <p:spPr>
           <a:xfrm>
-            <a:off x="6172200" y="2505075"/>
-            <a:ext cx="5183188" cy="3684588"/>
+            <a:off x="5654495" y="2514600"/>
+            <a:ext cx="4396339" cy="3741738"/>
           </a:xfrm>
         </p:spPr>
         <p:txBody>
-          <a:bodyPr/>
-          <a:lstStyle/>
+          <a:bodyPr>
+            <a:normAutofit/>
+          </a:bodyPr>
+          <a:lstStyle>
+            <a:lvl1pPr>
+              <a:defRPr sz="1800"/>
+            </a:lvl1pPr>
+            <a:lvl2pPr>
+              <a:defRPr sz="1600"/>
+            </a:lvl2pPr>
+            <a:lvl3pPr>
+              <a:defRPr sz="1400"/>
+            </a:lvl3pPr>
+            <a:lvl4pPr>
+              <a:defRPr sz="1200"/>
+            </a:lvl4pPr>
+            <a:lvl5pPr>
+              <a:defRPr sz="1200"/>
+            </a:lvl5pPr>
+            <a:lvl6pPr>
+              <a:defRPr sz="1200"/>
+            </a:lvl6pPr>
+            <a:lvl7pPr>
+              <a:defRPr sz="1200"/>
+            </a:lvl7pPr>
+            <a:lvl8pPr>
+              <a:defRPr sz="1200"/>
+            </a:lvl8pPr>
+            <a:lvl9pPr>
+              <a:defRPr sz="1200"/>
+            </a:lvl9pPr>
+          </a:lstStyle>
           <a:p>
             <a:pPr lvl="0"/>
             <a:r>
@@ -1784,18 +4346,13 @@
               <a:rPr lang="pt-BR"/>
               <a:t>Quinto nível</a:t>
             </a:r>
-          </a:p>
-        </p:txBody>
-      </p:sp>
-      <p:sp>
-        <p:nvSpPr>
-          <p:cNvPr id="7" name="Espaço Reservado para Data 6">
-            <a:extLst>
-              <a:ext uri="{FF2B5EF4-FFF2-40B4-BE49-F238E27FC236}">
-                <a16:creationId xmlns:a16="http://schemas.microsoft.com/office/drawing/2014/main" id="{B80CC56B-789C-3CCB-1913-2E86EEC6DFDB}"/>
-              </a:ext>
-            </a:extLst>
-          </p:cNvPr>
+            <a:endParaRPr lang="en-US" dirty="0"/>
+          </a:p>
+        </p:txBody>
+      </p:sp>
+      <p:sp>
+        <p:nvSpPr>
+          <p:cNvPr id="7" name="Date Placeholder 6"/>
           <p:cNvSpPr>
             <a:spLocks noGrp="1"/>
           </p:cNvSpPr>
@@ -1818,13 +4375,7 @@
       </p:sp>
       <p:sp>
         <p:nvSpPr>
-          <p:cNvPr id="8" name="Espaço Reservado para Rodapé 7">
-            <a:extLst>
-              <a:ext uri="{FF2B5EF4-FFF2-40B4-BE49-F238E27FC236}">
-                <a16:creationId xmlns:a16="http://schemas.microsoft.com/office/drawing/2014/main" id="{00E6EB6E-58D9-AEBD-2AD1-F5CF5F94457D}"/>
-              </a:ext>
-            </a:extLst>
-          </p:cNvPr>
+          <p:cNvPr id="8" name="Footer Placeholder 7"/>
           <p:cNvSpPr>
             <a:spLocks noGrp="1"/>
           </p:cNvSpPr>
@@ -1843,13 +4394,7 @@
       </p:sp>
       <p:sp>
         <p:nvSpPr>
-          <p:cNvPr id="9" name="Espaço Reservado para Número de Slide 8">
-            <a:extLst>
-              <a:ext uri="{FF2B5EF4-FFF2-40B4-BE49-F238E27FC236}">
-                <a16:creationId xmlns:a16="http://schemas.microsoft.com/office/drawing/2014/main" id="{A064A222-4BE8-6F72-AD30-A36377F4DF7B}"/>
-              </a:ext>
-            </a:extLst>
-          </p:cNvPr>
+          <p:cNvPr id="9" name="Slide Number Placeholder 8"/>
           <p:cNvSpPr>
             <a:spLocks noGrp="1"/>
           </p:cNvSpPr>
@@ -1873,7 +4418,7 @@
     </p:spTree>
     <p:extLst>
       <p:ext uri="{BB962C8B-B14F-4D97-AF65-F5344CB8AC3E}">
-        <p14:creationId xmlns:p14="http://schemas.microsoft.com/office/powerpoint/2010/main" val="1845712786"/>
+        <p14:creationId xmlns:p14="http://schemas.microsoft.com/office/powerpoint/2010/main" val="598617858"/>
       </p:ext>
     </p:extLst>
   </p:cSld>
@@ -1902,13 +4447,7 @@
       </p:grpSpPr>
       <p:sp>
         <p:nvSpPr>
-          <p:cNvPr id="2" name="Título 1">
-            <a:extLst>
-              <a:ext uri="{FF2B5EF4-FFF2-40B4-BE49-F238E27FC236}">
-                <a16:creationId xmlns:a16="http://schemas.microsoft.com/office/drawing/2014/main" id="{10FE9A54-D861-DBBD-074A-076702D2ADFB}"/>
-              </a:ext>
-            </a:extLst>
-          </p:cNvPr>
+          <p:cNvPr id="2" name="Title 1"/>
           <p:cNvSpPr>
             <a:spLocks noGrp="1"/>
           </p:cNvSpPr>
@@ -1925,18 +4464,13 @@
               <a:rPr lang="pt-BR"/>
               <a:t>Clique para editar o título Mestre</a:t>
             </a:r>
-          </a:p>
-        </p:txBody>
-      </p:sp>
-      <p:sp>
-        <p:nvSpPr>
-          <p:cNvPr id="3" name="Espaço Reservado para Data 2">
-            <a:extLst>
-              <a:ext uri="{FF2B5EF4-FFF2-40B4-BE49-F238E27FC236}">
-                <a16:creationId xmlns:a16="http://schemas.microsoft.com/office/drawing/2014/main" id="{32A628C4-B256-03DA-BFDB-0A5EBDD5C204}"/>
-              </a:ext>
-            </a:extLst>
-          </p:cNvPr>
+            <a:endParaRPr lang="en-US" dirty="0"/>
+          </a:p>
+        </p:txBody>
+      </p:sp>
+      <p:sp>
+        <p:nvSpPr>
+          <p:cNvPr id="7" name="Date Placeholder 2"/>
           <p:cNvSpPr>
             <a:spLocks noGrp="1"/>
           </p:cNvSpPr>
@@ -1959,13 +4493,7 @@
       </p:sp>
       <p:sp>
         <p:nvSpPr>
-          <p:cNvPr id="4" name="Espaço Reservado para Rodapé 3">
-            <a:extLst>
-              <a:ext uri="{FF2B5EF4-FFF2-40B4-BE49-F238E27FC236}">
-                <a16:creationId xmlns:a16="http://schemas.microsoft.com/office/drawing/2014/main" id="{68A5E9FF-C091-2311-425C-BDCB3FDD3F38}"/>
-              </a:ext>
-            </a:extLst>
-          </p:cNvPr>
+          <p:cNvPr id="5" name="Footer Placeholder 3"/>
           <p:cNvSpPr>
             <a:spLocks noGrp="1"/>
           </p:cNvSpPr>
@@ -1984,13 +4512,7 @@
       </p:sp>
       <p:sp>
         <p:nvSpPr>
-          <p:cNvPr id="5" name="Espaço Reservado para Número de Slide 4">
-            <a:extLst>
-              <a:ext uri="{FF2B5EF4-FFF2-40B4-BE49-F238E27FC236}">
-                <a16:creationId xmlns:a16="http://schemas.microsoft.com/office/drawing/2014/main" id="{99376FAD-B3F4-0503-2793-057DC282E531}"/>
-              </a:ext>
-            </a:extLst>
-          </p:cNvPr>
+          <p:cNvPr id="6" name="Slide Number Placeholder 4"/>
           <p:cNvSpPr>
             <a:spLocks noGrp="1"/>
           </p:cNvSpPr>
@@ -2014,7 +4536,7 @@
     </p:spTree>
     <p:extLst>
       <p:ext uri="{BB962C8B-B14F-4D97-AF65-F5344CB8AC3E}">
-        <p14:creationId xmlns:p14="http://schemas.microsoft.com/office/powerpoint/2010/main" val="577006300"/>
+        <p14:creationId xmlns:p14="http://schemas.microsoft.com/office/powerpoint/2010/main" val="3592145834"/>
       </p:ext>
     </p:extLst>
   </p:cSld>
@@ -2043,13 +4565,7 @@
       </p:grpSpPr>
       <p:sp>
         <p:nvSpPr>
-          <p:cNvPr id="2" name="Espaço Reservado para Data 1">
-            <a:extLst>
-              <a:ext uri="{FF2B5EF4-FFF2-40B4-BE49-F238E27FC236}">
-                <a16:creationId xmlns:a16="http://schemas.microsoft.com/office/drawing/2014/main" id="{C81F27C3-818B-F41D-B613-44A73681DD22}"/>
-              </a:ext>
-            </a:extLst>
-          </p:cNvPr>
+          <p:cNvPr id="7" name="Date Placeholder 1"/>
           <p:cNvSpPr>
             <a:spLocks noGrp="1"/>
           </p:cNvSpPr>
@@ -2072,13 +4588,7 @@
       </p:sp>
       <p:sp>
         <p:nvSpPr>
-          <p:cNvPr id="3" name="Espaço Reservado para Rodapé 2">
-            <a:extLst>
-              <a:ext uri="{FF2B5EF4-FFF2-40B4-BE49-F238E27FC236}">
-                <a16:creationId xmlns:a16="http://schemas.microsoft.com/office/drawing/2014/main" id="{13E291B2-963A-D333-A841-BD5F063E81AC}"/>
-              </a:ext>
-            </a:extLst>
-          </p:cNvPr>
+          <p:cNvPr id="5" name="Footer Placeholder 2"/>
           <p:cNvSpPr>
             <a:spLocks noGrp="1"/>
           </p:cNvSpPr>
@@ -2097,13 +4607,7 @@
       </p:sp>
       <p:sp>
         <p:nvSpPr>
-          <p:cNvPr id="4" name="Espaço Reservado para Número de Slide 3">
-            <a:extLst>
-              <a:ext uri="{FF2B5EF4-FFF2-40B4-BE49-F238E27FC236}">
-                <a16:creationId xmlns:a16="http://schemas.microsoft.com/office/drawing/2014/main" id="{806FC852-F26E-2D70-7B3A-42FE38E664EB}"/>
-              </a:ext>
-            </a:extLst>
-          </p:cNvPr>
+          <p:cNvPr id="6" name="Slide Number Placeholder 3"/>
           <p:cNvSpPr>
             <a:spLocks noGrp="1"/>
           </p:cNvSpPr>
@@ -2127,7 +4631,7 @@
     </p:spTree>
     <p:extLst>
       <p:ext uri="{BB962C8B-B14F-4D97-AF65-F5344CB8AC3E}">
-        <p14:creationId xmlns:p14="http://schemas.microsoft.com/office/powerpoint/2010/main" val="2356326911"/>
+        <p14:creationId xmlns:p14="http://schemas.microsoft.com/office/powerpoint/2010/main" val="4257248654"/>
       </p:ext>
     </p:extLst>
   </p:cSld>
@@ -2156,13 +4660,7 @@
       </p:grpSpPr>
       <p:sp>
         <p:nvSpPr>
-          <p:cNvPr id="2" name="Título 1">
-            <a:extLst>
-              <a:ext uri="{FF2B5EF4-FFF2-40B4-BE49-F238E27FC236}">
-                <a16:creationId xmlns:a16="http://schemas.microsoft.com/office/drawing/2014/main" id="{9E6B36FC-20E8-E9EC-26B9-E7169C19D3D5}"/>
-              </a:ext>
-            </a:extLst>
-          </p:cNvPr>
+          <p:cNvPr id="2" name="Title 1"/>
           <p:cNvSpPr>
             <a:spLocks noGrp="1"/>
           </p:cNvSpPr>
@@ -2172,15 +4670,15 @@
         </p:nvSpPr>
         <p:spPr>
           <a:xfrm>
-            <a:off x="839788" y="457200"/>
-            <a:ext cx="3932237" cy="1600200"/>
+            <a:off x="1154953" y="1447800"/>
+            <a:ext cx="3401064" cy="1447800"/>
           </a:xfrm>
         </p:spPr>
         <p:txBody>
           <a:bodyPr anchor="b"/>
           <a:lstStyle>
-            <a:lvl1pPr>
-              <a:defRPr sz="3200"/>
+            <a:lvl1pPr algn="l">
+              <a:defRPr sz="2400" b="0"/>
             </a:lvl1pPr>
           </a:lstStyle>
           <a:p>
@@ -2188,18 +4686,13 @@
               <a:rPr lang="pt-BR"/>
               <a:t>Clique para editar o título Mestre</a:t>
             </a:r>
-          </a:p>
-        </p:txBody>
-      </p:sp>
-      <p:sp>
-        <p:nvSpPr>
-          <p:cNvPr id="3" name="Espaço Reservado para Conteúdo 2">
-            <a:extLst>
-              <a:ext uri="{FF2B5EF4-FFF2-40B4-BE49-F238E27FC236}">
-                <a16:creationId xmlns:a16="http://schemas.microsoft.com/office/drawing/2014/main" id="{CEC2D169-B72A-BBA8-7E96-235A900B909C}"/>
-              </a:ext>
-            </a:extLst>
-          </p:cNvPr>
+            <a:endParaRPr lang="en-US" dirty="0"/>
+          </a:p>
+        </p:txBody>
+      </p:sp>
+      <p:sp>
+        <p:nvSpPr>
+          <p:cNvPr id="3" name="Content Placeholder 2"/>
           <p:cNvSpPr>
             <a:spLocks noGrp="1"/>
           </p:cNvSpPr>
@@ -2209,39 +4702,41 @@
         </p:nvSpPr>
         <p:spPr>
           <a:xfrm>
-            <a:off x="5183188" y="987425"/>
-            <a:ext cx="6172200" cy="4873625"/>
+            <a:off x="4784616" y="1447800"/>
+            <a:ext cx="5195997" cy="4572000"/>
           </a:xfrm>
         </p:spPr>
         <p:txBody>
-          <a:bodyPr/>
+          <a:bodyPr anchor="ctr">
+            <a:normAutofit/>
+          </a:bodyPr>
           <a:lstStyle>
             <a:lvl1pPr>
-              <a:defRPr sz="3200"/>
+              <a:defRPr sz="2000"/>
             </a:lvl1pPr>
             <a:lvl2pPr>
-              <a:defRPr sz="2800"/>
+              <a:defRPr sz="1800"/>
             </a:lvl2pPr>
             <a:lvl3pPr>
-              <a:defRPr sz="2400"/>
+              <a:defRPr sz="1600"/>
             </a:lvl3pPr>
             <a:lvl4pPr>
-              <a:defRPr sz="2000"/>
+              <a:defRPr sz="1400"/>
             </a:lvl4pPr>
             <a:lvl5pPr>
-              <a:defRPr sz="2000"/>
+              <a:defRPr sz="1400"/>
             </a:lvl5pPr>
             <a:lvl6pPr>
-              <a:defRPr sz="2000"/>
+              <a:defRPr sz="1400"/>
             </a:lvl6pPr>
             <a:lvl7pPr>
-              <a:defRPr sz="2000"/>
+              <a:defRPr sz="1400"/>
             </a:lvl7pPr>
             <a:lvl8pPr>
-              <a:defRPr sz="2000"/>
+              <a:defRPr sz="1400"/>
             </a:lvl8pPr>
             <a:lvl9pPr>
-              <a:defRPr sz="2000"/>
+              <a:defRPr sz="1400"/>
             </a:lvl9pPr>
           </a:lstStyle>
           <a:p>
@@ -2278,18 +4773,13 @@
               <a:rPr lang="pt-BR"/>
               <a:t>Quinto nível</a:t>
             </a:r>
-          </a:p>
-        </p:txBody>
-      </p:sp>
-      <p:sp>
-        <p:nvSpPr>
-          <p:cNvPr id="4" name="Espaço Reservado para Texto 3">
-            <a:extLst>
-              <a:ext uri="{FF2B5EF4-FFF2-40B4-BE49-F238E27FC236}">
-                <a16:creationId xmlns:a16="http://schemas.microsoft.com/office/drawing/2014/main" id="{252D52C4-EEC7-FD3C-C719-4A8AA25FA5D5}"/>
-              </a:ext>
-            </a:extLst>
-          </p:cNvPr>
+            <a:endParaRPr lang="en-US" dirty="0"/>
+          </a:p>
+        </p:txBody>
+      </p:sp>
+      <p:sp>
+        <p:nvSpPr>
+          <p:cNvPr id="4" name="Text Placeholder 3"/>
           <p:cNvSpPr>
             <a:spLocks noGrp="1"/>
           </p:cNvSpPr>
@@ -2299,8 +4789,8 @@
         </p:nvSpPr>
         <p:spPr>
           <a:xfrm>
-            <a:off x="839788" y="2057400"/>
-            <a:ext cx="3932237" cy="3811588"/>
+            <a:off x="1154953" y="3129280"/>
+            <a:ext cx="3401063" cy="2895599"/>
           </a:xfrm>
         </p:spPr>
         <p:txBody>
@@ -2308,39 +4798,39 @@
           <a:lstStyle>
             <a:lvl1pPr marL="0" indent="0">
               <a:buNone/>
-              <a:defRPr sz="1600"/>
+              <a:defRPr sz="1400"/>
             </a:lvl1pPr>
             <a:lvl2pPr marL="457200" indent="0">
               <a:buNone/>
-              <a:defRPr sz="1400"/>
+              <a:defRPr sz="1200"/>
             </a:lvl2pPr>
             <a:lvl3pPr marL="914400" indent="0">
               <a:buNone/>
-              <a:defRPr sz="1200"/>
+              <a:defRPr sz="1000"/>
             </a:lvl3pPr>
             <a:lvl4pPr marL="1371600" indent="0">
               <a:buNone/>
-              <a:defRPr sz="1000"/>
+              <a:defRPr sz="900"/>
             </a:lvl4pPr>
             <a:lvl5pPr marL="1828800" indent="0">
               <a:buNone/>
-              <a:defRPr sz="1000"/>
+              <a:defRPr sz="900"/>
             </a:lvl5pPr>
             <a:lvl6pPr marL="2286000" indent="0">
               <a:buNone/>
-              <a:defRPr sz="1000"/>
+              <a:defRPr sz="900"/>
             </a:lvl6pPr>
             <a:lvl7pPr marL="2743200" indent="0">
               <a:buNone/>
-              <a:defRPr sz="1000"/>
+              <a:defRPr sz="900"/>
             </a:lvl7pPr>
             <a:lvl8pPr marL="3200400" indent="0">
               <a:buNone/>
-              <a:defRPr sz="1000"/>
+              <a:defRPr sz="900"/>
             </a:lvl8pPr>
             <a:lvl9pPr marL="3657600" indent="0">
               <a:buNone/>
-              <a:defRPr sz="1000"/>
+              <a:defRPr sz="900"/>
             </a:lvl9pPr>
           </a:lstStyle>
           <a:p>
@@ -2354,13 +4844,7 @@
       </p:sp>
       <p:sp>
         <p:nvSpPr>
-          <p:cNvPr id="5" name="Espaço Reservado para Data 4">
-            <a:extLst>
-              <a:ext uri="{FF2B5EF4-FFF2-40B4-BE49-F238E27FC236}">
-                <a16:creationId xmlns:a16="http://schemas.microsoft.com/office/drawing/2014/main" id="{5A15C8AF-64E4-C96D-FF93-CC35E66E1317}"/>
-              </a:ext>
-            </a:extLst>
-          </p:cNvPr>
+          <p:cNvPr id="7" name="Date Placeholder 4"/>
           <p:cNvSpPr>
             <a:spLocks noGrp="1"/>
           </p:cNvSpPr>
@@ -2383,13 +4867,7 @@
       </p:sp>
       <p:sp>
         <p:nvSpPr>
-          <p:cNvPr id="6" name="Espaço Reservado para Rodapé 5">
-            <a:extLst>
-              <a:ext uri="{FF2B5EF4-FFF2-40B4-BE49-F238E27FC236}">
-                <a16:creationId xmlns:a16="http://schemas.microsoft.com/office/drawing/2014/main" id="{79E594B3-C9EF-68B3-9624-4DF81BE23D23}"/>
-              </a:ext>
-            </a:extLst>
-          </p:cNvPr>
+          <p:cNvPr id="5" name="Footer Placeholder 5"/>
           <p:cNvSpPr>
             <a:spLocks noGrp="1"/>
           </p:cNvSpPr>
@@ -2408,13 +4886,7 @@
       </p:sp>
       <p:sp>
         <p:nvSpPr>
-          <p:cNvPr id="7" name="Espaço Reservado para Número de Slide 6">
-            <a:extLst>
-              <a:ext uri="{FF2B5EF4-FFF2-40B4-BE49-F238E27FC236}">
-                <a16:creationId xmlns:a16="http://schemas.microsoft.com/office/drawing/2014/main" id="{9DC6A5C8-FD63-C835-F424-14B5AD6CA6B9}"/>
-              </a:ext>
-            </a:extLst>
-          </p:cNvPr>
+          <p:cNvPr id="6" name="Slide Number Placeholder 6"/>
           <p:cNvSpPr>
             <a:spLocks noGrp="1"/>
           </p:cNvSpPr>
@@ -2438,7 +4910,7 @@
     </p:spTree>
     <p:extLst>
       <p:ext uri="{BB962C8B-B14F-4D97-AF65-F5344CB8AC3E}">
-        <p14:creationId xmlns:p14="http://schemas.microsoft.com/office/powerpoint/2010/main" val="2797292168"/>
+        <p14:creationId xmlns:p14="http://schemas.microsoft.com/office/powerpoint/2010/main" val="3906807340"/>
       </p:ext>
     </p:extLst>
   </p:cSld>
@@ -2467,13 +4939,7 @@
       </p:grpSpPr>
       <p:sp>
         <p:nvSpPr>
-          <p:cNvPr id="2" name="Título 1">
-            <a:extLst>
-              <a:ext uri="{FF2B5EF4-FFF2-40B4-BE49-F238E27FC236}">
-                <a16:creationId xmlns:a16="http://schemas.microsoft.com/office/drawing/2014/main" id="{1D47460A-A390-E19F-D4CF-8FE78B0791EA}"/>
-              </a:ext>
-            </a:extLst>
-          </p:cNvPr>
+          <p:cNvPr id="2" name="Title 1"/>
           <p:cNvSpPr>
             <a:spLocks noGrp="1"/>
           </p:cNvSpPr>
@@ -2483,15 +4949,17 @@
         </p:nvSpPr>
         <p:spPr>
           <a:xfrm>
-            <a:off x="839788" y="457200"/>
-            <a:ext cx="3932237" cy="1600200"/>
+            <a:off x="1153907" y="1854192"/>
+            <a:ext cx="5092906" cy="1574808"/>
           </a:xfrm>
         </p:spPr>
         <p:txBody>
-          <a:bodyPr anchor="b"/>
+          <a:bodyPr anchor="b">
+            <a:normAutofit/>
+          </a:bodyPr>
           <a:lstStyle>
-            <a:lvl1pPr>
-              <a:defRPr sz="3200"/>
+            <a:lvl1pPr algn="l">
+              <a:defRPr sz="3600" b="0"/>
             </a:lvl1pPr>
           </a:lstStyle>
           <a:p>
@@ -2499,20 +4967,15 @@
               <a:rPr lang="pt-BR"/>
               <a:t>Clique para editar o título Mestre</a:t>
             </a:r>
-          </a:p>
-        </p:txBody>
-      </p:sp>
-      <p:sp>
-        <p:nvSpPr>
-          <p:cNvPr id="3" name="Espaço Reservado para Imagem 2">
-            <a:extLst>
-              <a:ext uri="{FF2B5EF4-FFF2-40B4-BE49-F238E27FC236}">
-                <a16:creationId xmlns:a16="http://schemas.microsoft.com/office/drawing/2014/main" id="{54C746C9-C8E5-7CCE-2662-0BD9BCDF9D39}"/>
-              </a:ext>
-            </a:extLst>
-          </p:cNvPr>
-          <p:cNvSpPr>
-            <a:spLocks noGrp="1"/>
+            <a:endParaRPr lang="en-US" dirty="0"/>
+          </a:p>
+        </p:txBody>
+      </p:sp>
+      <p:sp>
+        <p:nvSpPr>
+          <p:cNvPr id="3" name="Picture Placeholder 2"/>
+          <p:cNvSpPr>
+            <a:spLocks noGrp="1" noChangeAspect="1"/>
           </p:cNvSpPr>
           <p:nvPr>
             <p:ph type="pic" idx="1"/>
@@ -2520,118 +4983,132 @@
         </p:nvSpPr>
         <p:spPr>
           <a:xfrm>
-            <a:off x="5183188" y="987425"/>
-            <a:ext cx="6172200" cy="4873625"/>
+            <a:off x="6949546" y="1143000"/>
+            <a:ext cx="3200400" cy="4572000"/>
           </a:xfrm>
+          <a:prstGeom prst="roundRect">
+            <a:avLst>
+              <a:gd name="adj" fmla="val 1858"/>
+            </a:avLst>
+          </a:prstGeom>
+          <a:effectLst>
+            <a:outerShdw blurRad="50800" dist="50800" dir="5400000" algn="tl" rotWithShape="0">
+              <a:srgbClr val="000000">
+                <a:alpha val="43000"/>
+              </a:srgbClr>
+            </a:outerShdw>
+          </a:effectLst>
         </p:spPr>
         <p:txBody>
-          <a:bodyPr/>
+          <a:bodyPr anchor="t">
+            <a:normAutofit/>
+          </a:bodyPr>
           <a:lstStyle>
-            <a:lvl1pPr marL="0" indent="0">
-              <a:buNone/>
-              <a:defRPr sz="3200"/>
-            </a:lvl1pPr>
-            <a:lvl2pPr marL="457200" indent="0">
-              <a:buNone/>
-              <a:defRPr sz="2800"/>
-            </a:lvl2pPr>
-            <a:lvl3pPr marL="914400" indent="0">
-              <a:buNone/>
-              <a:defRPr sz="2400"/>
-            </a:lvl3pPr>
-            <a:lvl4pPr marL="1371600" indent="0">
-              <a:buNone/>
-              <a:defRPr sz="2000"/>
-            </a:lvl4pPr>
-            <a:lvl5pPr marL="1828800" indent="0">
-              <a:buNone/>
-              <a:defRPr sz="2000"/>
-            </a:lvl5pPr>
-            <a:lvl6pPr marL="2286000" indent="0">
-              <a:buNone/>
-              <a:defRPr sz="2000"/>
-            </a:lvl6pPr>
-            <a:lvl7pPr marL="2743200" indent="0">
-              <a:buNone/>
-              <a:defRPr sz="2000"/>
-            </a:lvl7pPr>
-            <a:lvl8pPr marL="3200400" indent="0">
-              <a:buNone/>
-              <a:defRPr sz="2000"/>
-            </a:lvl8pPr>
-            <a:lvl9pPr marL="3657600" indent="0">
-              <a:buNone/>
-              <a:defRPr sz="2000"/>
-            </a:lvl9pPr>
-          </a:lstStyle>
-          <a:p>
-            <a:endParaRPr lang="pt-BR"/>
-          </a:p>
-        </p:txBody>
-      </p:sp>
-      <p:sp>
-        <p:nvSpPr>
-          <p:cNvPr id="4" name="Espaço Reservado para Texto 3">
-            <a:extLst>
-              <a:ext uri="{FF2B5EF4-FFF2-40B4-BE49-F238E27FC236}">
-                <a16:creationId xmlns:a16="http://schemas.microsoft.com/office/drawing/2014/main" id="{FE611705-CF8D-2856-0FF2-E468CC89A196}"/>
-              </a:ext>
-            </a:extLst>
-          </p:cNvPr>
-          <p:cNvSpPr>
-            <a:spLocks noGrp="1"/>
-          </p:cNvSpPr>
-          <p:nvPr>
-            <p:ph type="body" sz="half" idx="2"/>
-          </p:nvPr>
-        </p:nvSpPr>
-        <p:spPr>
-          <a:xfrm>
-            <a:off x="839788" y="2057400"/>
-            <a:ext cx="3932237" cy="3811588"/>
-          </a:xfrm>
-        </p:spPr>
-        <p:txBody>
-          <a:bodyPr/>
-          <a:lstStyle>
-            <a:lvl1pPr marL="0" indent="0">
+            <a:lvl1pPr marL="0" indent="0" algn="ctr">
               <a:buNone/>
               <a:defRPr sz="1600"/>
             </a:lvl1pPr>
             <a:lvl2pPr marL="457200" indent="0">
               <a:buNone/>
-              <a:defRPr sz="1400"/>
+              <a:defRPr sz="1600"/>
             </a:lvl2pPr>
             <a:lvl3pPr marL="914400" indent="0">
               <a:buNone/>
-              <a:defRPr sz="1200"/>
+              <a:defRPr sz="1600"/>
             </a:lvl3pPr>
             <a:lvl4pPr marL="1371600" indent="0">
               <a:buNone/>
-              <a:defRPr sz="1000"/>
+              <a:defRPr sz="1600"/>
             </a:lvl4pPr>
             <a:lvl5pPr marL="1828800" indent="0">
               <a:buNone/>
-              <a:defRPr sz="1000"/>
+              <a:defRPr sz="1600"/>
             </a:lvl5pPr>
             <a:lvl6pPr marL="2286000" indent="0">
               <a:buNone/>
-              <a:defRPr sz="1000"/>
+              <a:defRPr sz="1600"/>
             </a:lvl6pPr>
             <a:lvl7pPr marL="2743200" indent="0">
               <a:buNone/>
-              <a:defRPr sz="1000"/>
+              <a:defRPr sz="1600"/>
             </a:lvl7pPr>
             <a:lvl8pPr marL="3200400" indent="0">
               <a:buNone/>
-              <a:defRPr sz="1000"/>
+              <a:defRPr sz="1600"/>
             </a:lvl8pPr>
             <a:lvl9pPr marL="3657600" indent="0">
               <a:buNone/>
-              <a:defRPr sz="1000"/>
+              <a:defRPr sz="1600"/>
             </a:lvl9pPr>
           </a:lstStyle>
           <a:p>
+            <a:r>
+              <a:rPr lang="pt-BR"/>
+              <a:t>Clique no ícone para adicionar uma imagem</a:t>
+            </a:r>
+            <a:endParaRPr lang="en-US" dirty="0"/>
+          </a:p>
+        </p:txBody>
+      </p:sp>
+      <p:sp>
+        <p:nvSpPr>
+          <p:cNvPr id="4" name="Text Placeholder 3"/>
+          <p:cNvSpPr>
+            <a:spLocks noGrp="1"/>
+          </p:cNvSpPr>
+          <p:nvPr>
+            <p:ph type="body" sz="half" idx="2"/>
+          </p:nvPr>
+        </p:nvSpPr>
+        <p:spPr>
+          <a:xfrm>
+            <a:off x="1154954" y="3657600"/>
+            <a:ext cx="5084979" cy="1371600"/>
+          </a:xfrm>
+        </p:spPr>
+        <p:txBody>
+          <a:bodyPr>
+            <a:normAutofit/>
+          </a:bodyPr>
+          <a:lstStyle>
+            <a:lvl1pPr marL="0" indent="0">
+              <a:buNone/>
+              <a:defRPr sz="1400"/>
+            </a:lvl1pPr>
+            <a:lvl2pPr marL="457200" indent="0">
+              <a:buNone/>
+              <a:defRPr sz="1200"/>
+            </a:lvl2pPr>
+            <a:lvl3pPr marL="914400" indent="0">
+              <a:buNone/>
+              <a:defRPr sz="1000"/>
+            </a:lvl3pPr>
+            <a:lvl4pPr marL="1371600" indent="0">
+              <a:buNone/>
+              <a:defRPr sz="900"/>
+            </a:lvl4pPr>
+            <a:lvl5pPr marL="1828800" indent="0">
+              <a:buNone/>
+              <a:defRPr sz="900"/>
+            </a:lvl5pPr>
+            <a:lvl6pPr marL="2286000" indent="0">
+              <a:buNone/>
+              <a:defRPr sz="900"/>
+            </a:lvl6pPr>
+            <a:lvl7pPr marL="2743200" indent="0">
+              <a:buNone/>
+              <a:defRPr sz="900"/>
+            </a:lvl7pPr>
+            <a:lvl8pPr marL="3200400" indent="0">
+              <a:buNone/>
+              <a:defRPr sz="900"/>
+            </a:lvl8pPr>
+            <a:lvl9pPr marL="3657600" indent="0">
+              <a:buNone/>
+              <a:defRPr sz="900"/>
+            </a:lvl9pPr>
+          </a:lstStyle>
+          <a:p>
             <a:pPr lvl="0"/>
             <a:r>
               <a:rPr lang="pt-BR"/>
@@ -2642,13 +5119,7 @@
       </p:sp>
       <p:sp>
         <p:nvSpPr>
-          <p:cNvPr id="5" name="Espaço Reservado para Data 4">
-            <a:extLst>
-              <a:ext uri="{FF2B5EF4-FFF2-40B4-BE49-F238E27FC236}">
-                <a16:creationId xmlns:a16="http://schemas.microsoft.com/office/drawing/2014/main" id="{017BFC8F-7A36-DAAA-EB44-FA945F4F7690}"/>
-              </a:ext>
-            </a:extLst>
-          </p:cNvPr>
+          <p:cNvPr id="5" name="Date Placeholder 4"/>
           <p:cNvSpPr>
             <a:spLocks noGrp="1"/>
           </p:cNvSpPr>
@@ -2671,13 +5142,7 @@
       </p:sp>
       <p:sp>
         <p:nvSpPr>
-          <p:cNvPr id="6" name="Espaço Reservado para Rodapé 5">
-            <a:extLst>
-              <a:ext uri="{FF2B5EF4-FFF2-40B4-BE49-F238E27FC236}">
-                <a16:creationId xmlns:a16="http://schemas.microsoft.com/office/drawing/2014/main" id="{F4BF287B-6572-A3A2-CC94-1B05DA32F7BF}"/>
-              </a:ext>
-            </a:extLst>
-          </p:cNvPr>
+          <p:cNvPr id="6" name="Footer Placeholder 5"/>
           <p:cNvSpPr>
             <a:spLocks noGrp="1"/>
           </p:cNvSpPr>
@@ -2696,13 +5161,7 @@
       </p:sp>
       <p:sp>
         <p:nvSpPr>
-          <p:cNvPr id="7" name="Espaço Reservado para Número de Slide 6">
-            <a:extLst>
-              <a:ext uri="{FF2B5EF4-FFF2-40B4-BE49-F238E27FC236}">
-                <a16:creationId xmlns:a16="http://schemas.microsoft.com/office/drawing/2014/main" id="{BF42D3D0-3A12-36F2-1172-DA9583C5180A}"/>
-              </a:ext>
-            </a:extLst>
-          </p:cNvPr>
+          <p:cNvPr id="7" name="Slide Number Placeholder 6"/>
           <p:cNvSpPr>
             <a:spLocks noGrp="1"/>
           </p:cNvSpPr>
@@ -2726,7 +5185,7 @@
     </p:spTree>
     <p:extLst>
       <p:ext uri="{BB962C8B-B14F-4D97-AF65-F5344CB8AC3E}">
-        <p14:creationId xmlns:p14="http://schemas.microsoft.com/office/powerpoint/2010/main" val="4163068375"/>
+        <p14:creationId xmlns:p14="http://schemas.microsoft.com/office/powerpoint/2010/main" val="157730418"/>
       </p:ext>
     </p:extLst>
   </p:cSld>
@@ -2740,8 +5199,8 @@
 <p:sldMaster xmlns:a="http://schemas.openxmlformats.org/drawingml/2006/main" xmlns:r="http://schemas.openxmlformats.org/officeDocument/2006/relationships" xmlns:p="http://schemas.openxmlformats.org/presentationml/2006/main">
   <p:cSld>
     <p:bg>
-      <p:bgRef idx="1001">
-        <a:schemeClr val="bg1"/>
+      <p:bgRef idx="1003">
+        <a:schemeClr val="bg2"/>
       </p:bgRef>
     </p:bg>
     <p:spTree>
@@ -2758,144 +5217,344 @@
           <a:chExt cx="0" cy="0"/>
         </a:xfrm>
       </p:grpSpPr>
-      <p:sp>
-        <p:nvSpPr>
-          <p:cNvPr id="2" name="Espaço Reservado para Título 1">
+      <p:pic>
+        <p:nvPicPr>
+          <p:cNvPr id="8" name="Picture 7"/>
+          <p:cNvPicPr>
+            <a:picLocks noChangeAspect="1"/>
+          </p:cNvPicPr>
+          <p:nvPr/>
+        </p:nvPicPr>
+        <p:blipFill rotWithShape="1">
+          <a:blip r:embed="rId19">
             <a:extLst>
-              <a:ext uri="{FF2B5EF4-FFF2-40B4-BE49-F238E27FC236}">
-                <a16:creationId xmlns:a16="http://schemas.microsoft.com/office/drawing/2014/main" id="{4A9A9AD8-CDA2-C03B-00FA-9618BB5FB8D6}"/>
+              <a:ext uri="{28A0092B-C50C-407E-A947-70E740481C1C}">
+                <a14:useLocalDpi xmlns:a14="http://schemas.microsoft.com/office/drawing/2010/main" val="0"/>
               </a:ext>
             </a:extLst>
-          </p:cNvPr>
-          <p:cNvSpPr>
-            <a:spLocks noGrp="1"/>
-          </p:cNvSpPr>
-          <p:nvPr>
-            <p:ph type="title"/>
-          </p:nvPr>
-        </p:nvSpPr>
+          </a:blip>
+          <a:srcRect l="3613"/>
+          <a:stretch/>
+        </p:blipFill>
         <p:spPr>
           <a:xfrm>
-            <a:off x="838200" y="365125"/>
-            <a:ext cx="10515600" cy="1325563"/>
+            <a:off x="0" y="2669685"/>
+            <a:ext cx="4037012" cy="4188315"/>
           </a:xfrm>
           <a:prstGeom prst="rect">
             <a:avLst/>
           </a:prstGeom>
         </p:spPr>
-        <p:txBody>
-          <a:bodyPr vert="horz" lIns="91440" tIns="45720" rIns="91440" bIns="45720" rtlCol="0" anchor="ctr">
-            <a:normAutofit/>
-          </a:bodyPr>
-          <a:lstStyle/>
-          <a:p>
-            <a:r>
-              <a:rPr lang="pt-BR"/>
-              <a:t>Clique para editar o título Mestre</a:t>
-            </a:r>
-          </a:p>
-        </p:txBody>
-      </p:sp>
-      <p:sp>
-        <p:nvSpPr>
-          <p:cNvPr id="3" name="Espaço Reservado para Texto 2">
+      </p:pic>
+      <p:pic>
+        <p:nvPicPr>
+          <p:cNvPr id="7" name="Picture 6"/>
+          <p:cNvPicPr>
+            <a:picLocks noChangeAspect="1"/>
+          </p:cNvPicPr>
+          <p:nvPr/>
+        </p:nvPicPr>
+        <p:blipFill rotWithShape="1">
+          <a:blip r:embed="rId20">
             <a:extLst>
-              <a:ext uri="{FF2B5EF4-FFF2-40B4-BE49-F238E27FC236}">
-                <a16:creationId xmlns:a16="http://schemas.microsoft.com/office/drawing/2014/main" id="{9468365D-441D-C034-C2D4-F2C8647728CC}"/>
+              <a:ext uri="{28A0092B-C50C-407E-A947-70E740481C1C}">
+                <a14:useLocalDpi xmlns:a14="http://schemas.microsoft.com/office/drawing/2010/main" val="0"/>
               </a:ext>
             </a:extLst>
-          </p:cNvPr>
-          <p:cNvSpPr>
-            <a:spLocks noGrp="1"/>
-          </p:cNvSpPr>
-          <p:nvPr>
-            <p:ph type="body" idx="1"/>
-          </p:nvPr>
-        </p:nvSpPr>
+          </a:blip>
+          <a:srcRect l="35640"/>
+          <a:stretch/>
+        </p:blipFill>
         <p:spPr>
           <a:xfrm>
-            <a:off x="838200" y="1825625"/>
-            <a:ext cx="10515600" cy="4351338"/>
+            <a:off x="0" y="2892347"/>
+            <a:ext cx="1522412" cy="2365453"/>
           </a:xfrm>
           <a:prstGeom prst="rect">
             <a:avLst/>
           </a:prstGeom>
         </p:spPr>
-        <p:txBody>
-          <a:bodyPr vert="horz" lIns="91440" tIns="45720" rIns="91440" bIns="45720" rtlCol="0">
-            <a:normAutofit/>
-          </a:bodyPr>
-          <a:lstStyle/>
-          <a:p>
-            <a:pPr lvl="0"/>
-            <a:r>
-              <a:rPr lang="pt-BR"/>
-              <a:t>Clique para editar os estilos de texto Mestres</a:t>
-            </a:r>
-          </a:p>
-          <a:p>
-            <a:pPr lvl="1"/>
-            <a:r>
-              <a:rPr lang="pt-BR"/>
-              <a:t>Segundo nível</a:t>
-            </a:r>
-          </a:p>
-          <a:p>
-            <a:pPr lvl="2"/>
-            <a:r>
-              <a:rPr lang="pt-BR"/>
-              <a:t>Terceiro nível</a:t>
-            </a:r>
-          </a:p>
-          <a:p>
-            <a:pPr lvl="3"/>
-            <a:r>
-              <a:rPr lang="pt-BR"/>
-              <a:t>Quarto nível</a:t>
-            </a:r>
-          </a:p>
-          <a:p>
-            <a:pPr lvl="4"/>
-            <a:r>
-              <a:rPr lang="pt-BR"/>
-              <a:t>Quinto nível</a:t>
-            </a:r>
-          </a:p>
-        </p:txBody>
-      </p:sp>
-      <p:sp>
-        <p:nvSpPr>
-          <p:cNvPr id="4" name="Espaço Reservado para Data 3">
+      </p:pic>
+      <p:sp>
+        <p:nvSpPr>
+          <p:cNvPr id="16" name="Oval 15"/>
+          <p:cNvSpPr/>
+          <p:nvPr/>
+        </p:nvSpPr>
+        <p:spPr>
+          <a:xfrm>
+            <a:off x="8609012" y="1676400"/>
+            <a:ext cx="2819400" cy="2819400"/>
+          </a:xfrm>
+          <a:prstGeom prst="ellipse">
+            <a:avLst/>
+          </a:prstGeom>
+          <a:gradFill flip="none" rotWithShape="1">
+            <a:gsLst>
+              <a:gs pos="0">
+                <a:schemeClr val="bg2">
+                  <a:lumMod val="60000"/>
+                  <a:lumOff val="40000"/>
+                  <a:alpha val="7000"/>
+                </a:schemeClr>
+              </a:gs>
+              <a:gs pos="69000">
+                <a:schemeClr val="bg2">
+                  <a:lumMod val="60000"/>
+                  <a:lumOff val="40000"/>
+                  <a:alpha val="0"/>
+                </a:schemeClr>
+              </a:gs>
+              <a:gs pos="36000">
+                <a:schemeClr val="bg2">
+                  <a:lumMod val="60000"/>
+                  <a:lumOff val="40000"/>
+                  <a:alpha val="6000"/>
+                </a:schemeClr>
+              </a:gs>
+            </a:gsLst>
+            <a:path path="circle">
+              <a:fillToRect l="50000" t="50000" r="50000" b="50000"/>
+            </a:path>
+            <a:tileRect/>
+          </a:gradFill>
+          <a:ln>
+            <a:noFill/>
+          </a:ln>
+          <a:effectLst/>
+        </p:spPr>
+        <p:style>
+          <a:lnRef idx="1">
+            <a:schemeClr val="accent1"/>
+          </a:lnRef>
+          <a:fillRef idx="3">
+            <a:schemeClr val="accent1"/>
+          </a:fillRef>
+          <a:effectRef idx="2">
+            <a:schemeClr val="accent1"/>
+          </a:effectRef>
+          <a:fontRef idx="minor">
+            <a:schemeClr val="lt1"/>
+          </a:fontRef>
+        </p:style>
+      </p:sp>
+      <p:pic>
+        <p:nvPicPr>
+          <p:cNvPr id="9" name="Picture 8"/>
+          <p:cNvPicPr>
+            <a:picLocks noChangeAspect="1"/>
+          </p:cNvPicPr>
+          <p:nvPr/>
+        </p:nvPicPr>
+        <p:blipFill rotWithShape="1">
+          <a:blip r:embed="rId21">
             <a:extLst>
-              <a:ext uri="{FF2B5EF4-FFF2-40B4-BE49-F238E27FC236}">
-                <a16:creationId xmlns:a16="http://schemas.microsoft.com/office/drawing/2014/main" id="{03E203BB-0BB6-5DCA-D894-37F2E9A3E9A0}"/>
+              <a:ext uri="{28A0092B-C50C-407E-A947-70E740481C1C}">
+                <a14:useLocalDpi xmlns:a14="http://schemas.microsoft.com/office/drawing/2010/main" val="0"/>
               </a:ext>
             </a:extLst>
-          </p:cNvPr>
-          <p:cNvSpPr>
-            <a:spLocks noGrp="1"/>
-          </p:cNvSpPr>
-          <p:nvPr>
-            <p:ph type="dt" sz="half" idx="2"/>
-          </p:nvPr>
-        </p:nvSpPr>
+          </a:blip>
+          <a:srcRect t="28813"/>
+          <a:stretch/>
+        </p:blipFill>
         <p:spPr>
           <a:xfrm>
-            <a:off x="838200" y="6356350"/>
-            <a:ext cx="2743200" cy="365125"/>
+            <a:off x="7999412" y="0"/>
+            <a:ext cx="1603387" cy="1141407"/>
           </a:xfrm>
           <a:prstGeom prst="rect">
             <a:avLst/>
           </a:prstGeom>
         </p:spPr>
-        <p:txBody>
-          <a:bodyPr vert="horz" lIns="91440" tIns="45720" rIns="91440" bIns="45720" rtlCol="0" anchor="ctr"/>
+      </p:pic>
+      <p:pic>
+        <p:nvPicPr>
+          <p:cNvPr id="10" name="Picture 9"/>
+          <p:cNvPicPr>
+            <a:picLocks noChangeAspect="1"/>
+          </p:cNvPicPr>
+          <p:nvPr/>
+        </p:nvPicPr>
+        <p:blipFill rotWithShape="1">
+          <a:blip r:embed="rId22">
+            <a:extLst>
+              <a:ext uri="{28A0092B-C50C-407E-A947-70E740481C1C}">
+                <a14:useLocalDpi xmlns:a14="http://schemas.microsoft.com/office/drawing/2010/main" val="0"/>
+              </a:ext>
+            </a:extLst>
+          </a:blip>
+          <a:srcRect b="23320"/>
+          <a:stretch/>
+        </p:blipFill>
+        <p:spPr>
+          <a:xfrm>
+            <a:off x="8605878" y="6096000"/>
+            <a:ext cx="993734" cy="762000"/>
+          </a:xfrm>
+          <a:prstGeom prst="rect">
+            <a:avLst/>
+          </a:prstGeom>
+        </p:spPr>
+      </p:pic>
+      <p:sp>
+        <p:nvSpPr>
+          <p:cNvPr id="14" name="Rectangle 13"/>
+          <p:cNvSpPr/>
+          <p:nvPr/>
+        </p:nvSpPr>
+        <p:spPr>
+          <a:xfrm>
+            <a:off x="10437812" y="0"/>
+            <a:ext cx="685800" cy="1143000"/>
+          </a:xfrm>
+          <a:prstGeom prst="rect">
+            <a:avLst/>
+          </a:prstGeom>
+          <a:solidFill>
+            <a:schemeClr val="accent1"/>
+          </a:solidFill>
+          <a:ln>
+            <a:noFill/>
+          </a:ln>
+        </p:spPr>
+        <p:style>
+          <a:lnRef idx="1">
+            <a:schemeClr val="accent1"/>
+          </a:lnRef>
+          <a:fillRef idx="3">
+            <a:schemeClr val="accent1"/>
+          </a:fillRef>
+          <a:effectRef idx="2">
+            <a:schemeClr val="accent1"/>
+          </a:effectRef>
+          <a:fontRef idx="minor">
+            <a:schemeClr val="lt1"/>
+          </a:fontRef>
+        </p:style>
+      </p:sp>
+      <p:sp>
+        <p:nvSpPr>
+          <p:cNvPr id="2" name="Title Placeholder 1"/>
+          <p:cNvSpPr>
+            <a:spLocks noGrp="1"/>
+          </p:cNvSpPr>
+          <p:nvPr>
+            <p:ph type="title"/>
+          </p:nvPr>
+        </p:nvSpPr>
+        <p:spPr>
+          <a:xfrm>
+            <a:off x="646111" y="452718"/>
+            <a:ext cx="9404723" cy="1400530"/>
+          </a:xfrm>
+          <a:prstGeom prst="rect">
+            <a:avLst/>
+          </a:prstGeom>
+        </p:spPr>
+        <p:txBody>
+          <a:bodyPr vert="horz" lIns="91440" tIns="45720" rIns="91440" bIns="45720" rtlCol="0" anchor="t">
+            <a:noAutofit/>
+          </a:bodyPr>
+          <a:lstStyle/>
+          <a:p>
+            <a:r>
+              <a:rPr lang="pt-BR"/>
+              <a:t>Clique para editar o título Mestre</a:t>
+            </a:r>
+            <a:endParaRPr lang="en-US" dirty="0"/>
+          </a:p>
+        </p:txBody>
+      </p:sp>
+      <p:sp>
+        <p:nvSpPr>
+          <p:cNvPr id="3" name="Text Placeholder 2"/>
+          <p:cNvSpPr>
+            <a:spLocks noGrp="1"/>
+          </p:cNvSpPr>
+          <p:nvPr>
+            <p:ph type="body" idx="1"/>
+          </p:nvPr>
+        </p:nvSpPr>
+        <p:spPr>
+          <a:xfrm>
+            <a:off x="1103312" y="2052918"/>
+            <a:ext cx="8946541" cy="4195481"/>
+          </a:xfrm>
+          <a:prstGeom prst="rect">
+            <a:avLst/>
+          </a:prstGeom>
+        </p:spPr>
+        <p:txBody>
+          <a:bodyPr vert="horz" lIns="91440" tIns="45720" rIns="91440" bIns="45720" rtlCol="0">
+            <a:normAutofit/>
+          </a:bodyPr>
+          <a:lstStyle/>
+          <a:p>
+            <a:pPr lvl="0"/>
+            <a:r>
+              <a:rPr lang="pt-BR"/>
+              <a:t>Clique para editar os estilos de texto Mestres</a:t>
+            </a:r>
+          </a:p>
+          <a:p>
+            <a:pPr lvl="1"/>
+            <a:r>
+              <a:rPr lang="pt-BR"/>
+              <a:t>Segundo nível</a:t>
+            </a:r>
+          </a:p>
+          <a:p>
+            <a:pPr lvl="2"/>
+            <a:r>
+              <a:rPr lang="pt-BR"/>
+              <a:t>Terceiro nível</a:t>
+            </a:r>
+          </a:p>
+          <a:p>
+            <a:pPr lvl="3"/>
+            <a:r>
+              <a:rPr lang="pt-BR"/>
+              <a:t>Quarto nível</a:t>
+            </a:r>
+          </a:p>
+          <a:p>
+            <a:pPr lvl="4"/>
+            <a:r>
+              <a:rPr lang="pt-BR"/>
+              <a:t>Quinto nível</a:t>
+            </a:r>
+            <a:endParaRPr lang="en-US" dirty="0"/>
+          </a:p>
+        </p:txBody>
+      </p:sp>
+      <p:sp>
+        <p:nvSpPr>
+          <p:cNvPr id="4" name="Date Placeholder 3"/>
+          <p:cNvSpPr>
+            <a:spLocks noGrp="1"/>
+          </p:cNvSpPr>
+          <p:nvPr>
+            <p:ph type="dt" sz="half" idx="2"/>
+          </p:nvPr>
+        </p:nvSpPr>
+        <p:spPr>
+          <a:xfrm rot="5400000">
+            <a:off x="10155639" y="1790701"/>
+            <a:ext cx="990599" cy="304799"/>
+          </a:xfrm>
+          <a:prstGeom prst="rect">
+            <a:avLst/>
+          </a:prstGeom>
+        </p:spPr>
+        <p:txBody>
+          <a:bodyPr vert="horz" lIns="91440" tIns="45720" rIns="91440" bIns="45720" rtlCol="0" anchor="t"/>
           <a:lstStyle>
             <a:lvl1pPr algn="l">
-              <a:defRPr sz="1200">
+              <a:defRPr sz="1100" b="0" i="0">
                 <a:solidFill>
                   <a:schemeClr val="tx1">
-                    <a:tint val="82000"/>
+                    <a:tint val="75000"/>
+                    <a:alpha val="60000"/>
                   </a:schemeClr>
                 </a:solidFill>
               </a:defRPr>
@@ -2912,13 +5571,7 @@
       </p:sp>
       <p:sp>
         <p:nvSpPr>
-          <p:cNvPr id="5" name="Espaço Reservado para Rodapé 4">
-            <a:extLst>
-              <a:ext uri="{FF2B5EF4-FFF2-40B4-BE49-F238E27FC236}">
-                <a16:creationId xmlns:a16="http://schemas.microsoft.com/office/drawing/2014/main" id="{1675DE8C-46D6-2F48-7EBB-C6B3BCCAA652}"/>
-              </a:ext>
-            </a:extLst>
-          </p:cNvPr>
+          <p:cNvPr id="5" name="Footer Placeholder 4"/>
           <p:cNvSpPr>
             <a:spLocks noGrp="1"/>
           </p:cNvSpPr>
@@ -2927,22 +5580,23 @@
           </p:nvPr>
         </p:nvSpPr>
         <p:spPr>
-          <a:xfrm>
-            <a:off x="4038600" y="6356350"/>
-            <a:ext cx="4114800" cy="365125"/>
+          <a:xfrm rot="5400000">
+            <a:off x="8951573" y="3225297"/>
+            <a:ext cx="3859795" cy="304801"/>
           </a:xfrm>
           <a:prstGeom prst="rect">
             <a:avLst/>
           </a:prstGeom>
         </p:spPr>
         <p:txBody>
-          <a:bodyPr vert="horz" lIns="91440" tIns="45720" rIns="91440" bIns="45720" rtlCol="0" anchor="ctr"/>
+          <a:bodyPr vert="horz" lIns="91440" tIns="45720" rIns="91440" bIns="45720" rtlCol="0" anchor="b"/>
           <a:lstStyle>
-            <a:lvl1pPr algn="ctr">
-              <a:defRPr sz="1200">
+            <a:lvl1pPr algn="l">
+              <a:defRPr sz="1100" b="0" i="0">
                 <a:solidFill>
                   <a:schemeClr val="tx1">
-                    <a:tint val="82000"/>
+                    <a:tint val="75000"/>
+                    <a:alpha val="60000"/>
                   </a:schemeClr>
                 </a:solidFill>
               </a:defRPr>
@@ -2955,13 +5609,7 @@
       </p:sp>
       <p:sp>
         <p:nvSpPr>
-          <p:cNvPr id="6" name="Espaço Reservado para Número de Slide 5">
-            <a:extLst>
-              <a:ext uri="{FF2B5EF4-FFF2-40B4-BE49-F238E27FC236}">
-                <a16:creationId xmlns:a16="http://schemas.microsoft.com/office/drawing/2014/main" id="{334B580B-17C2-24FD-2E2F-4A1AD98A7E6B}"/>
-              </a:ext>
-            </a:extLst>
-          </p:cNvPr>
+          <p:cNvPr id="6" name="Slide Number Placeholder 5"/>
           <p:cNvSpPr>
             <a:spLocks noGrp="1"/>
           </p:cNvSpPr>
@@ -2969,23 +5617,23 @@
             <p:ph type="sldNum" sz="quarter" idx="4"/>
           </p:nvPr>
         </p:nvSpPr>
-        <p:spPr>
+        <p:spPr bwMode="gray">
           <a:xfrm>
-            <a:off x="8610600" y="6356350"/>
-            <a:ext cx="2743200" cy="365125"/>
+            <a:off x="10352540" y="295729"/>
+            <a:ext cx="838199" cy="767687"/>
           </a:xfrm>
           <a:prstGeom prst="rect">
             <a:avLst/>
           </a:prstGeom>
         </p:spPr>
         <p:txBody>
-          <a:bodyPr vert="horz" lIns="91440" tIns="45720" rIns="91440" bIns="45720" rtlCol="0" anchor="ctr"/>
+          <a:bodyPr vert="horz" lIns="91440" tIns="45720" rIns="91440" bIns="45720" rtlCol="0" anchor="b"/>
           <a:lstStyle>
-            <a:lvl1pPr algn="r">
-              <a:defRPr sz="1200">
+            <a:lvl1pPr algn="ctr">
+              <a:defRPr sz="2800" b="0" i="0">
                 <a:solidFill>
                   <a:schemeClr val="tx1">
-                    <a:tint val="82000"/>
+                    <a:tint val="75000"/>
                   </a:schemeClr>
                 </a:solidFill>
               </a:defRPr>
@@ -3003,35 +5651,121 @@
     </p:spTree>
     <p:extLst>
       <p:ext uri="{BB962C8B-B14F-4D97-AF65-F5344CB8AC3E}">
-        <p14:creationId xmlns:p14="http://schemas.microsoft.com/office/powerpoint/2010/main" val="1956205340"/>
+        <p14:creationId xmlns:p14="http://schemas.microsoft.com/office/powerpoint/2010/main" val="1198807100"/>
       </p:ext>
     </p:extLst>
   </p:cSld>
-  <p:clrMap bg1="lt1" tx1="dk1" bg2="lt2" tx2="dk2" accent1="accent1" accent2="accent2" accent3="accent3" accent4="accent4" accent5="accent5" accent6="accent6" hlink="hlink" folHlink="folHlink"/>
+  <p:clrMap bg1="dk1" tx1="lt1" bg2="dk2" tx2="lt2" accent1="accent1" accent2="accent2" accent3="accent3" accent4="accent4" accent5="accent5" accent6="accent6" hlink="hlink" folHlink="folHlink"/>
   <p:sldLayoutIdLst>
-    <p:sldLayoutId id="2147483649" r:id="rId1"/>
-    <p:sldLayoutId id="2147483650" r:id="rId2"/>
-    <p:sldLayoutId id="2147483651" r:id="rId3"/>
-    <p:sldLayoutId id="2147483652" r:id="rId4"/>
-    <p:sldLayoutId id="2147483653" r:id="rId5"/>
-    <p:sldLayoutId id="2147483654" r:id="rId6"/>
-    <p:sldLayoutId id="2147483655" r:id="rId7"/>
-    <p:sldLayoutId id="2147483656" r:id="rId8"/>
-    <p:sldLayoutId id="2147483657" r:id="rId9"/>
-    <p:sldLayoutId id="2147483658" r:id="rId10"/>
-    <p:sldLayoutId id="2147483659" r:id="rId11"/>
+    <p:sldLayoutId id="2147483678" r:id="rId1"/>
+    <p:sldLayoutId id="2147483679" r:id="rId2"/>
+    <p:sldLayoutId id="2147483680" r:id="rId3"/>
+    <p:sldLayoutId id="2147483681" r:id="rId4"/>
+    <p:sldLayoutId id="2147483682" r:id="rId5"/>
+    <p:sldLayoutId id="2147483683" r:id="rId6"/>
+    <p:sldLayoutId id="2147483684" r:id="rId7"/>
+    <p:sldLayoutId id="2147483685" r:id="rId8"/>
+    <p:sldLayoutId id="2147483686" r:id="rId9"/>
+    <p:sldLayoutId id="2147483687" r:id="rId10"/>
+    <p:sldLayoutId id="2147483688" r:id="rId11"/>
+    <p:sldLayoutId id="2147483689" r:id="rId12"/>
+    <p:sldLayoutId id="2147483690" r:id="rId13"/>
+    <p:sldLayoutId id="2147483691" r:id="rId14"/>
+    <p:sldLayoutId id="2147483692" r:id="rId15"/>
+    <p:sldLayoutId id="2147483693" r:id="rId16"/>
+    <p:sldLayoutId id="2147483694" r:id="rId17"/>
   </p:sldLayoutIdLst>
   <p:txStyles>
     <p:titleStyle>
-      <a:lvl1pPr algn="l" defTabSz="914400" rtl="0" eaLnBrk="1" latinLnBrk="0" hangingPunct="1">
-        <a:lnSpc>
-          <a:spcPct val="90000"/>
-        </a:lnSpc>
+      <a:lvl1pPr algn="l" defTabSz="457200" rtl="0" eaLnBrk="1" latinLnBrk="0" hangingPunct="1">
         <a:spcBef>
           <a:spcPct val="0"/>
         </a:spcBef>
         <a:buNone/>
-        <a:defRPr sz="4400" kern="1200">
+        <a:defRPr sz="4200" b="0" i="0" kern="1200">
+          <a:solidFill>
+            <a:schemeClr val="tx2"/>
+          </a:solidFill>
+          <a:latin typeface="+mj-lt"/>
+          <a:ea typeface="+mj-ea"/>
+          <a:cs typeface="+mj-cs"/>
+        </a:defRPr>
+      </a:lvl1pPr>
+      <a:lvl2pPr eaLnBrk="1" hangingPunct="1">
+        <a:defRPr>
+          <a:solidFill>
+            <a:schemeClr val="tx2"/>
+          </a:solidFill>
+        </a:defRPr>
+      </a:lvl2pPr>
+      <a:lvl3pPr eaLnBrk="1" hangingPunct="1">
+        <a:defRPr>
+          <a:solidFill>
+            <a:schemeClr val="tx2"/>
+          </a:solidFill>
+        </a:defRPr>
+      </a:lvl3pPr>
+      <a:lvl4pPr eaLnBrk="1" hangingPunct="1">
+        <a:defRPr>
+          <a:solidFill>
+            <a:schemeClr val="tx2"/>
+          </a:solidFill>
+        </a:defRPr>
+      </a:lvl4pPr>
+      <a:lvl5pPr eaLnBrk="1" hangingPunct="1">
+        <a:defRPr>
+          <a:solidFill>
+            <a:schemeClr val="tx2"/>
+          </a:solidFill>
+        </a:defRPr>
+      </a:lvl5pPr>
+      <a:lvl6pPr eaLnBrk="1" hangingPunct="1">
+        <a:defRPr>
+          <a:solidFill>
+            <a:schemeClr val="tx2"/>
+          </a:solidFill>
+        </a:defRPr>
+      </a:lvl6pPr>
+      <a:lvl7pPr eaLnBrk="1" hangingPunct="1">
+        <a:defRPr>
+          <a:solidFill>
+            <a:schemeClr val="tx2"/>
+          </a:solidFill>
+        </a:defRPr>
+      </a:lvl7pPr>
+      <a:lvl8pPr eaLnBrk="1" hangingPunct="1">
+        <a:defRPr>
+          <a:solidFill>
+            <a:schemeClr val="tx2"/>
+          </a:solidFill>
+        </a:defRPr>
+      </a:lvl8pPr>
+      <a:lvl9pPr eaLnBrk="1" hangingPunct="1">
+        <a:defRPr>
+          <a:solidFill>
+            <a:schemeClr val="tx2"/>
+          </a:solidFill>
+        </a:defRPr>
+      </a:lvl9pPr>
+    </p:titleStyle>
+    <p:bodyStyle>
+      <a:lvl1pPr marL="342900" indent="-342900" algn="l" defTabSz="457200" rtl="0" eaLnBrk="1" latinLnBrk="0" hangingPunct="1">
+        <a:spcBef>
+          <a:spcPts val="1000"/>
+        </a:spcBef>
+        <a:spcAft>
+          <a:spcPts val="0"/>
+        </a:spcAft>
+        <a:buClr>
+          <a:schemeClr val="bg2">
+            <a:lumMod val="40000"/>
+            <a:lumOff val="60000"/>
+          </a:schemeClr>
+        </a:buClr>
+        <a:buSzPct val="80000"/>
+        <a:buFont typeface="Wingdings 3" charset="2"/>
+        <a:buChar char=""/>
+        <a:defRPr sz="2000" b="0" i="0" kern="1200">
           <a:solidFill>
             <a:schemeClr val="tx1"/>
           </a:solidFill>
@@ -3040,18 +5774,213 @@
           <a:cs typeface="+mj-cs"/>
         </a:defRPr>
       </a:lvl1pPr>
-    </p:titleStyle>
-    <p:bodyStyle>
-      <a:lvl1pPr marL="228600" indent="-228600" algn="l" defTabSz="914400" rtl="0" eaLnBrk="1" latinLnBrk="0" hangingPunct="1">
-        <a:lnSpc>
-          <a:spcPct val="90000"/>
-        </a:lnSpc>
+      <a:lvl2pPr marL="742950" indent="-285750" algn="l" defTabSz="457200" rtl="0" eaLnBrk="1" latinLnBrk="0" hangingPunct="1">
         <a:spcBef>
           <a:spcPts val="1000"/>
         </a:spcBef>
-        <a:buFont typeface="Arial" panose="020B0604020202020204" pitchFamily="34" charset="0"/>
-        <a:buChar char="•"/>
-        <a:defRPr sz="2800" kern="1200">
+        <a:spcAft>
+          <a:spcPts val="0"/>
+        </a:spcAft>
+        <a:buClr>
+          <a:schemeClr val="bg2">
+            <a:lumMod val="40000"/>
+            <a:lumOff val="60000"/>
+          </a:schemeClr>
+        </a:buClr>
+        <a:buSzPct val="80000"/>
+        <a:buFont typeface="Wingdings 3" charset="2"/>
+        <a:buChar char=""/>
+        <a:defRPr sz="1800" b="0" i="0" kern="1200">
+          <a:solidFill>
+            <a:schemeClr val="tx1"/>
+          </a:solidFill>
+          <a:latin typeface="+mj-lt"/>
+          <a:ea typeface="+mj-ea"/>
+          <a:cs typeface="+mj-cs"/>
+        </a:defRPr>
+      </a:lvl2pPr>
+      <a:lvl3pPr marL="1143000" indent="-228600" algn="l" defTabSz="457200" rtl="0" eaLnBrk="1" latinLnBrk="0" hangingPunct="1">
+        <a:spcBef>
+          <a:spcPts val="1000"/>
+        </a:spcBef>
+        <a:spcAft>
+          <a:spcPts val="0"/>
+        </a:spcAft>
+        <a:buClr>
+          <a:schemeClr val="bg2">
+            <a:lumMod val="40000"/>
+            <a:lumOff val="60000"/>
+          </a:schemeClr>
+        </a:buClr>
+        <a:buSzPct val="80000"/>
+        <a:buFont typeface="Wingdings 3" charset="2"/>
+        <a:buChar char=""/>
+        <a:defRPr sz="1600" b="0" i="0" kern="1200">
+          <a:solidFill>
+            <a:schemeClr val="tx1"/>
+          </a:solidFill>
+          <a:latin typeface="+mj-lt"/>
+          <a:ea typeface="+mj-ea"/>
+          <a:cs typeface="+mj-cs"/>
+        </a:defRPr>
+      </a:lvl3pPr>
+      <a:lvl4pPr marL="1600200" indent="-228600" algn="l" defTabSz="457200" rtl="0" eaLnBrk="1" latinLnBrk="0" hangingPunct="1">
+        <a:spcBef>
+          <a:spcPts val="1000"/>
+        </a:spcBef>
+        <a:spcAft>
+          <a:spcPts val="0"/>
+        </a:spcAft>
+        <a:buClr>
+          <a:schemeClr val="bg2">
+            <a:lumMod val="40000"/>
+            <a:lumOff val="60000"/>
+          </a:schemeClr>
+        </a:buClr>
+        <a:buSzPct val="80000"/>
+        <a:buFont typeface="Wingdings 3" charset="2"/>
+        <a:buChar char=""/>
+        <a:defRPr sz="1400" b="0" i="0" kern="1200">
+          <a:solidFill>
+            <a:schemeClr val="tx1"/>
+          </a:solidFill>
+          <a:latin typeface="+mj-lt"/>
+          <a:ea typeface="+mj-ea"/>
+          <a:cs typeface="+mj-cs"/>
+        </a:defRPr>
+      </a:lvl4pPr>
+      <a:lvl5pPr marL="2057400" indent="-228600" algn="l" defTabSz="457200" rtl="0" eaLnBrk="1" latinLnBrk="0" hangingPunct="1">
+        <a:spcBef>
+          <a:spcPts val="1000"/>
+        </a:spcBef>
+        <a:spcAft>
+          <a:spcPts val="0"/>
+        </a:spcAft>
+        <a:buClr>
+          <a:schemeClr val="bg2">
+            <a:lumMod val="40000"/>
+            <a:lumOff val="60000"/>
+          </a:schemeClr>
+        </a:buClr>
+        <a:buSzPct val="80000"/>
+        <a:buFont typeface="Wingdings 3" charset="2"/>
+        <a:buChar char=""/>
+        <a:defRPr sz="1400" b="0" i="0" kern="1200">
+          <a:solidFill>
+            <a:schemeClr val="tx1"/>
+          </a:solidFill>
+          <a:latin typeface="+mj-lt"/>
+          <a:ea typeface="+mj-ea"/>
+          <a:cs typeface="+mj-cs"/>
+        </a:defRPr>
+      </a:lvl5pPr>
+      <a:lvl6pPr marL="2506000" indent="-228600" algn="l" defTabSz="457200" rtl="0" eaLnBrk="1" latinLnBrk="0" hangingPunct="1">
+        <a:spcBef>
+          <a:spcPts val="1000"/>
+        </a:spcBef>
+        <a:spcAft>
+          <a:spcPts val="0"/>
+        </a:spcAft>
+        <a:buClr>
+          <a:schemeClr val="bg2">
+            <a:lumMod val="40000"/>
+            <a:lumOff val="60000"/>
+          </a:schemeClr>
+        </a:buClr>
+        <a:buSzPct val="80000"/>
+        <a:buFont typeface="Wingdings 3" charset="2"/>
+        <a:buChar char=""/>
+        <a:defRPr sz="1400" b="0" i="0" kern="1200">
+          <a:solidFill>
+            <a:schemeClr val="tx1"/>
+          </a:solidFill>
+          <a:latin typeface="+mj-lt"/>
+          <a:ea typeface="+mj-ea"/>
+          <a:cs typeface="+mj-cs"/>
+        </a:defRPr>
+      </a:lvl6pPr>
+      <a:lvl7pPr marL="2971800" indent="-228600" algn="l" defTabSz="457200" rtl="0" eaLnBrk="1" latinLnBrk="0" hangingPunct="1">
+        <a:spcBef>
+          <a:spcPts val="1000"/>
+        </a:spcBef>
+        <a:spcAft>
+          <a:spcPts val="0"/>
+        </a:spcAft>
+        <a:buClr>
+          <a:schemeClr val="bg2">
+            <a:lumMod val="40000"/>
+            <a:lumOff val="60000"/>
+          </a:schemeClr>
+        </a:buClr>
+        <a:buSzPct val="80000"/>
+        <a:buFont typeface="Wingdings 3" charset="2"/>
+        <a:buChar char=""/>
+        <a:defRPr sz="1400" b="0" i="0" kern="1200">
+          <a:solidFill>
+            <a:schemeClr val="tx1"/>
+          </a:solidFill>
+          <a:latin typeface="+mj-lt"/>
+          <a:ea typeface="+mj-ea"/>
+          <a:cs typeface="+mj-cs"/>
+        </a:defRPr>
+      </a:lvl7pPr>
+      <a:lvl8pPr marL="3429000" indent="-228600" algn="l" defTabSz="457200" rtl="0" eaLnBrk="1" latinLnBrk="0" hangingPunct="1">
+        <a:spcBef>
+          <a:spcPts val="1000"/>
+        </a:spcBef>
+        <a:spcAft>
+          <a:spcPts val="0"/>
+        </a:spcAft>
+        <a:buClr>
+          <a:schemeClr val="bg2">
+            <a:lumMod val="40000"/>
+            <a:lumOff val="60000"/>
+          </a:schemeClr>
+        </a:buClr>
+        <a:buSzPct val="80000"/>
+        <a:buFont typeface="Wingdings 3" charset="2"/>
+        <a:buChar char=""/>
+        <a:defRPr sz="1400" b="0" i="0" kern="1200">
+          <a:solidFill>
+            <a:schemeClr val="tx1"/>
+          </a:solidFill>
+          <a:latin typeface="+mj-lt"/>
+          <a:ea typeface="+mj-ea"/>
+          <a:cs typeface="+mj-cs"/>
+        </a:defRPr>
+      </a:lvl8pPr>
+      <a:lvl9pPr marL="3886200" indent="-228600" algn="l" defTabSz="457200" rtl="0" eaLnBrk="1" latinLnBrk="0" hangingPunct="1">
+        <a:spcBef>
+          <a:spcPts val="1000"/>
+        </a:spcBef>
+        <a:spcAft>
+          <a:spcPts val="0"/>
+        </a:spcAft>
+        <a:buClr>
+          <a:schemeClr val="bg2">
+            <a:lumMod val="40000"/>
+            <a:lumOff val="60000"/>
+          </a:schemeClr>
+        </a:buClr>
+        <a:buSzPct val="80000"/>
+        <a:buFont typeface="Wingdings 3" charset="2"/>
+        <a:buChar char=""/>
+        <a:defRPr sz="1400" b="0" i="0" kern="1200">
+          <a:solidFill>
+            <a:schemeClr val="tx1"/>
+          </a:solidFill>
+          <a:latin typeface="+mj-lt"/>
+          <a:ea typeface="+mj-ea"/>
+          <a:cs typeface="+mj-cs"/>
+        </a:defRPr>
+      </a:lvl9pPr>
+    </p:bodyStyle>
+    <p:otherStyle>
+      <a:defPPr>
+        <a:defRPr lang="en-US"/>
+      </a:defPPr>
+      <a:lvl1pPr marL="0" algn="l" defTabSz="457200" rtl="0" eaLnBrk="1" latinLnBrk="0" hangingPunct="1">
+        <a:defRPr sz="1800" kern="1200">
           <a:solidFill>
             <a:schemeClr val="tx1"/>
           </a:solidFill>
@@ -3060,16 +5989,8 @@
           <a:cs typeface="+mn-cs"/>
         </a:defRPr>
       </a:lvl1pPr>
-      <a:lvl2pPr marL="685800" indent="-228600" algn="l" defTabSz="914400" rtl="0" eaLnBrk="1" latinLnBrk="0" hangingPunct="1">
-        <a:lnSpc>
-          <a:spcPct val="90000"/>
-        </a:lnSpc>
-        <a:spcBef>
-          <a:spcPts val="500"/>
-        </a:spcBef>
-        <a:buFont typeface="Arial" panose="020B0604020202020204" pitchFamily="34" charset="0"/>
-        <a:buChar char="•"/>
-        <a:defRPr sz="2400" kern="1200">
+      <a:lvl2pPr marL="457200" algn="l" defTabSz="457200" rtl="0" eaLnBrk="1" latinLnBrk="0" hangingPunct="1">
+        <a:defRPr sz="1800" kern="1200">
           <a:solidFill>
             <a:schemeClr val="tx1"/>
           </a:solidFill>
@@ -3078,16 +5999,8 @@
           <a:cs typeface="+mn-cs"/>
         </a:defRPr>
       </a:lvl2pPr>
-      <a:lvl3pPr marL="1143000" indent="-228600" algn="l" defTabSz="914400" rtl="0" eaLnBrk="1" latinLnBrk="0" hangingPunct="1">
-        <a:lnSpc>
-          <a:spcPct val="90000"/>
-        </a:lnSpc>
-        <a:spcBef>
-          <a:spcPts val="500"/>
-        </a:spcBef>
-        <a:buFont typeface="Arial" panose="020B0604020202020204" pitchFamily="34" charset="0"/>
-        <a:buChar char="•"/>
-        <a:defRPr sz="2000" kern="1200">
+      <a:lvl3pPr marL="914400" algn="l" defTabSz="457200" rtl="0" eaLnBrk="1" latinLnBrk="0" hangingPunct="1">
+        <a:defRPr sz="1800" kern="1200">
           <a:solidFill>
             <a:schemeClr val="tx1"/>
           </a:solidFill>
@@ -3096,15 +6009,7 @@
           <a:cs typeface="+mn-cs"/>
         </a:defRPr>
       </a:lvl3pPr>
-      <a:lvl4pPr marL="1600200" indent="-228600" algn="l" defTabSz="914400" rtl="0" eaLnBrk="1" latinLnBrk="0" hangingPunct="1">
-        <a:lnSpc>
-          <a:spcPct val="90000"/>
-        </a:lnSpc>
-        <a:spcBef>
-          <a:spcPts val="500"/>
-        </a:spcBef>
-        <a:buFont typeface="Arial" panose="020B0604020202020204" pitchFamily="34" charset="0"/>
-        <a:buChar char="•"/>
+      <a:lvl4pPr marL="1371600" algn="l" defTabSz="457200" rtl="0" eaLnBrk="1" latinLnBrk="0" hangingPunct="1">
         <a:defRPr sz="1800" kern="1200">
           <a:solidFill>
             <a:schemeClr val="tx1"/>
@@ -3114,15 +6019,7 @@
           <a:cs typeface="+mn-cs"/>
         </a:defRPr>
       </a:lvl4pPr>
-      <a:lvl5pPr marL="2057400" indent="-228600" algn="l" defTabSz="914400" rtl="0" eaLnBrk="1" latinLnBrk="0" hangingPunct="1">
-        <a:lnSpc>
-          <a:spcPct val="90000"/>
-        </a:lnSpc>
-        <a:spcBef>
-          <a:spcPts val="500"/>
-        </a:spcBef>
-        <a:buFont typeface="Arial" panose="020B0604020202020204" pitchFamily="34" charset="0"/>
-        <a:buChar char="•"/>
+      <a:lvl5pPr marL="1828800" algn="l" defTabSz="457200" rtl="0" eaLnBrk="1" latinLnBrk="0" hangingPunct="1">
         <a:defRPr sz="1800" kern="1200">
           <a:solidFill>
             <a:schemeClr val="tx1"/>
@@ -3132,15 +6029,7 @@
           <a:cs typeface="+mn-cs"/>
         </a:defRPr>
       </a:lvl5pPr>
-      <a:lvl6pPr marL="2514600" indent="-228600" algn="l" defTabSz="914400" rtl="0" eaLnBrk="1" latinLnBrk="0" hangingPunct="1">
-        <a:lnSpc>
-          <a:spcPct val="90000"/>
-        </a:lnSpc>
-        <a:spcBef>
-          <a:spcPts val="500"/>
-        </a:spcBef>
-        <a:buFont typeface="Arial" panose="020B0604020202020204" pitchFamily="34" charset="0"/>
-        <a:buChar char="•"/>
+      <a:lvl6pPr marL="2286000" algn="l" defTabSz="457200" rtl="0" eaLnBrk="1" latinLnBrk="0" hangingPunct="1">
         <a:defRPr sz="1800" kern="1200">
           <a:solidFill>
             <a:schemeClr val="tx1"/>
@@ -3150,15 +6039,7 @@
           <a:cs typeface="+mn-cs"/>
         </a:defRPr>
       </a:lvl6pPr>
-      <a:lvl7pPr marL="2971800" indent="-228600" algn="l" defTabSz="914400" rtl="0" eaLnBrk="1" latinLnBrk="0" hangingPunct="1">
-        <a:lnSpc>
-          <a:spcPct val="90000"/>
-        </a:lnSpc>
-        <a:spcBef>
-          <a:spcPts val="500"/>
-        </a:spcBef>
-        <a:buFont typeface="Arial" panose="020B0604020202020204" pitchFamily="34" charset="0"/>
-        <a:buChar char="•"/>
+      <a:lvl7pPr marL="2743200" algn="l" defTabSz="457200" rtl="0" eaLnBrk="1" latinLnBrk="0" hangingPunct="1">
         <a:defRPr sz="1800" kern="1200">
           <a:solidFill>
             <a:schemeClr val="tx1"/>
@@ -3168,15 +6049,7 @@
           <a:cs typeface="+mn-cs"/>
         </a:defRPr>
       </a:lvl7pPr>
-      <a:lvl8pPr marL="3429000" indent="-228600" algn="l" defTabSz="914400" rtl="0" eaLnBrk="1" latinLnBrk="0" hangingPunct="1">
-        <a:lnSpc>
-          <a:spcPct val="90000"/>
-        </a:lnSpc>
-        <a:spcBef>
-          <a:spcPts val="500"/>
-        </a:spcBef>
-        <a:buFont typeface="Arial" panose="020B0604020202020204" pitchFamily="34" charset="0"/>
-        <a:buChar char="•"/>
+      <a:lvl8pPr marL="3200400" algn="l" defTabSz="457200" rtl="0" eaLnBrk="1" latinLnBrk="0" hangingPunct="1">
         <a:defRPr sz="1800" kern="1200">
           <a:solidFill>
             <a:schemeClr val="tx1"/>
@@ -3186,110 +6059,7 @@
           <a:cs typeface="+mn-cs"/>
         </a:defRPr>
       </a:lvl8pPr>
-      <a:lvl9pPr marL="3886200" indent="-228600" algn="l" defTabSz="914400" rtl="0" eaLnBrk="1" latinLnBrk="0" hangingPunct="1">
-        <a:lnSpc>
-          <a:spcPct val="90000"/>
-        </a:lnSpc>
-        <a:spcBef>
-          <a:spcPts val="500"/>
-        </a:spcBef>
-        <a:buFont typeface="Arial" panose="020B0604020202020204" pitchFamily="34" charset="0"/>
-        <a:buChar char="•"/>
-        <a:defRPr sz="1800" kern="1200">
-          <a:solidFill>
-            <a:schemeClr val="tx1"/>
-          </a:solidFill>
-          <a:latin typeface="+mn-lt"/>
-          <a:ea typeface="+mn-ea"/>
-          <a:cs typeface="+mn-cs"/>
-        </a:defRPr>
-      </a:lvl9pPr>
-    </p:bodyStyle>
-    <p:otherStyle>
-      <a:defPPr>
-        <a:defRPr lang="pt-BR"/>
-      </a:defPPr>
-      <a:lvl1pPr marL="0" algn="l" defTabSz="914400" rtl="0" eaLnBrk="1" latinLnBrk="0" hangingPunct="1">
-        <a:defRPr sz="1800" kern="1200">
-          <a:solidFill>
-            <a:schemeClr val="tx1"/>
-          </a:solidFill>
-          <a:latin typeface="+mn-lt"/>
-          <a:ea typeface="+mn-ea"/>
-          <a:cs typeface="+mn-cs"/>
-        </a:defRPr>
-      </a:lvl1pPr>
-      <a:lvl2pPr marL="457200" algn="l" defTabSz="914400" rtl="0" eaLnBrk="1" latinLnBrk="0" hangingPunct="1">
-        <a:defRPr sz="1800" kern="1200">
-          <a:solidFill>
-            <a:schemeClr val="tx1"/>
-          </a:solidFill>
-          <a:latin typeface="+mn-lt"/>
-          <a:ea typeface="+mn-ea"/>
-          <a:cs typeface="+mn-cs"/>
-        </a:defRPr>
-      </a:lvl2pPr>
-      <a:lvl3pPr marL="914400" algn="l" defTabSz="914400" rtl="0" eaLnBrk="1" latinLnBrk="0" hangingPunct="1">
-        <a:defRPr sz="1800" kern="1200">
-          <a:solidFill>
-            <a:schemeClr val="tx1"/>
-          </a:solidFill>
-          <a:latin typeface="+mn-lt"/>
-          <a:ea typeface="+mn-ea"/>
-          <a:cs typeface="+mn-cs"/>
-        </a:defRPr>
-      </a:lvl3pPr>
-      <a:lvl4pPr marL="1371600" algn="l" defTabSz="914400" rtl="0" eaLnBrk="1" latinLnBrk="0" hangingPunct="1">
-        <a:defRPr sz="1800" kern="1200">
-          <a:solidFill>
-            <a:schemeClr val="tx1"/>
-          </a:solidFill>
-          <a:latin typeface="+mn-lt"/>
-          <a:ea typeface="+mn-ea"/>
-          <a:cs typeface="+mn-cs"/>
-        </a:defRPr>
-      </a:lvl4pPr>
-      <a:lvl5pPr marL="1828800" algn="l" defTabSz="914400" rtl="0" eaLnBrk="1" latinLnBrk="0" hangingPunct="1">
-        <a:defRPr sz="1800" kern="1200">
-          <a:solidFill>
-            <a:schemeClr val="tx1"/>
-          </a:solidFill>
-          <a:latin typeface="+mn-lt"/>
-          <a:ea typeface="+mn-ea"/>
-          <a:cs typeface="+mn-cs"/>
-        </a:defRPr>
-      </a:lvl5pPr>
-      <a:lvl6pPr marL="2286000" algn="l" defTabSz="914400" rtl="0" eaLnBrk="1" latinLnBrk="0" hangingPunct="1">
-        <a:defRPr sz="1800" kern="1200">
-          <a:solidFill>
-            <a:schemeClr val="tx1"/>
-          </a:solidFill>
-          <a:latin typeface="+mn-lt"/>
-          <a:ea typeface="+mn-ea"/>
-          <a:cs typeface="+mn-cs"/>
-        </a:defRPr>
-      </a:lvl6pPr>
-      <a:lvl7pPr marL="2743200" algn="l" defTabSz="914400" rtl="0" eaLnBrk="1" latinLnBrk="0" hangingPunct="1">
-        <a:defRPr sz="1800" kern="1200">
-          <a:solidFill>
-            <a:schemeClr val="tx1"/>
-          </a:solidFill>
-          <a:latin typeface="+mn-lt"/>
-          <a:ea typeface="+mn-ea"/>
-          <a:cs typeface="+mn-cs"/>
-        </a:defRPr>
-      </a:lvl7pPr>
-      <a:lvl8pPr marL="3200400" algn="l" defTabSz="914400" rtl="0" eaLnBrk="1" latinLnBrk="0" hangingPunct="1">
-        <a:defRPr sz="1800" kern="1200">
-          <a:solidFill>
-            <a:schemeClr val="tx1"/>
-          </a:solidFill>
-          <a:latin typeface="+mn-lt"/>
-          <a:ea typeface="+mn-ea"/>
-          <a:cs typeface="+mn-cs"/>
-        </a:defRPr>
-      </a:lvl8pPr>
-      <a:lvl9pPr marL="3657600" algn="l" defTabSz="914400" rtl="0" eaLnBrk="1" latinLnBrk="0" hangingPunct="1">
+      <a:lvl9pPr marL="3657600" algn="l" defTabSz="457200" rtl="0" eaLnBrk="1" latinLnBrk="0" hangingPunct="1">
         <a:defRPr sz="1800" kern="1200">
           <a:solidFill>
             <a:schemeClr val="tx1"/>
@@ -3396,9 +6166,9 @@
 </file>
 
 <file path=ppt/theme/theme1.xml><?xml version="1.0" encoding="utf-8"?>
-<a:theme xmlns:a="http://schemas.openxmlformats.org/drawingml/2006/main" name="Tema do Office">
+<a:theme xmlns:a="http://schemas.openxmlformats.org/drawingml/2006/main" name="Íon">
   <a:themeElements>
-    <a:clrScheme name="Office">
+    <a:clrScheme name="Íon">
       <a:dk1>
         <a:sysClr val="windowText" lastClr="000000"/>
       </a:dk1>
@@ -3406,44 +6176,44 @@
         <a:sysClr val="window" lastClr="FFFFFF"/>
       </a:lt1>
       <a:dk2>
-        <a:srgbClr val="0E2841"/>
+        <a:srgbClr val="1E5155"/>
       </a:dk2>
       <a:lt2>
-        <a:srgbClr val="E8E8E8"/>
+        <a:srgbClr val="EBEBEB"/>
       </a:lt2>
       <a:accent1>
-        <a:srgbClr val="156082"/>
+        <a:srgbClr val="B01513"/>
       </a:accent1>
       <a:accent2>
-        <a:srgbClr val="E97132"/>
+        <a:srgbClr val="EA6312"/>
       </a:accent2>
       <a:accent3>
-        <a:srgbClr val="196B24"/>
+        <a:srgbClr val="E6B729"/>
       </a:accent3>
       <a:accent4>
-        <a:srgbClr val="0F9ED5"/>
+        <a:srgbClr val="6AAC90"/>
       </a:accent4>
       <a:accent5>
-        <a:srgbClr val="A02B93"/>
+        <a:srgbClr val="54849A"/>
       </a:accent5>
       <a:accent6>
-        <a:srgbClr val="4EA72E"/>
+        <a:srgbClr val="9E5E9B"/>
       </a:accent6>
       <a:hlink>
-        <a:srgbClr val="467886"/>
+        <a:srgbClr val="58C1BA"/>
       </a:hlink>
       <a:folHlink>
-        <a:srgbClr val="96607D"/>
+        <a:srgbClr val="9DFFCB"/>
       </a:folHlink>
     </a:clrScheme>
-    <a:fontScheme name="Office">
+    <a:fontScheme name="Íon">
       <a:majorFont>
-        <a:latin typeface="Aptos Display" panose="02110004020202020204"/>
+        <a:latin typeface="Century Gothic" panose="020B0502020202020204"/>
         <a:ea typeface=""/>
         <a:cs typeface=""/>
-        <a:font script="Jpan" typeface="游ゴシック Light"/>
+        <a:font script="Jpan" typeface="メイリオ"/>
         <a:font script="Hang" typeface="맑은 고딕"/>
-        <a:font script="Hans" typeface="等线 Light"/>
+        <a:font script="Hans" typeface="宋体"/>
         <a:font script="Hant" typeface="新細明體"/>
         <a:font script="Arab" typeface="Times New Roman"/>
         <a:font script="Hebr" typeface="Times New Roman"/>
@@ -3471,31 +6241,14 @@
         <a:font script="Viet" typeface="Times New Roman"/>
         <a:font script="Uigh" typeface="Microsoft Uighur"/>
         <a:font script="Geor" typeface="Sylfaen"/>
-        <a:font script="Armn" typeface="Arial"/>
-        <a:font script="Bugi" typeface="Leelawadee UI"/>
-        <a:font script="Bopo" typeface="Microsoft JhengHei"/>
-        <a:font script="Java" typeface="Javanese Text"/>
-        <a:font script="Lisu" typeface="Segoe UI"/>
-        <a:font script="Mymr" typeface="Myanmar Text"/>
-        <a:font script="Nkoo" typeface="Ebrima"/>
-        <a:font script="Olck" typeface="Nirmala UI"/>
-        <a:font script="Osma" typeface="Ebrima"/>
-        <a:font script="Phag" typeface="Phagspa"/>
-        <a:font script="Syrn" typeface="Estrangelo Edessa"/>
-        <a:font script="Syrj" typeface="Estrangelo Edessa"/>
-        <a:font script="Syre" typeface="Estrangelo Edessa"/>
-        <a:font script="Sora" typeface="Nirmala UI"/>
-        <a:font script="Tale" typeface="Microsoft Tai Le"/>
-        <a:font script="Talu" typeface="Microsoft New Tai Lue"/>
-        <a:font script="Tfng" typeface="Ebrima"/>
       </a:majorFont>
       <a:minorFont>
-        <a:latin typeface="Aptos" panose="02110004020202020204"/>
+        <a:latin typeface="Century Gothic" panose="020B0502020202020204"/>
         <a:ea typeface=""/>
         <a:cs typeface=""/>
-        <a:font script="Jpan" typeface="游ゴシック"/>
+        <a:font script="Jpan" typeface="メイリオ"/>
         <a:font script="Hang" typeface="맑은 고딕"/>
-        <a:font script="Hans" typeface="等线"/>
+        <a:font script="Hans" typeface="宋体"/>
         <a:font script="Hant" typeface="新細明體"/>
         <a:font script="Arab" typeface="Arial"/>
         <a:font script="Hebr" typeface="Arial"/>
@@ -3523,26 +6276,9 @@
         <a:font script="Viet" typeface="Arial"/>
         <a:font script="Uigh" typeface="Microsoft Uighur"/>
         <a:font script="Geor" typeface="Sylfaen"/>
-        <a:font script="Armn" typeface="Arial"/>
-        <a:font script="Bugi" typeface="Leelawadee UI"/>
-        <a:font script="Bopo" typeface="Microsoft JhengHei"/>
-        <a:font script="Java" typeface="Javanese Text"/>
-        <a:font script="Lisu" typeface="Segoe UI"/>
-        <a:font script="Mymr" typeface="Myanmar Text"/>
-        <a:font script="Nkoo" typeface="Ebrima"/>
-        <a:font script="Olck" typeface="Nirmala UI"/>
-        <a:font script="Osma" typeface="Ebrima"/>
-        <a:font script="Phag" typeface="Phagspa"/>
-        <a:font script="Syrn" typeface="Estrangelo Edessa"/>
-        <a:font script="Syrj" typeface="Estrangelo Edessa"/>
-        <a:font script="Syre" typeface="Estrangelo Edessa"/>
-        <a:font script="Sora" typeface="Nirmala UI"/>
-        <a:font script="Tale" typeface="Microsoft Tai Le"/>
-        <a:font script="Talu" typeface="Microsoft New Tai Lue"/>
-        <a:font script="Tfng" typeface="Ebrima"/>
       </a:minorFont>
     </a:fontScheme>
-    <a:fmtScheme name="Office">
+    <a:fmtScheme name="Íon">
       <a:fillStyleLst>
         <a:solidFill>
           <a:schemeClr val="phClr"/>
@@ -3551,23 +6287,15 @@
           <a:gsLst>
             <a:gs pos="0">
               <a:schemeClr val="phClr">
-                <a:lumMod val="110000"/>
-                <a:satMod val="105000"/>
-                <a:tint val="67000"/>
-              </a:schemeClr>
-            </a:gs>
-            <a:gs pos="50000">
-              <a:schemeClr val="phClr">
-                <a:lumMod val="105000"/>
-                <a:satMod val="103000"/>
-                <a:tint val="73000"/>
+                <a:tint val="64000"/>
+                <a:lumMod val="118000"/>
               </a:schemeClr>
             </a:gs>
             <a:gs pos="100000">
               <a:schemeClr val="phClr">
-                <a:lumMod val="105000"/>
-                <a:satMod val="109000"/>
-                <a:tint val="81000"/>
+                <a:tint val="92000"/>
+                <a:alpha val="100000"/>
+                <a:lumMod val="110000"/>
               </a:schemeClr>
             </a:gs>
           </a:gsLst>
@@ -3577,23 +6305,14 @@
           <a:gsLst>
             <a:gs pos="0">
               <a:schemeClr val="phClr">
-                <a:satMod val="103000"/>
-                <a:lumMod val="102000"/>
-                <a:tint val="94000"/>
-              </a:schemeClr>
-            </a:gs>
-            <a:gs pos="50000">
-              <a:schemeClr val="phClr">
-                <a:satMod val="110000"/>
-                <a:lumMod val="100000"/>
-                <a:shade val="100000"/>
+                <a:tint val="98000"/>
+                <a:lumMod val="114000"/>
               </a:schemeClr>
             </a:gs>
             <a:gs pos="100000">
               <a:schemeClr val="phClr">
-                <a:lumMod val="99000"/>
-                <a:satMod val="120000"/>
-                <a:shade val="78000"/>
+                <a:shade val="90000"/>
+                <a:lumMod val="84000"/>
               </a:schemeClr>
             </a:gs>
           </a:gsLst>
@@ -3601,26 +6320,23 @@
         </a:gradFill>
       </a:fillStyleLst>
       <a:lnStyleLst>
-        <a:ln w="12700" cap="flat" cmpd="sng" algn="ctr">
+        <a:ln w="9525" cap="rnd" cmpd="sng" algn="ctr">
           <a:solidFill>
             <a:schemeClr val="phClr"/>
           </a:solidFill>
           <a:prstDash val="solid"/>
-          <a:miter lim="800000"/>
         </a:ln>
-        <a:ln w="19050" cap="flat" cmpd="sng" algn="ctr">
+        <a:ln w="19050" cap="rnd" cmpd="sng" algn="ctr">
           <a:solidFill>
             <a:schemeClr val="phClr"/>
           </a:solidFill>
           <a:prstDash val="solid"/>
-          <a:miter lim="800000"/>
         </a:ln>
-        <a:ln w="25400" cap="flat" cmpd="sng" algn="ctr">
+        <a:ln w="28575" cap="rnd" cmpd="sng" algn="ctr">
           <a:solidFill>
             <a:schemeClr val="phClr"/>
           </a:solidFill>
           <a:prstDash val="solid"/>
-          <a:miter lim="800000"/>
         </a:ln>
       </a:lnStyleLst>
       <a:effectStyleLst>
@@ -3628,83 +6344,88 @@
           <a:effectLst/>
         </a:effectStyle>
         <a:effectStyle>
-          <a:effectLst/>
+          <a:effectLst>
+            <a:outerShdw blurRad="38100" dist="25400" dir="5400000" rotWithShape="0">
+              <a:srgbClr val="000000">
+                <a:alpha val="45000"/>
+              </a:srgbClr>
+            </a:outerShdw>
+          </a:effectLst>
         </a:effectStyle>
         <a:effectStyle>
           <a:effectLst>
-            <a:outerShdw blurRad="57150" dist="19050" dir="5400000" algn="ctr" rotWithShape="0">
+            <a:outerShdw blurRad="63500" dist="38100" dir="5400000" rotWithShape="0">
               <a:srgbClr val="000000">
-                <a:alpha val="63000"/>
+                <a:alpha val="60000"/>
               </a:srgbClr>
             </a:outerShdw>
           </a:effectLst>
+          <a:scene3d>
+            <a:camera prst="orthographicFront">
+              <a:rot lat="0" lon="0" rev="0"/>
+            </a:camera>
+            <a:lightRig rig="threePt" dir="tl"/>
+          </a:scene3d>
+          <a:sp3d prstMaterial="plastic">
+            <a:bevelT w="0" h="0"/>
+          </a:sp3d>
         </a:effectStyle>
       </a:effectStyleLst>
       <a:bgFillStyleLst>
         <a:solidFill>
           <a:schemeClr val="phClr"/>
         </a:solidFill>
-        <a:solidFill>
-          <a:schemeClr val="phClr">
-            <a:tint val="95000"/>
-            <a:satMod val="170000"/>
-          </a:schemeClr>
-        </a:solidFill>
         <a:gradFill rotWithShape="1">
           <a:gsLst>
             <a:gs pos="0">
               <a:schemeClr val="phClr">
-                <a:tint val="93000"/>
-                <a:satMod val="150000"/>
-                <a:shade val="98000"/>
-                <a:lumMod val="102000"/>
-              </a:schemeClr>
-            </a:gs>
-            <a:gs pos="50000">
-              <a:schemeClr val="phClr">
-                <a:tint val="98000"/>
+                <a:tint val="97000"/>
+                <a:hueMod val="88000"/>
                 <a:satMod val="130000"/>
-                <a:shade val="90000"/>
-                <a:lumMod val="103000"/>
+                <a:lumMod val="124000"/>
               </a:schemeClr>
             </a:gs>
             <a:gs pos="100000">
               <a:schemeClr val="phClr">
-                <a:shade val="63000"/>
-                <a:satMod val="120000"/>
+                <a:tint val="96000"/>
+                <a:shade val="88000"/>
+                <a:hueMod val="108000"/>
+                <a:satMod val="164000"/>
+                <a:lumMod val="76000"/>
               </a:schemeClr>
             </a:gs>
           </a:gsLst>
-          <a:lin ang="5400000" scaled="0"/>
+          <a:path path="circle">
+            <a:fillToRect l="45000" t="65000" r="125000" b="100000"/>
+          </a:path>
         </a:gradFill>
+        <a:blipFill rotWithShape="1">
+          <a:blip xmlns:r="http://schemas.openxmlformats.org/officeDocument/2006/relationships" r:embed="rId1">
+            <a:duotone>
+              <a:schemeClr val="phClr">
+                <a:shade val="69000"/>
+                <a:hueMod val="108000"/>
+                <a:satMod val="164000"/>
+                <a:lumMod val="74000"/>
+              </a:schemeClr>
+              <a:schemeClr val="phClr">
+                <a:tint val="96000"/>
+                <a:hueMod val="88000"/>
+                <a:satMod val="140000"/>
+                <a:lumMod val="132000"/>
+              </a:schemeClr>
+            </a:duotone>
+          </a:blip>
+          <a:stretch/>
+        </a:blipFill>
       </a:bgFillStyleLst>
     </a:fmtScheme>
   </a:themeElements>
-  <a:objectDefaults>
-    <a:lnDef>
-      <a:spPr/>
-      <a:bodyPr/>
-      <a:lstStyle/>
-      <a:style>
-        <a:lnRef idx="2">
-          <a:schemeClr val="accent1"/>
-        </a:lnRef>
-        <a:fillRef idx="0">
-          <a:schemeClr val="accent1"/>
-        </a:fillRef>
-        <a:effectRef idx="1">
-          <a:schemeClr val="accent1"/>
-        </a:effectRef>
-        <a:fontRef idx="minor">
-          <a:schemeClr val="tx1"/>
-        </a:fontRef>
-      </a:style>
-    </a:lnDef>
-  </a:objectDefaults>
+  <a:objectDefaults/>
   <a:extraClrSchemeLst/>
   <a:extLst>
     <a:ext uri="{05A4C25C-085E-4340-85A3-A5531E510DB2}">
-      <thm15:themeFamily xmlns:thm15="http://schemas.microsoft.com/office/thememl/2012/main" name="Office Theme" id="{2E142A2C-CD16-42D6-873A-C26D2A0506FA}" vid="{1BDDFF52-6CD6-40A5-AB3C-68EB2F1E4D0A}"/>
+      <thm15:themeFamily xmlns:thm15="http://schemas.microsoft.com/office/thememl/2012/main" name="Ion" id="{B8441ADB-2E43-4AF7-B97A-BD870242C6A8}" vid="{292E63A9-BB86-4E3D-B92A-7223C6510D2E}"/>
     </a:ext>
   </a:extLst>
 </a:theme>
